--- a/20170817.AzureCafe.Containers/slides.pptx
+++ b/20170817.AzureCafe.Containers/slides.pptx
@@ -5,7 +5,7 @@
     <p:sldMasterId id="2147483660" r:id="rId1"/>
   </p:sldMasterIdLst>
   <p:notesMasterIdLst>
-    <p:notesMasterId r:id="rId34"/>
+    <p:notesMasterId r:id="rId36"/>
   </p:notesMasterIdLst>
   <p:sldIdLst>
     <p:sldId id="256" r:id="rId2"/>
@@ -23,23 +23,25 @@
     <p:sldId id="285" r:id="rId14"/>
     <p:sldId id="284" r:id="rId15"/>
     <p:sldId id="279" r:id="rId16"/>
-    <p:sldId id="280" r:id="rId17"/>
-    <p:sldId id="294" r:id="rId18"/>
-    <p:sldId id="295" r:id="rId19"/>
-    <p:sldId id="300" r:id="rId20"/>
-    <p:sldId id="301" r:id="rId21"/>
-    <p:sldId id="311" r:id="rId22"/>
-    <p:sldId id="302" r:id="rId23"/>
-    <p:sldId id="310" r:id="rId24"/>
-    <p:sldId id="303" r:id="rId25"/>
-    <p:sldId id="305" r:id="rId26"/>
-    <p:sldId id="258" r:id="rId27"/>
-    <p:sldId id="306" r:id="rId28"/>
-    <p:sldId id="312" r:id="rId29"/>
-    <p:sldId id="309" r:id="rId30"/>
-    <p:sldId id="308" r:id="rId31"/>
-    <p:sldId id="259" r:id="rId32"/>
-    <p:sldId id="261" r:id="rId33"/>
+    <p:sldId id="313" r:id="rId17"/>
+    <p:sldId id="280" r:id="rId18"/>
+    <p:sldId id="314" r:id="rId19"/>
+    <p:sldId id="294" r:id="rId20"/>
+    <p:sldId id="295" r:id="rId21"/>
+    <p:sldId id="300" r:id="rId22"/>
+    <p:sldId id="301" r:id="rId23"/>
+    <p:sldId id="311" r:id="rId24"/>
+    <p:sldId id="302" r:id="rId25"/>
+    <p:sldId id="310" r:id="rId26"/>
+    <p:sldId id="303" r:id="rId27"/>
+    <p:sldId id="305" r:id="rId28"/>
+    <p:sldId id="258" r:id="rId29"/>
+    <p:sldId id="306" r:id="rId30"/>
+    <p:sldId id="312" r:id="rId31"/>
+    <p:sldId id="309" r:id="rId32"/>
+    <p:sldId id="308" r:id="rId33"/>
+    <p:sldId id="259" r:id="rId34"/>
+    <p:sldId id="261" r:id="rId35"/>
   </p:sldIdLst>
   <p:sldSz cx="12192000" cy="6858000"/>
   <p:notesSz cx="6858000" cy="9144000"/>
@@ -138,6 +140,11 @@
       </a:defRPr>
     </a:lvl9pPr>
   </p:defaultTextStyle>
+  <p:extLst>
+    <p:ext uri="{EFAFB233-063F-42B5-8137-9DF3F51BA10A}">
+      <p15:sldGuideLst xmlns:p15="http://schemas.microsoft.com/office/powerpoint/2012/main"/>
+    </p:ext>
+  </p:extLst>
 </p:presentation>
 </file>
 
@@ -1147,6 +1154,13 @@
         </dgm:presLayoutVars>
       </dgm:prSet>
       <dgm:spPr/>
+      <dgm:t>
+        <a:bodyPr/>
+        <a:lstStyle/>
+        <a:p>
+          <a:endParaRPr lang="zh-TW" altLang="en-US"/>
+        </a:p>
+      </dgm:t>
     </dgm:pt>
     <dgm:pt modelId="{4BD67E1D-3CC8-47E5-814F-539BEBB75C22}" type="pres">
       <dgm:prSet presAssocID="{C10C00BA-BCD4-4DAE-B406-170AB846F86D}" presName="parTxOnlySpace" presStyleCnt="0"/>
@@ -1161,6 +1175,13 @@
         </dgm:presLayoutVars>
       </dgm:prSet>
       <dgm:spPr/>
+      <dgm:t>
+        <a:bodyPr/>
+        <a:lstStyle/>
+        <a:p>
+          <a:endParaRPr lang="zh-TW" altLang="en-US"/>
+        </a:p>
+      </dgm:t>
     </dgm:pt>
     <dgm:pt modelId="{FB29018B-449F-46D2-B0D4-B89636BB929B}" type="pres">
       <dgm:prSet presAssocID="{5E53BFEB-3EED-482A-B7F9-465FBC4A00AF}" presName="parTxOnlySpace" presStyleCnt="0"/>
@@ -2927,7 +2948,7 @@
           <a:p>
             <a:fld id="{E021E510-D267-4A48-98B8-37CAB08698A1}" type="datetimeFigureOut">
               <a:rPr lang="zh-TW" altLang="en-US" smtClean="0"/>
-              <a:t>2017/8/10</a:t>
+              <a:t>2017/8/17</a:t>
             </a:fld>
             <a:endParaRPr lang="zh-TW" altLang="en-US"/>
           </a:p>
@@ -3505,7 +3526,7 @@
           <a:p>
             <a:fld id="{B07EFE10-B13D-43B6-9F5E-D0DE056FAF9A}" type="datetimeFigureOut">
               <a:rPr lang="zh-TW" altLang="en-US" smtClean="0"/>
-              <a:t>2017/8/10</a:t>
+              <a:t>2017/8/17</a:t>
             </a:fld>
             <a:endParaRPr lang="zh-TW" altLang="en-US"/>
           </a:p>
@@ -3713,7 +3734,7 @@
           <a:p>
             <a:fld id="{B07EFE10-B13D-43B6-9F5E-D0DE056FAF9A}" type="datetimeFigureOut">
               <a:rPr lang="zh-TW" altLang="en-US" smtClean="0"/>
-              <a:t>2017/8/10</a:t>
+              <a:t>2017/8/17</a:t>
             </a:fld>
             <a:endParaRPr lang="zh-TW" altLang="en-US"/>
           </a:p>
@@ -3969,7 +3990,7 @@
           <a:p>
             <a:fld id="{B07EFE10-B13D-43B6-9F5E-D0DE056FAF9A}" type="datetimeFigureOut">
               <a:rPr lang="zh-TW" altLang="en-US" smtClean="0"/>
-              <a:t>2017/8/10</a:t>
+              <a:t>2017/8/17</a:t>
             </a:fld>
             <a:endParaRPr lang="zh-TW" altLang="en-US"/>
           </a:p>
@@ -4143,7 +4164,7 @@
           <a:p>
             <a:fld id="{B07EFE10-B13D-43B6-9F5E-D0DE056FAF9A}" type="datetimeFigureOut">
               <a:rPr lang="zh-TW" altLang="en-US" smtClean="0"/>
-              <a:t>2017/8/10</a:t>
+              <a:t>2017/8/17</a:t>
             </a:fld>
             <a:endParaRPr lang="zh-TW" altLang="en-US"/>
           </a:p>
@@ -4486,7 +4507,7 @@
           <a:p>
             <a:fld id="{B07EFE10-B13D-43B6-9F5E-D0DE056FAF9A}" type="datetimeFigureOut">
               <a:rPr lang="zh-TW" altLang="en-US" smtClean="0"/>
-              <a:t>2017/8/10</a:t>
+              <a:t>2017/8/17</a:t>
             </a:fld>
             <a:endParaRPr lang="zh-TW" altLang="en-US"/>
           </a:p>
@@ -4761,7 +4782,7 @@
           <a:p>
             <a:fld id="{B07EFE10-B13D-43B6-9F5E-D0DE056FAF9A}" type="datetimeFigureOut">
               <a:rPr lang="zh-TW" altLang="en-US" smtClean="0"/>
-              <a:t>2017/8/10</a:t>
+              <a:t>2017/8/17</a:t>
             </a:fld>
             <a:endParaRPr lang="zh-TW" altLang="en-US"/>
           </a:p>
@@ -5140,7 +5161,7 @@
           <a:p>
             <a:fld id="{B07EFE10-B13D-43B6-9F5E-D0DE056FAF9A}" type="datetimeFigureOut">
               <a:rPr lang="zh-TW" altLang="en-US" smtClean="0"/>
-              <a:t>2017/8/10</a:t>
+              <a:t>2017/8/17</a:t>
             </a:fld>
             <a:endParaRPr lang="zh-TW" altLang="en-US"/>
           </a:p>
@@ -5258,7 +5279,7 @@
           <a:p>
             <a:fld id="{B07EFE10-B13D-43B6-9F5E-D0DE056FAF9A}" type="datetimeFigureOut">
               <a:rPr lang="zh-TW" altLang="en-US" smtClean="0"/>
-              <a:t>2017/8/10</a:t>
+              <a:t>2017/8/17</a:t>
             </a:fld>
             <a:endParaRPr lang="zh-TW" altLang="en-US"/>
           </a:p>
@@ -5429,7 +5450,7 @@
           <a:p>
             <a:fld id="{B07EFE10-B13D-43B6-9F5E-D0DE056FAF9A}" type="datetimeFigureOut">
               <a:rPr lang="zh-TW" altLang="en-US" smtClean="0"/>
-              <a:t>2017/8/10</a:t>
+              <a:t>2017/8/17</a:t>
             </a:fld>
             <a:endParaRPr lang="zh-TW" altLang="en-US"/>
           </a:p>
@@ -5783,7 +5804,7 @@
           <a:p>
             <a:fld id="{B07EFE10-B13D-43B6-9F5E-D0DE056FAF9A}" type="datetimeFigureOut">
               <a:rPr lang="zh-TW" altLang="en-US" smtClean="0"/>
-              <a:t>2017/8/10</a:t>
+              <a:t>2017/8/17</a:t>
             </a:fld>
             <a:endParaRPr lang="zh-TW" altLang="en-US"/>
           </a:p>
@@ -6165,7 +6186,7 @@
           <a:p>
             <a:fld id="{B07EFE10-B13D-43B6-9F5E-D0DE056FAF9A}" type="datetimeFigureOut">
               <a:rPr lang="zh-TW" altLang="en-US" smtClean="0"/>
-              <a:t>2017/8/10</a:t>
+              <a:t>2017/8/17</a:t>
             </a:fld>
             <a:endParaRPr lang="zh-TW" altLang="en-US"/>
           </a:p>
@@ -6452,7 +6473,7 @@
           <a:p>
             <a:fld id="{B07EFE10-B13D-43B6-9F5E-D0DE056FAF9A}" type="datetimeFigureOut">
               <a:rPr lang="zh-TW" altLang="en-US" smtClean="0"/>
-              <a:t>2017/8/10</a:t>
+              <a:t>2017/8/17</a:t>
             </a:fld>
             <a:endParaRPr lang="zh-TW" altLang="en-US"/>
           </a:p>
@@ -7470,6 +7491,52 @@
           </a:prstGeom>
         </p:spPr>
       </p:pic>
+      <p:sp>
+        <p:nvSpPr>
+          <p:cNvPr id="4" name="矩形 3"/>
+          <p:cNvSpPr/>
+          <p:nvPr/>
+        </p:nvSpPr>
+        <p:spPr>
+          <a:xfrm>
+            <a:off x="1203569" y="4806462"/>
+            <a:ext cx="6369539" cy="414215"/>
+          </a:xfrm>
+          <a:prstGeom prst="rect">
+            <a:avLst/>
+          </a:prstGeom>
+          <a:solidFill>
+            <a:srgbClr val="1E1E1E"/>
+          </a:solidFill>
+          <a:ln>
+            <a:noFill/>
+          </a:ln>
+        </p:spPr>
+        <p:style>
+          <a:lnRef idx="2">
+            <a:schemeClr val="accent1">
+              <a:shade val="50000"/>
+            </a:schemeClr>
+          </a:lnRef>
+          <a:fillRef idx="1">
+            <a:schemeClr val="accent1"/>
+          </a:fillRef>
+          <a:effectRef idx="0">
+            <a:schemeClr val="accent1"/>
+          </a:effectRef>
+          <a:fontRef idx="minor">
+            <a:schemeClr val="lt1"/>
+          </a:fontRef>
+        </p:style>
+        <p:txBody>
+          <a:bodyPr rtlCol="0" anchor="ctr"/>
+          <a:lstStyle/>
+          <a:p>
+            <a:pPr algn="ctr"/>
+            <a:endParaRPr lang="zh-TW" altLang="en-US"/>
+          </a:p>
+        </p:txBody>
+      </p:sp>
     </p:spTree>
     <p:extLst>
       <p:ext uri="{BB962C8B-B14F-4D97-AF65-F5344CB8AC3E}">
@@ -8264,7 +8331,7 @@
       </p:sp>
       <p:pic>
         <p:nvPicPr>
-          <p:cNvPr id="4" name="圖片 3"/>
+          <p:cNvPr id="5" name="圖片 4"/>
           <p:cNvPicPr>
             <a:picLocks noChangeAspect="1"/>
           </p:cNvPicPr>
@@ -8278,8 +8345,8 @@
         </p:blipFill>
         <p:spPr>
           <a:xfrm>
-            <a:off x="634999" y="1737360"/>
-            <a:ext cx="11277602" cy="13367916"/>
+            <a:off x="1290320" y="1737360"/>
+            <a:ext cx="9672320" cy="6224052"/>
           </a:xfrm>
           <a:prstGeom prst="rect">
             <a:avLst/>
@@ -8322,18 +8389,18 @@
                                     <p:cond delay="0"/>
                                   </p:stCondLst>
                                   <p:childTnLst>
-                                    <p:animMotion origin="layout" path="M -3.33333E-6 2.22222E-6 L -3.33333E-6 -0.87408 " pathEditMode="relative" rAng="0" ptsTypes="AA">
+                                    <p:animMotion origin="layout" path="M -3.95833E-6 -4.44444E-6 L -3.95833E-6 -0.27152 " pathEditMode="relative" rAng="0" ptsTypes="AA">
                                       <p:cBhvr>
                                         <p:cTn id="6" dur="2000" fill="hold"/>
                                         <p:tgtEl>
-                                          <p:spTgt spid="4"/>
+                                          <p:spTgt spid="5"/>
                                         </p:tgtEl>
                                         <p:attrNameLst>
                                           <p:attrName>ppt_x</p:attrName>
                                           <p:attrName>ppt_y</p:attrName>
                                         </p:attrNameLst>
                                       </p:cBhvr>
-                                      <p:rCtr x="0" y="-43704"/>
+                                      <p:rCtr x="0" y="-13588"/>
                                     </p:animMotion>
                                   </p:childTnLst>
                                 </p:cTn>
@@ -8388,12 +8455,12 @@
       </p:grpSpPr>
       <p:sp>
         <p:nvSpPr>
-          <p:cNvPr id="2" name="標題 1"/>
+          <p:cNvPr id="4" name="標題 3"/>
           <p:cNvSpPr>
             <a:spLocks noGrp="1"/>
           </p:cNvSpPr>
           <p:nvPr>
-            <p:ph type="title"/>
+            <p:ph type="ctrTitle"/>
           </p:nvPr>
         </p:nvSpPr>
         <p:spPr/>
@@ -8403,7 +8470,7 @@
           <a:p>
             <a:r>
               <a:rPr lang="en-US" altLang="zh-TW" dirty="0" smtClean="0"/>
-              <a:t>DEMO: Production (@Azure)</a:t>
+              <a:t>DEMO: @Local</a:t>
             </a:r>
             <a:endParaRPr lang="zh-TW" altLang="en-US" dirty="0"/>
           </a:p>
@@ -8411,12 +8478,12 @@
       </p:sp>
       <p:sp>
         <p:nvSpPr>
-          <p:cNvPr id="3" name="內容版面配置區 2"/>
+          <p:cNvPr id="5" name="副標題 4"/>
           <p:cNvSpPr>
             <a:spLocks noGrp="1"/>
           </p:cNvSpPr>
           <p:nvPr>
-            <p:ph idx="1"/>
+            <p:ph type="subTitle" idx="1"/>
           </p:nvPr>
         </p:nvSpPr>
         <p:spPr/>
@@ -8424,917 +8491,6 @@
           <a:bodyPr/>
           <a:lstStyle/>
           <a:p>
-            <a:endParaRPr lang="zh-TW" altLang="en-US"/>
-          </a:p>
-        </p:txBody>
-      </p:sp>
-      <p:sp>
-        <p:nvSpPr>
-          <p:cNvPr id="4" name="圓角矩形 3"/>
-          <p:cNvSpPr/>
-          <p:nvPr/>
-        </p:nvSpPr>
-        <p:spPr>
-          <a:xfrm>
-            <a:off x="1097280" y="1969507"/>
-            <a:ext cx="7023371" cy="4114800"/>
-          </a:xfrm>
-          <a:prstGeom prst="roundRect">
-            <a:avLst>
-              <a:gd name="adj" fmla="val 11702"/>
-            </a:avLst>
-          </a:prstGeom>
-          <a:ln>
-            <a:prstDash val="dash"/>
-          </a:ln>
-        </p:spPr>
-        <p:style>
-          <a:lnRef idx="2">
-            <a:schemeClr val="accent1"/>
-          </a:lnRef>
-          <a:fillRef idx="1">
-            <a:schemeClr val="lt1"/>
-          </a:fillRef>
-          <a:effectRef idx="0">
-            <a:schemeClr val="accent1"/>
-          </a:effectRef>
-          <a:fontRef idx="minor">
-            <a:schemeClr val="dk1"/>
-          </a:fontRef>
-        </p:style>
-        <p:txBody>
-          <a:bodyPr rtlCol="0" anchor="ctr"/>
-          <a:lstStyle/>
-          <a:p>
-            <a:pPr algn="ctr"/>
-            <a:endParaRPr lang="zh-TW" altLang="en-US"/>
-          </a:p>
-        </p:txBody>
-      </p:sp>
-      <p:sp>
-        <p:nvSpPr>
-          <p:cNvPr id="5" name="文字方塊 4"/>
-          <p:cNvSpPr txBox="1"/>
-          <p:nvPr/>
-        </p:nvSpPr>
-        <p:spPr>
-          <a:xfrm>
-            <a:off x="1335633" y="5666017"/>
-            <a:ext cx="2033057" cy="369332"/>
-          </a:xfrm>
-          <a:prstGeom prst="rect">
-            <a:avLst/>
-          </a:prstGeom>
-          <a:noFill/>
-        </p:spPr>
-        <p:txBody>
-          <a:bodyPr wrap="none" rtlCol="0">
-            <a:spAutoFit/>
-          </a:bodyPr>
-          <a:lstStyle/>
-          <a:p>
-            <a:r>
-              <a:rPr lang="en-US" altLang="zh-TW" dirty="0" smtClean="0"/>
-              <a:t>Windows Container</a:t>
-            </a:r>
-            <a:endParaRPr lang="zh-TW" altLang="en-US" dirty="0"/>
-          </a:p>
-        </p:txBody>
-      </p:sp>
-      <p:sp>
-        <p:nvSpPr>
-          <p:cNvPr id="6" name="圓角矩形 5"/>
-          <p:cNvSpPr/>
-          <p:nvPr/>
-        </p:nvSpPr>
-        <p:spPr>
-          <a:xfrm>
-            <a:off x="1608008" y="2202971"/>
-            <a:ext cx="6215922" cy="505838"/>
-          </a:xfrm>
-          <a:prstGeom prst="roundRect">
-            <a:avLst/>
-          </a:prstGeom>
-        </p:spPr>
-        <p:style>
-          <a:lnRef idx="2">
-            <a:schemeClr val="accent2"/>
-          </a:lnRef>
-          <a:fillRef idx="1">
-            <a:schemeClr val="lt1"/>
-          </a:fillRef>
-          <a:effectRef idx="0">
-            <a:schemeClr val="accent2"/>
-          </a:effectRef>
-          <a:fontRef idx="minor">
-            <a:schemeClr val="dk1"/>
-          </a:fontRef>
-        </p:style>
-        <p:txBody>
-          <a:bodyPr rtlCol="0" anchor="ctr"/>
-          <a:lstStyle/>
-          <a:p>
-            <a:pPr algn="ctr"/>
-            <a:r>
-              <a:rPr lang="en-US" altLang="zh-TW" dirty="0" smtClean="0"/>
-              <a:t>IP2C.ReverseProxy</a:t>
-            </a:r>
-            <a:endParaRPr lang="zh-TW" altLang="en-US" dirty="0"/>
-          </a:p>
-        </p:txBody>
-      </p:sp>
-      <p:sp>
-        <p:nvSpPr>
-          <p:cNvPr id="7" name="橢圓 6"/>
-          <p:cNvSpPr/>
-          <p:nvPr/>
-        </p:nvSpPr>
-        <p:spPr>
-          <a:xfrm>
-            <a:off x="610922" y="2334293"/>
-            <a:ext cx="252921" cy="243193"/>
-          </a:xfrm>
-          <a:prstGeom prst="ellipse">
-            <a:avLst/>
-          </a:prstGeom>
-        </p:spPr>
-        <p:style>
-          <a:lnRef idx="2">
-            <a:schemeClr val="accent1"/>
-          </a:lnRef>
-          <a:fillRef idx="1">
-            <a:schemeClr val="lt1"/>
-          </a:fillRef>
-          <a:effectRef idx="0">
-            <a:schemeClr val="accent1"/>
-          </a:effectRef>
-          <a:fontRef idx="minor">
-            <a:schemeClr val="dk1"/>
-          </a:fontRef>
-        </p:style>
-        <p:txBody>
-          <a:bodyPr rtlCol="0" anchor="ctr"/>
-          <a:lstStyle/>
-          <a:p>
-            <a:pPr algn="ctr"/>
-            <a:endParaRPr lang="zh-TW" altLang="en-US"/>
-          </a:p>
-        </p:txBody>
-      </p:sp>
-      <p:cxnSp>
-        <p:nvCxnSpPr>
-          <p:cNvPr id="8" name="直線接點 7"/>
-          <p:cNvCxnSpPr>
-            <a:stCxn id="7" idx="6"/>
-            <a:endCxn id="6" idx="1"/>
-          </p:cNvCxnSpPr>
-          <p:nvPr/>
-        </p:nvCxnSpPr>
-        <p:spPr>
-          <a:xfrm>
-            <a:off x="863843" y="2455890"/>
-            <a:ext cx="744165" cy="0"/>
-          </a:xfrm>
-          <a:prstGeom prst="line">
-            <a:avLst/>
-          </a:prstGeom>
-        </p:spPr>
-        <p:style>
-          <a:lnRef idx="1">
-            <a:schemeClr val="accent1"/>
-          </a:lnRef>
-          <a:fillRef idx="0">
-            <a:schemeClr val="accent1"/>
-          </a:fillRef>
-          <a:effectRef idx="0">
-            <a:schemeClr val="accent1"/>
-          </a:effectRef>
-          <a:fontRef idx="minor">
-            <a:schemeClr val="tx1"/>
-          </a:fontRef>
-        </p:style>
-      </p:cxnSp>
-      <p:sp>
-        <p:nvSpPr>
-          <p:cNvPr id="9" name="圓角矩形 8"/>
-          <p:cNvSpPr/>
-          <p:nvPr/>
-        </p:nvSpPr>
-        <p:spPr>
-          <a:xfrm>
-            <a:off x="1608008" y="2903364"/>
-            <a:ext cx="2023354" cy="982493"/>
-          </a:xfrm>
-          <a:prstGeom prst="roundRect">
-            <a:avLst/>
-          </a:prstGeom>
-        </p:spPr>
-        <p:style>
-          <a:lnRef idx="2">
-            <a:schemeClr val="accent2"/>
-          </a:lnRef>
-          <a:fillRef idx="1">
-            <a:schemeClr val="lt1"/>
-          </a:fillRef>
-          <a:effectRef idx="0">
-            <a:schemeClr val="accent2"/>
-          </a:effectRef>
-          <a:fontRef idx="minor">
-            <a:schemeClr val="dk1"/>
-          </a:fontRef>
-        </p:style>
-        <p:txBody>
-          <a:bodyPr rtlCol="0" anchor="ctr"/>
-          <a:lstStyle/>
-          <a:p>
-            <a:pPr algn="ctr"/>
-            <a:r>
-              <a:rPr lang="en-US" altLang="zh-TW" dirty="0" smtClean="0"/>
-              <a:t>IP2C.WebAPI</a:t>
-            </a:r>
-            <a:endParaRPr lang="zh-TW" altLang="en-US" dirty="0"/>
-          </a:p>
-        </p:txBody>
-      </p:sp>
-      <p:sp>
-        <p:nvSpPr>
-          <p:cNvPr id="10" name="圓角矩形 9"/>
-          <p:cNvSpPr/>
-          <p:nvPr/>
-        </p:nvSpPr>
-        <p:spPr>
-          <a:xfrm>
-            <a:off x="3704292" y="2903364"/>
-            <a:ext cx="2023354" cy="982493"/>
-          </a:xfrm>
-          <a:prstGeom prst="roundRect">
-            <a:avLst/>
-          </a:prstGeom>
-        </p:spPr>
-        <p:style>
-          <a:lnRef idx="2">
-            <a:schemeClr val="accent2"/>
-          </a:lnRef>
-          <a:fillRef idx="1">
-            <a:schemeClr val="lt1"/>
-          </a:fillRef>
-          <a:effectRef idx="0">
-            <a:schemeClr val="accent2"/>
-          </a:effectRef>
-          <a:fontRef idx="minor">
-            <a:schemeClr val="dk1"/>
-          </a:fontRef>
-        </p:style>
-        <p:txBody>
-          <a:bodyPr rtlCol="0" anchor="ctr"/>
-          <a:lstStyle/>
-          <a:p>
-            <a:pPr algn="ctr"/>
-            <a:r>
-              <a:rPr lang="en-US" altLang="zh-TW" dirty="0" smtClean="0"/>
-              <a:t>IP2C.WebAPI</a:t>
-            </a:r>
-            <a:endParaRPr lang="zh-TW" altLang="en-US" dirty="0"/>
-          </a:p>
-        </p:txBody>
-      </p:sp>
-      <p:sp>
-        <p:nvSpPr>
-          <p:cNvPr id="11" name="圓角矩形 10"/>
-          <p:cNvSpPr/>
-          <p:nvPr/>
-        </p:nvSpPr>
-        <p:spPr>
-          <a:xfrm>
-            <a:off x="5800576" y="2903364"/>
-            <a:ext cx="2023354" cy="982493"/>
-          </a:xfrm>
-          <a:prstGeom prst="roundRect">
-            <a:avLst/>
-          </a:prstGeom>
-        </p:spPr>
-        <p:style>
-          <a:lnRef idx="2">
-            <a:schemeClr val="accent2"/>
-          </a:lnRef>
-          <a:fillRef idx="1">
-            <a:schemeClr val="lt1"/>
-          </a:fillRef>
-          <a:effectRef idx="0">
-            <a:schemeClr val="accent2"/>
-          </a:effectRef>
-          <a:fontRef idx="minor">
-            <a:schemeClr val="dk1"/>
-          </a:fontRef>
-        </p:style>
-        <p:txBody>
-          <a:bodyPr rtlCol="0" anchor="ctr"/>
-          <a:lstStyle/>
-          <a:p>
-            <a:pPr algn="ctr"/>
-            <a:r>
-              <a:rPr lang="en-US" altLang="zh-TW" dirty="0" smtClean="0"/>
-              <a:t>IP2C.Worker</a:t>
-            </a:r>
-            <a:endParaRPr lang="zh-TW" altLang="en-US" dirty="0"/>
-          </a:p>
-        </p:txBody>
-      </p:sp>
-      <p:sp>
-        <p:nvSpPr>
-          <p:cNvPr id="12" name="圓角矩形 11"/>
-          <p:cNvSpPr/>
-          <p:nvPr/>
-        </p:nvSpPr>
-        <p:spPr>
-          <a:xfrm>
-            <a:off x="1608008" y="4090138"/>
-            <a:ext cx="6215922" cy="612843"/>
-          </a:xfrm>
-          <a:prstGeom prst="roundRect">
-            <a:avLst/>
-          </a:prstGeom>
-        </p:spPr>
-        <p:style>
-          <a:lnRef idx="2">
-            <a:schemeClr val="accent2"/>
-          </a:lnRef>
-          <a:fillRef idx="1">
-            <a:schemeClr val="lt1"/>
-          </a:fillRef>
-          <a:effectRef idx="0">
-            <a:schemeClr val="accent2"/>
-          </a:effectRef>
-          <a:fontRef idx="minor">
-            <a:schemeClr val="dk1"/>
-          </a:fontRef>
-        </p:style>
-        <p:txBody>
-          <a:bodyPr rtlCol="0" anchor="ctr"/>
-          <a:lstStyle/>
-          <a:p>
-            <a:pPr algn="ctr"/>
-            <a:r>
-              <a:rPr lang="en-US" altLang="zh-TW" dirty="0" smtClean="0"/>
-              <a:t>Volume: IP2C_data</a:t>
-            </a:r>
-            <a:endParaRPr lang="zh-TW" altLang="en-US" dirty="0"/>
-          </a:p>
-        </p:txBody>
-      </p:sp>
-      <p:sp>
-        <p:nvSpPr>
-          <p:cNvPr id="13" name="圓角矩形 12"/>
-          <p:cNvSpPr/>
-          <p:nvPr/>
-        </p:nvSpPr>
-        <p:spPr>
-          <a:xfrm>
-            <a:off x="8320040" y="1920549"/>
-            <a:ext cx="2500063" cy="1965308"/>
-          </a:xfrm>
-          <a:prstGeom prst="roundRect">
-            <a:avLst>
-              <a:gd name="adj" fmla="val 11702"/>
-            </a:avLst>
-          </a:prstGeom>
-          <a:ln>
-            <a:prstDash val="dash"/>
-          </a:ln>
-        </p:spPr>
-        <p:style>
-          <a:lnRef idx="2">
-            <a:schemeClr val="accent1"/>
-          </a:lnRef>
-          <a:fillRef idx="1">
-            <a:schemeClr val="lt1"/>
-          </a:fillRef>
-          <a:effectRef idx="0">
-            <a:schemeClr val="accent1"/>
-          </a:effectRef>
-          <a:fontRef idx="minor">
-            <a:schemeClr val="dk1"/>
-          </a:fontRef>
-        </p:style>
-        <p:txBody>
-          <a:bodyPr rtlCol="0" anchor="ctr"/>
-          <a:lstStyle/>
-          <a:p>
-            <a:pPr algn="ctr"/>
-            <a:endParaRPr lang="zh-TW" altLang="en-US"/>
-          </a:p>
-        </p:txBody>
-      </p:sp>
-      <p:sp>
-        <p:nvSpPr>
-          <p:cNvPr id="14" name="文字方塊 13"/>
-          <p:cNvSpPr txBox="1"/>
-          <p:nvPr/>
-        </p:nvSpPr>
-        <p:spPr>
-          <a:xfrm>
-            <a:off x="8399288" y="3448430"/>
-            <a:ext cx="1640129" cy="369332"/>
-          </a:xfrm>
-          <a:prstGeom prst="rect">
-            <a:avLst/>
-          </a:prstGeom>
-          <a:noFill/>
-        </p:spPr>
-        <p:txBody>
-          <a:bodyPr wrap="none" rtlCol="0">
-            <a:spAutoFit/>
-          </a:bodyPr>
-          <a:lstStyle/>
-          <a:p>
-            <a:r>
-              <a:rPr lang="en-US" altLang="zh-TW" dirty="0" smtClean="0"/>
-              <a:t>Docker Registry</a:t>
-            </a:r>
-            <a:endParaRPr lang="zh-TW" altLang="en-US" dirty="0"/>
-          </a:p>
-        </p:txBody>
-      </p:sp>
-      <p:sp>
-        <p:nvSpPr>
-          <p:cNvPr id="15" name="圓角矩形 14"/>
-          <p:cNvSpPr/>
-          <p:nvPr/>
-        </p:nvSpPr>
-        <p:spPr>
-          <a:xfrm>
-            <a:off x="8320040" y="4118999"/>
-            <a:ext cx="2500063" cy="1965308"/>
-          </a:xfrm>
-          <a:prstGeom prst="roundRect">
-            <a:avLst>
-              <a:gd name="adj" fmla="val 11702"/>
-            </a:avLst>
-          </a:prstGeom>
-          <a:ln>
-            <a:prstDash val="dash"/>
-          </a:ln>
-        </p:spPr>
-        <p:style>
-          <a:lnRef idx="2">
-            <a:schemeClr val="accent1"/>
-          </a:lnRef>
-          <a:fillRef idx="1">
-            <a:schemeClr val="lt1"/>
-          </a:fillRef>
-          <a:effectRef idx="0">
-            <a:schemeClr val="accent1"/>
-          </a:effectRef>
-          <a:fontRef idx="minor">
-            <a:schemeClr val="dk1"/>
-          </a:fontRef>
-        </p:style>
-        <p:txBody>
-          <a:bodyPr rtlCol="0" anchor="ctr"/>
-          <a:lstStyle/>
-          <a:p>
-            <a:pPr algn="ctr"/>
-            <a:endParaRPr lang="zh-TW" altLang="en-US"/>
-          </a:p>
-        </p:txBody>
-      </p:sp>
-      <p:sp>
-        <p:nvSpPr>
-          <p:cNvPr id="16" name="文字方塊 15"/>
-          <p:cNvSpPr txBox="1"/>
-          <p:nvPr/>
-        </p:nvSpPr>
-        <p:spPr>
-          <a:xfrm>
-            <a:off x="8399288" y="5651746"/>
-            <a:ext cx="1446486" cy="369332"/>
-          </a:xfrm>
-          <a:prstGeom prst="rect">
-            <a:avLst/>
-          </a:prstGeom>
-          <a:noFill/>
-        </p:spPr>
-        <p:txBody>
-          <a:bodyPr wrap="none" rtlCol="0">
-            <a:spAutoFit/>
-          </a:bodyPr>
-          <a:lstStyle/>
-          <a:p>
-            <a:r>
-              <a:rPr lang="en-US" altLang="zh-TW" dirty="0" err="1" smtClean="0"/>
-              <a:t>NuGet</a:t>
-            </a:r>
-            <a:r>
-              <a:rPr lang="en-US" altLang="zh-TW" dirty="0" smtClean="0"/>
-              <a:t> Server</a:t>
-            </a:r>
-            <a:endParaRPr lang="zh-TW" altLang="en-US" dirty="0"/>
-          </a:p>
-        </p:txBody>
-      </p:sp>
-      <p:sp>
-        <p:nvSpPr>
-          <p:cNvPr id="17" name="圓角矩形 16"/>
-          <p:cNvSpPr/>
-          <p:nvPr/>
-        </p:nvSpPr>
-        <p:spPr>
-          <a:xfrm>
-            <a:off x="8485410" y="4578953"/>
-            <a:ext cx="2023354" cy="982493"/>
-          </a:xfrm>
-          <a:prstGeom prst="roundRect">
-            <a:avLst/>
-          </a:prstGeom>
-        </p:spPr>
-        <p:style>
-          <a:lnRef idx="2">
-            <a:schemeClr val="accent2"/>
-          </a:lnRef>
-          <a:fillRef idx="1">
-            <a:schemeClr val="lt1"/>
-          </a:fillRef>
-          <a:effectRef idx="0">
-            <a:schemeClr val="accent2"/>
-          </a:effectRef>
-          <a:fontRef idx="minor">
-            <a:schemeClr val="dk1"/>
-          </a:fontRef>
-        </p:style>
-        <p:txBody>
-          <a:bodyPr rtlCol="0" anchor="ctr"/>
-          <a:lstStyle/>
-          <a:p>
-            <a:pPr algn="ctr"/>
-            <a:r>
-              <a:rPr lang="en-US" altLang="zh-TW" dirty="0" smtClean="0"/>
-              <a:t>IP2C.SDK</a:t>
-            </a:r>
-            <a:endParaRPr lang="zh-TW" altLang="en-US" dirty="0"/>
-          </a:p>
-        </p:txBody>
-      </p:sp>
-      <p:sp>
-        <p:nvSpPr>
-          <p:cNvPr id="18" name="圓角矩形 17"/>
-          <p:cNvSpPr/>
-          <p:nvPr/>
-        </p:nvSpPr>
-        <p:spPr>
-          <a:xfrm>
-            <a:off x="8485410" y="2086239"/>
-            <a:ext cx="2023354" cy="491247"/>
-          </a:xfrm>
-          <a:prstGeom prst="roundRect">
-            <a:avLst/>
-          </a:prstGeom>
-        </p:spPr>
-        <p:style>
-          <a:lnRef idx="2">
-            <a:schemeClr val="accent2"/>
-          </a:lnRef>
-          <a:fillRef idx="1">
-            <a:schemeClr val="lt1"/>
-          </a:fillRef>
-          <a:effectRef idx="0">
-            <a:schemeClr val="accent2"/>
-          </a:effectRef>
-          <a:fontRef idx="minor">
-            <a:schemeClr val="dk1"/>
-          </a:fontRef>
-        </p:style>
-        <p:txBody>
-          <a:bodyPr rtlCol="0" anchor="ctr"/>
-          <a:lstStyle/>
-          <a:p>
-            <a:pPr algn="ctr"/>
-            <a:r>
-              <a:rPr lang="en-US" altLang="zh-TW" dirty="0" smtClean="0"/>
-              <a:t>IP2C.WebAPI</a:t>
-            </a:r>
-            <a:endParaRPr lang="zh-TW" altLang="en-US" dirty="0"/>
-          </a:p>
-        </p:txBody>
-      </p:sp>
-      <p:sp>
-        <p:nvSpPr>
-          <p:cNvPr id="19" name="圓角矩形 18"/>
-          <p:cNvSpPr/>
-          <p:nvPr/>
-        </p:nvSpPr>
-        <p:spPr>
-          <a:xfrm>
-            <a:off x="8485410" y="2700457"/>
-            <a:ext cx="2023354" cy="491247"/>
-          </a:xfrm>
-          <a:prstGeom prst="roundRect">
-            <a:avLst/>
-          </a:prstGeom>
-        </p:spPr>
-        <p:style>
-          <a:lnRef idx="2">
-            <a:schemeClr val="accent2"/>
-          </a:lnRef>
-          <a:fillRef idx="1">
-            <a:schemeClr val="lt1"/>
-          </a:fillRef>
-          <a:effectRef idx="0">
-            <a:schemeClr val="accent2"/>
-          </a:effectRef>
-          <a:fontRef idx="minor">
-            <a:schemeClr val="dk1"/>
-          </a:fontRef>
-        </p:style>
-        <p:txBody>
-          <a:bodyPr rtlCol="0" anchor="ctr"/>
-          <a:lstStyle/>
-          <a:p>
-            <a:pPr algn="ctr"/>
-            <a:r>
-              <a:rPr lang="en-US" altLang="zh-TW" dirty="0" smtClean="0"/>
-              <a:t>IP2C.Worker</a:t>
-            </a:r>
-            <a:endParaRPr lang="zh-TW" altLang="en-US" dirty="0"/>
-          </a:p>
-        </p:txBody>
-      </p:sp>
-      <p:cxnSp>
-        <p:nvCxnSpPr>
-          <p:cNvPr id="20" name="直線單箭頭接點 19"/>
-          <p:cNvCxnSpPr>
-            <a:endCxn id="9" idx="0"/>
-          </p:cNvCxnSpPr>
-          <p:nvPr/>
-        </p:nvCxnSpPr>
-        <p:spPr>
-          <a:xfrm flipH="1">
-            <a:off x="2619685" y="2708809"/>
-            <a:ext cx="1" cy="194555"/>
-          </a:xfrm>
-          <a:prstGeom prst="straightConnector1">
-            <a:avLst/>
-          </a:prstGeom>
-          <a:ln>
-            <a:tailEnd type="triangle"/>
-          </a:ln>
-        </p:spPr>
-        <p:style>
-          <a:lnRef idx="1">
-            <a:schemeClr val="accent1"/>
-          </a:lnRef>
-          <a:fillRef idx="0">
-            <a:schemeClr val="accent1"/>
-          </a:fillRef>
-          <a:effectRef idx="0">
-            <a:schemeClr val="accent1"/>
-          </a:effectRef>
-          <a:fontRef idx="minor">
-            <a:schemeClr val="tx1"/>
-          </a:fontRef>
-        </p:style>
-      </p:cxnSp>
-      <p:cxnSp>
-        <p:nvCxnSpPr>
-          <p:cNvPr id="21" name="直線單箭頭接點 20"/>
-          <p:cNvCxnSpPr/>
-          <p:nvPr/>
-        </p:nvCxnSpPr>
-        <p:spPr>
-          <a:xfrm flipH="1">
-            <a:off x="4715969" y="2708809"/>
-            <a:ext cx="1" cy="194555"/>
-          </a:xfrm>
-          <a:prstGeom prst="straightConnector1">
-            <a:avLst/>
-          </a:prstGeom>
-          <a:ln>
-            <a:tailEnd type="triangle"/>
-          </a:ln>
-        </p:spPr>
-        <p:style>
-          <a:lnRef idx="1">
-            <a:schemeClr val="accent1"/>
-          </a:lnRef>
-          <a:fillRef idx="0">
-            <a:schemeClr val="accent1"/>
-          </a:fillRef>
-          <a:effectRef idx="0">
-            <a:schemeClr val="accent1"/>
-          </a:effectRef>
-          <a:fontRef idx="minor">
-            <a:schemeClr val="tx1"/>
-          </a:fontRef>
-        </p:style>
-      </p:cxnSp>
-      <p:cxnSp>
-        <p:nvCxnSpPr>
-          <p:cNvPr id="22" name="直線單箭頭接點 21"/>
-          <p:cNvCxnSpPr/>
-          <p:nvPr/>
-        </p:nvCxnSpPr>
-        <p:spPr>
-          <a:xfrm flipH="1">
-            <a:off x="6812253" y="3876130"/>
-            <a:ext cx="1" cy="194555"/>
-          </a:xfrm>
-          <a:prstGeom prst="straightConnector1">
-            <a:avLst/>
-          </a:prstGeom>
-          <a:ln>
-            <a:tailEnd type="triangle"/>
-          </a:ln>
-        </p:spPr>
-        <p:style>
-          <a:lnRef idx="1">
-            <a:schemeClr val="accent1"/>
-          </a:lnRef>
-          <a:fillRef idx="0">
-            <a:schemeClr val="accent1"/>
-          </a:fillRef>
-          <a:effectRef idx="0">
-            <a:schemeClr val="accent1"/>
-          </a:effectRef>
-          <a:fontRef idx="minor">
-            <a:schemeClr val="tx1"/>
-          </a:fontRef>
-        </p:style>
-      </p:cxnSp>
-      <p:cxnSp>
-        <p:nvCxnSpPr>
-          <p:cNvPr id="23" name="直線單箭頭接點 22"/>
-          <p:cNvCxnSpPr/>
-          <p:nvPr/>
-        </p:nvCxnSpPr>
-        <p:spPr>
-          <a:xfrm flipV="1">
-            <a:off x="4726934" y="3856674"/>
-            <a:ext cx="0" cy="242869"/>
-          </a:xfrm>
-          <a:prstGeom prst="straightConnector1">
-            <a:avLst/>
-          </a:prstGeom>
-          <a:ln>
-            <a:tailEnd type="triangle"/>
-          </a:ln>
-        </p:spPr>
-        <p:style>
-          <a:lnRef idx="1">
-            <a:schemeClr val="accent1"/>
-          </a:lnRef>
-          <a:fillRef idx="0">
-            <a:schemeClr val="accent1"/>
-          </a:fillRef>
-          <a:effectRef idx="0">
-            <a:schemeClr val="accent1"/>
-          </a:effectRef>
-          <a:fontRef idx="minor">
-            <a:schemeClr val="tx1"/>
-          </a:fontRef>
-        </p:style>
-      </p:cxnSp>
-      <p:cxnSp>
-        <p:nvCxnSpPr>
-          <p:cNvPr id="24" name="直線單箭頭接點 23"/>
-          <p:cNvCxnSpPr/>
-          <p:nvPr/>
-        </p:nvCxnSpPr>
-        <p:spPr>
-          <a:xfrm flipV="1">
-            <a:off x="2616031" y="3856674"/>
-            <a:ext cx="0" cy="242869"/>
-          </a:xfrm>
-          <a:prstGeom prst="straightConnector1">
-            <a:avLst/>
-          </a:prstGeom>
-          <a:ln>
-            <a:tailEnd type="triangle"/>
-          </a:ln>
-        </p:spPr>
-        <p:style>
-          <a:lnRef idx="1">
-            <a:schemeClr val="accent1"/>
-          </a:lnRef>
-          <a:fillRef idx="0">
-            <a:schemeClr val="accent1"/>
-          </a:fillRef>
-          <a:effectRef idx="0">
-            <a:schemeClr val="accent1"/>
-          </a:effectRef>
-          <a:fontRef idx="minor">
-            <a:schemeClr val="tx1"/>
-          </a:fontRef>
-        </p:style>
-      </p:cxnSp>
-      <p:sp>
-        <p:nvSpPr>
-          <p:cNvPr id="25" name="向右箭號 24"/>
-          <p:cNvSpPr/>
-          <p:nvPr/>
-        </p:nvSpPr>
-        <p:spPr>
-          <a:xfrm rot="10800000">
-            <a:off x="10940678" y="2399777"/>
-            <a:ext cx="629393" cy="1006851"/>
-          </a:xfrm>
-          <a:prstGeom prst="rightArrow">
-            <a:avLst/>
-          </a:prstGeom>
-        </p:spPr>
-        <p:style>
-          <a:lnRef idx="1">
-            <a:schemeClr val="accent5"/>
-          </a:lnRef>
-          <a:fillRef idx="2">
-            <a:schemeClr val="accent5"/>
-          </a:fillRef>
-          <a:effectRef idx="1">
-            <a:schemeClr val="accent5"/>
-          </a:effectRef>
-          <a:fontRef idx="minor">
-            <a:schemeClr val="dk1"/>
-          </a:fontRef>
-        </p:style>
-        <p:txBody>
-          <a:bodyPr rtlCol="0" anchor="ctr"/>
-          <a:lstStyle/>
-          <a:p>
-            <a:pPr algn="ctr"/>
-            <a:endParaRPr lang="zh-TW" altLang="en-US"/>
-          </a:p>
-        </p:txBody>
-      </p:sp>
-      <p:sp>
-        <p:nvSpPr>
-          <p:cNvPr id="26" name="向右箭號 25"/>
-          <p:cNvSpPr/>
-          <p:nvPr/>
-        </p:nvSpPr>
-        <p:spPr>
-          <a:xfrm rot="10800000">
-            <a:off x="10940678" y="4566773"/>
-            <a:ext cx="629393" cy="1006851"/>
-          </a:xfrm>
-          <a:prstGeom prst="rightArrow">
-            <a:avLst/>
-          </a:prstGeom>
-        </p:spPr>
-        <p:style>
-          <a:lnRef idx="1">
-            <a:schemeClr val="accent5"/>
-          </a:lnRef>
-          <a:fillRef idx="2">
-            <a:schemeClr val="accent5"/>
-          </a:fillRef>
-          <a:effectRef idx="1">
-            <a:schemeClr val="accent5"/>
-          </a:effectRef>
-          <a:fontRef idx="minor">
-            <a:schemeClr val="dk1"/>
-          </a:fontRef>
-        </p:style>
-        <p:txBody>
-          <a:bodyPr rtlCol="0" anchor="ctr"/>
-          <a:lstStyle/>
-          <a:p>
-            <a:pPr algn="ctr"/>
-            <a:endParaRPr lang="zh-TW" altLang="en-US"/>
-          </a:p>
-        </p:txBody>
-      </p:sp>
-      <p:sp>
-        <p:nvSpPr>
-          <p:cNvPr id="27" name="向右箭號 26"/>
-          <p:cNvSpPr/>
-          <p:nvPr/>
-        </p:nvSpPr>
-        <p:spPr>
-          <a:xfrm rot="10800000">
-            <a:off x="7976898" y="2471026"/>
-            <a:ext cx="426184" cy="1006851"/>
-          </a:xfrm>
-          <a:prstGeom prst="rightArrow">
-            <a:avLst/>
-          </a:prstGeom>
-        </p:spPr>
-        <p:style>
-          <a:lnRef idx="1">
-            <a:schemeClr val="accent5"/>
-          </a:lnRef>
-          <a:fillRef idx="2">
-            <a:schemeClr val="accent5"/>
-          </a:fillRef>
-          <a:effectRef idx="1">
-            <a:schemeClr val="accent5"/>
-          </a:effectRef>
-          <a:fontRef idx="minor">
-            <a:schemeClr val="dk1"/>
-          </a:fontRef>
-        </p:style>
-        <p:txBody>
-          <a:bodyPr rtlCol="0" anchor="ctr"/>
-          <a:lstStyle/>
-          <a:p>
-            <a:pPr algn="ctr"/>
             <a:endParaRPr lang="zh-TW" altLang="en-US"/>
           </a:p>
         </p:txBody>
@@ -9342,7 +8498,7 @@
     </p:spTree>
     <p:extLst>
       <p:ext uri="{BB962C8B-B14F-4D97-AF65-F5344CB8AC3E}">
-        <p14:creationId xmlns:p14="http://schemas.microsoft.com/office/powerpoint/2010/main" val="4134183365"/>
+        <p14:creationId xmlns:p14="http://schemas.microsoft.com/office/powerpoint/2010/main" val="3141013958"/>
       </p:ext>
     </p:extLst>
   </p:cSld>
@@ -9391,6 +8547,1075 @@
           <a:bodyPr/>
           <a:lstStyle/>
           <a:p>
+            <a:r>
+              <a:rPr lang="en-US" altLang="zh-TW" dirty="0" smtClean="0"/>
+              <a:t>DEMO: Production (@Azure)</a:t>
+            </a:r>
+            <a:endParaRPr lang="zh-TW" altLang="en-US" dirty="0"/>
+          </a:p>
+        </p:txBody>
+      </p:sp>
+      <p:sp>
+        <p:nvSpPr>
+          <p:cNvPr id="3" name="內容版面配置區 2"/>
+          <p:cNvSpPr>
+            <a:spLocks noGrp="1"/>
+          </p:cNvSpPr>
+          <p:nvPr>
+            <p:ph idx="1"/>
+          </p:nvPr>
+        </p:nvSpPr>
+        <p:spPr/>
+        <p:txBody>
+          <a:bodyPr/>
+          <a:lstStyle/>
+          <a:p>
+            <a:endParaRPr lang="zh-TW" altLang="en-US"/>
+          </a:p>
+        </p:txBody>
+      </p:sp>
+      <p:sp>
+        <p:nvSpPr>
+          <p:cNvPr id="4" name="圓角矩形 3"/>
+          <p:cNvSpPr/>
+          <p:nvPr/>
+        </p:nvSpPr>
+        <p:spPr>
+          <a:xfrm>
+            <a:off x="1097280" y="1969507"/>
+            <a:ext cx="7023371" cy="4114800"/>
+          </a:xfrm>
+          <a:prstGeom prst="roundRect">
+            <a:avLst>
+              <a:gd name="adj" fmla="val 11702"/>
+            </a:avLst>
+          </a:prstGeom>
+          <a:ln>
+            <a:prstDash val="dash"/>
+          </a:ln>
+        </p:spPr>
+        <p:style>
+          <a:lnRef idx="2">
+            <a:schemeClr val="accent1"/>
+          </a:lnRef>
+          <a:fillRef idx="1">
+            <a:schemeClr val="lt1"/>
+          </a:fillRef>
+          <a:effectRef idx="0">
+            <a:schemeClr val="accent1"/>
+          </a:effectRef>
+          <a:fontRef idx="minor">
+            <a:schemeClr val="dk1"/>
+          </a:fontRef>
+        </p:style>
+        <p:txBody>
+          <a:bodyPr rtlCol="0" anchor="ctr"/>
+          <a:lstStyle/>
+          <a:p>
+            <a:pPr algn="ctr"/>
+            <a:endParaRPr lang="zh-TW" altLang="en-US"/>
+          </a:p>
+        </p:txBody>
+      </p:sp>
+      <p:sp>
+        <p:nvSpPr>
+          <p:cNvPr id="5" name="文字方塊 4"/>
+          <p:cNvSpPr txBox="1"/>
+          <p:nvPr/>
+        </p:nvSpPr>
+        <p:spPr>
+          <a:xfrm>
+            <a:off x="1335633" y="5666017"/>
+            <a:ext cx="2033057" cy="369332"/>
+          </a:xfrm>
+          <a:prstGeom prst="rect">
+            <a:avLst/>
+          </a:prstGeom>
+          <a:noFill/>
+        </p:spPr>
+        <p:txBody>
+          <a:bodyPr wrap="none" rtlCol="0">
+            <a:spAutoFit/>
+          </a:bodyPr>
+          <a:lstStyle/>
+          <a:p>
+            <a:r>
+              <a:rPr lang="en-US" altLang="zh-TW" dirty="0" smtClean="0"/>
+              <a:t>Windows Container</a:t>
+            </a:r>
+            <a:endParaRPr lang="zh-TW" altLang="en-US" dirty="0"/>
+          </a:p>
+        </p:txBody>
+      </p:sp>
+      <p:sp>
+        <p:nvSpPr>
+          <p:cNvPr id="6" name="圓角矩形 5"/>
+          <p:cNvSpPr/>
+          <p:nvPr/>
+        </p:nvSpPr>
+        <p:spPr>
+          <a:xfrm>
+            <a:off x="1608008" y="2202971"/>
+            <a:ext cx="6215922" cy="505838"/>
+          </a:xfrm>
+          <a:prstGeom prst="roundRect">
+            <a:avLst/>
+          </a:prstGeom>
+        </p:spPr>
+        <p:style>
+          <a:lnRef idx="2">
+            <a:schemeClr val="accent2"/>
+          </a:lnRef>
+          <a:fillRef idx="1">
+            <a:schemeClr val="lt1"/>
+          </a:fillRef>
+          <a:effectRef idx="0">
+            <a:schemeClr val="accent2"/>
+          </a:effectRef>
+          <a:fontRef idx="minor">
+            <a:schemeClr val="dk1"/>
+          </a:fontRef>
+        </p:style>
+        <p:txBody>
+          <a:bodyPr rtlCol="0" anchor="ctr"/>
+          <a:lstStyle/>
+          <a:p>
+            <a:pPr algn="ctr"/>
+            <a:r>
+              <a:rPr lang="en-US" altLang="zh-TW" dirty="0" smtClean="0"/>
+              <a:t>IP2C.ReverseProxy</a:t>
+            </a:r>
+            <a:endParaRPr lang="zh-TW" altLang="en-US" dirty="0"/>
+          </a:p>
+        </p:txBody>
+      </p:sp>
+      <p:sp>
+        <p:nvSpPr>
+          <p:cNvPr id="7" name="橢圓 6"/>
+          <p:cNvSpPr/>
+          <p:nvPr/>
+        </p:nvSpPr>
+        <p:spPr>
+          <a:xfrm>
+            <a:off x="610922" y="2334293"/>
+            <a:ext cx="252921" cy="243193"/>
+          </a:xfrm>
+          <a:prstGeom prst="ellipse">
+            <a:avLst/>
+          </a:prstGeom>
+        </p:spPr>
+        <p:style>
+          <a:lnRef idx="2">
+            <a:schemeClr val="accent1"/>
+          </a:lnRef>
+          <a:fillRef idx="1">
+            <a:schemeClr val="lt1"/>
+          </a:fillRef>
+          <a:effectRef idx="0">
+            <a:schemeClr val="accent1"/>
+          </a:effectRef>
+          <a:fontRef idx="minor">
+            <a:schemeClr val="dk1"/>
+          </a:fontRef>
+        </p:style>
+        <p:txBody>
+          <a:bodyPr rtlCol="0" anchor="ctr"/>
+          <a:lstStyle/>
+          <a:p>
+            <a:pPr algn="ctr"/>
+            <a:endParaRPr lang="zh-TW" altLang="en-US"/>
+          </a:p>
+        </p:txBody>
+      </p:sp>
+      <p:cxnSp>
+        <p:nvCxnSpPr>
+          <p:cNvPr id="8" name="直線接點 7"/>
+          <p:cNvCxnSpPr>
+            <a:stCxn id="7" idx="6"/>
+            <a:endCxn id="6" idx="1"/>
+          </p:cNvCxnSpPr>
+          <p:nvPr/>
+        </p:nvCxnSpPr>
+        <p:spPr>
+          <a:xfrm>
+            <a:off x="863843" y="2455890"/>
+            <a:ext cx="744165" cy="0"/>
+          </a:xfrm>
+          <a:prstGeom prst="line">
+            <a:avLst/>
+          </a:prstGeom>
+        </p:spPr>
+        <p:style>
+          <a:lnRef idx="1">
+            <a:schemeClr val="accent1"/>
+          </a:lnRef>
+          <a:fillRef idx="0">
+            <a:schemeClr val="accent1"/>
+          </a:fillRef>
+          <a:effectRef idx="0">
+            <a:schemeClr val="accent1"/>
+          </a:effectRef>
+          <a:fontRef idx="minor">
+            <a:schemeClr val="tx1"/>
+          </a:fontRef>
+        </p:style>
+      </p:cxnSp>
+      <p:sp>
+        <p:nvSpPr>
+          <p:cNvPr id="9" name="圓角矩形 8"/>
+          <p:cNvSpPr/>
+          <p:nvPr/>
+        </p:nvSpPr>
+        <p:spPr>
+          <a:xfrm>
+            <a:off x="1608008" y="2903364"/>
+            <a:ext cx="2023354" cy="982493"/>
+          </a:xfrm>
+          <a:prstGeom prst="roundRect">
+            <a:avLst/>
+          </a:prstGeom>
+        </p:spPr>
+        <p:style>
+          <a:lnRef idx="2">
+            <a:schemeClr val="accent2"/>
+          </a:lnRef>
+          <a:fillRef idx="1">
+            <a:schemeClr val="lt1"/>
+          </a:fillRef>
+          <a:effectRef idx="0">
+            <a:schemeClr val="accent2"/>
+          </a:effectRef>
+          <a:fontRef idx="minor">
+            <a:schemeClr val="dk1"/>
+          </a:fontRef>
+        </p:style>
+        <p:txBody>
+          <a:bodyPr rtlCol="0" anchor="ctr"/>
+          <a:lstStyle/>
+          <a:p>
+            <a:pPr algn="ctr"/>
+            <a:r>
+              <a:rPr lang="en-US" altLang="zh-TW" dirty="0" smtClean="0"/>
+              <a:t>IP2C.WebAPI</a:t>
+            </a:r>
+            <a:endParaRPr lang="zh-TW" altLang="en-US" dirty="0"/>
+          </a:p>
+        </p:txBody>
+      </p:sp>
+      <p:sp>
+        <p:nvSpPr>
+          <p:cNvPr id="10" name="圓角矩形 9"/>
+          <p:cNvSpPr/>
+          <p:nvPr/>
+        </p:nvSpPr>
+        <p:spPr>
+          <a:xfrm>
+            <a:off x="3704292" y="2903364"/>
+            <a:ext cx="2023354" cy="982493"/>
+          </a:xfrm>
+          <a:prstGeom prst="roundRect">
+            <a:avLst/>
+          </a:prstGeom>
+        </p:spPr>
+        <p:style>
+          <a:lnRef idx="2">
+            <a:schemeClr val="accent2"/>
+          </a:lnRef>
+          <a:fillRef idx="1">
+            <a:schemeClr val="lt1"/>
+          </a:fillRef>
+          <a:effectRef idx="0">
+            <a:schemeClr val="accent2"/>
+          </a:effectRef>
+          <a:fontRef idx="minor">
+            <a:schemeClr val="dk1"/>
+          </a:fontRef>
+        </p:style>
+        <p:txBody>
+          <a:bodyPr rtlCol="0" anchor="ctr"/>
+          <a:lstStyle/>
+          <a:p>
+            <a:pPr algn="ctr"/>
+            <a:r>
+              <a:rPr lang="en-US" altLang="zh-TW" dirty="0" smtClean="0"/>
+              <a:t>IP2C.WebAPI</a:t>
+            </a:r>
+            <a:endParaRPr lang="zh-TW" altLang="en-US" dirty="0"/>
+          </a:p>
+        </p:txBody>
+      </p:sp>
+      <p:sp>
+        <p:nvSpPr>
+          <p:cNvPr id="11" name="圓角矩形 10"/>
+          <p:cNvSpPr/>
+          <p:nvPr/>
+        </p:nvSpPr>
+        <p:spPr>
+          <a:xfrm>
+            <a:off x="5800576" y="2903364"/>
+            <a:ext cx="2023354" cy="982493"/>
+          </a:xfrm>
+          <a:prstGeom prst="roundRect">
+            <a:avLst/>
+          </a:prstGeom>
+        </p:spPr>
+        <p:style>
+          <a:lnRef idx="2">
+            <a:schemeClr val="accent2"/>
+          </a:lnRef>
+          <a:fillRef idx="1">
+            <a:schemeClr val="lt1"/>
+          </a:fillRef>
+          <a:effectRef idx="0">
+            <a:schemeClr val="accent2"/>
+          </a:effectRef>
+          <a:fontRef idx="minor">
+            <a:schemeClr val="dk1"/>
+          </a:fontRef>
+        </p:style>
+        <p:txBody>
+          <a:bodyPr rtlCol="0" anchor="ctr"/>
+          <a:lstStyle/>
+          <a:p>
+            <a:pPr algn="ctr"/>
+            <a:r>
+              <a:rPr lang="en-US" altLang="zh-TW" dirty="0" smtClean="0"/>
+              <a:t>IP2C.Worker</a:t>
+            </a:r>
+            <a:endParaRPr lang="zh-TW" altLang="en-US" dirty="0"/>
+          </a:p>
+        </p:txBody>
+      </p:sp>
+      <p:sp>
+        <p:nvSpPr>
+          <p:cNvPr id="12" name="圓角矩形 11"/>
+          <p:cNvSpPr/>
+          <p:nvPr/>
+        </p:nvSpPr>
+        <p:spPr>
+          <a:xfrm>
+            <a:off x="1608008" y="4090138"/>
+            <a:ext cx="6215922" cy="612843"/>
+          </a:xfrm>
+          <a:prstGeom prst="roundRect">
+            <a:avLst/>
+          </a:prstGeom>
+        </p:spPr>
+        <p:style>
+          <a:lnRef idx="2">
+            <a:schemeClr val="accent2"/>
+          </a:lnRef>
+          <a:fillRef idx="1">
+            <a:schemeClr val="lt1"/>
+          </a:fillRef>
+          <a:effectRef idx="0">
+            <a:schemeClr val="accent2"/>
+          </a:effectRef>
+          <a:fontRef idx="minor">
+            <a:schemeClr val="dk1"/>
+          </a:fontRef>
+        </p:style>
+        <p:txBody>
+          <a:bodyPr rtlCol="0" anchor="ctr"/>
+          <a:lstStyle/>
+          <a:p>
+            <a:pPr algn="ctr"/>
+            <a:r>
+              <a:rPr lang="en-US" altLang="zh-TW" dirty="0" smtClean="0"/>
+              <a:t>Volume: IP2C_data</a:t>
+            </a:r>
+            <a:endParaRPr lang="zh-TW" altLang="en-US" dirty="0"/>
+          </a:p>
+        </p:txBody>
+      </p:sp>
+      <p:sp>
+        <p:nvSpPr>
+          <p:cNvPr id="13" name="圓角矩形 12"/>
+          <p:cNvSpPr/>
+          <p:nvPr/>
+        </p:nvSpPr>
+        <p:spPr>
+          <a:xfrm>
+            <a:off x="8320040" y="1920549"/>
+            <a:ext cx="2500063" cy="1965308"/>
+          </a:xfrm>
+          <a:prstGeom prst="roundRect">
+            <a:avLst>
+              <a:gd name="adj" fmla="val 11702"/>
+            </a:avLst>
+          </a:prstGeom>
+          <a:ln>
+            <a:prstDash val="dash"/>
+          </a:ln>
+        </p:spPr>
+        <p:style>
+          <a:lnRef idx="2">
+            <a:schemeClr val="accent1"/>
+          </a:lnRef>
+          <a:fillRef idx="1">
+            <a:schemeClr val="lt1"/>
+          </a:fillRef>
+          <a:effectRef idx="0">
+            <a:schemeClr val="accent1"/>
+          </a:effectRef>
+          <a:fontRef idx="minor">
+            <a:schemeClr val="dk1"/>
+          </a:fontRef>
+        </p:style>
+        <p:txBody>
+          <a:bodyPr rtlCol="0" anchor="ctr"/>
+          <a:lstStyle/>
+          <a:p>
+            <a:pPr algn="ctr"/>
+            <a:endParaRPr lang="zh-TW" altLang="en-US"/>
+          </a:p>
+        </p:txBody>
+      </p:sp>
+      <p:sp>
+        <p:nvSpPr>
+          <p:cNvPr id="14" name="文字方塊 13"/>
+          <p:cNvSpPr txBox="1"/>
+          <p:nvPr/>
+        </p:nvSpPr>
+        <p:spPr>
+          <a:xfrm>
+            <a:off x="8399288" y="3448430"/>
+            <a:ext cx="1640129" cy="369332"/>
+          </a:xfrm>
+          <a:prstGeom prst="rect">
+            <a:avLst/>
+          </a:prstGeom>
+          <a:noFill/>
+        </p:spPr>
+        <p:txBody>
+          <a:bodyPr wrap="none" rtlCol="0">
+            <a:spAutoFit/>
+          </a:bodyPr>
+          <a:lstStyle/>
+          <a:p>
+            <a:r>
+              <a:rPr lang="en-US" altLang="zh-TW" dirty="0" smtClean="0"/>
+              <a:t>Docker Registry</a:t>
+            </a:r>
+            <a:endParaRPr lang="zh-TW" altLang="en-US" dirty="0"/>
+          </a:p>
+        </p:txBody>
+      </p:sp>
+      <p:sp>
+        <p:nvSpPr>
+          <p:cNvPr id="15" name="圓角矩形 14"/>
+          <p:cNvSpPr/>
+          <p:nvPr/>
+        </p:nvSpPr>
+        <p:spPr>
+          <a:xfrm>
+            <a:off x="8320040" y="4118999"/>
+            <a:ext cx="2500063" cy="1965308"/>
+          </a:xfrm>
+          <a:prstGeom prst="roundRect">
+            <a:avLst>
+              <a:gd name="adj" fmla="val 11702"/>
+            </a:avLst>
+          </a:prstGeom>
+          <a:ln>
+            <a:prstDash val="dash"/>
+          </a:ln>
+        </p:spPr>
+        <p:style>
+          <a:lnRef idx="2">
+            <a:schemeClr val="accent1"/>
+          </a:lnRef>
+          <a:fillRef idx="1">
+            <a:schemeClr val="lt1"/>
+          </a:fillRef>
+          <a:effectRef idx="0">
+            <a:schemeClr val="accent1"/>
+          </a:effectRef>
+          <a:fontRef idx="minor">
+            <a:schemeClr val="dk1"/>
+          </a:fontRef>
+        </p:style>
+        <p:txBody>
+          <a:bodyPr rtlCol="0" anchor="ctr"/>
+          <a:lstStyle/>
+          <a:p>
+            <a:pPr algn="ctr"/>
+            <a:endParaRPr lang="zh-TW" altLang="en-US"/>
+          </a:p>
+        </p:txBody>
+      </p:sp>
+      <p:sp>
+        <p:nvSpPr>
+          <p:cNvPr id="16" name="文字方塊 15"/>
+          <p:cNvSpPr txBox="1"/>
+          <p:nvPr/>
+        </p:nvSpPr>
+        <p:spPr>
+          <a:xfrm>
+            <a:off x="8399288" y="5651746"/>
+            <a:ext cx="1446486" cy="369332"/>
+          </a:xfrm>
+          <a:prstGeom prst="rect">
+            <a:avLst/>
+          </a:prstGeom>
+          <a:noFill/>
+        </p:spPr>
+        <p:txBody>
+          <a:bodyPr wrap="none" rtlCol="0">
+            <a:spAutoFit/>
+          </a:bodyPr>
+          <a:lstStyle/>
+          <a:p>
+            <a:r>
+              <a:rPr lang="en-US" altLang="zh-TW" dirty="0" err="1" smtClean="0"/>
+              <a:t>NuGet</a:t>
+            </a:r>
+            <a:r>
+              <a:rPr lang="en-US" altLang="zh-TW" dirty="0" smtClean="0"/>
+              <a:t> Server</a:t>
+            </a:r>
+            <a:endParaRPr lang="zh-TW" altLang="en-US" dirty="0"/>
+          </a:p>
+        </p:txBody>
+      </p:sp>
+      <p:sp>
+        <p:nvSpPr>
+          <p:cNvPr id="17" name="圓角矩形 16"/>
+          <p:cNvSpPr/>
+          <p:nvPr/>
+        </p:nvSpPr>
+        <p:spPr>
+          <a:xfrm>
+            <a:off x="8485410" y="4578953"/>
+            <a:ext cx="2023354" cy="982493"/>
+          </a:xfrm>
+          <a:prstGeom prst="roundRect">
+            <a:avLst/>
+          </a:prstGeom>
+        </p:spPr>
+        <p:style>
+          <a:lnRef idx="2">
+            <a:schemeClr val="accent2"/>
+          </a:lnRef>
+          <a:fillRef idx="1">
+            <a:schemeClr val="lt1"/>
+          </a:fillRef>
+          <a:effectRef idx="0">
+            <a:schemeClr val="accent2"/>
+          </a:effectRef>
+          <a:fontRef idx="minor">
+            <a:schemeClr val="dk1"/>
+          </a:fontRef>
+        </p:style>
+        <p:txBody>
+          <a:bodyPr rtlCol="0" anchor="ctr"/>
+          <a:lstStyle/>
+          <a:p>
+            <a:pPr algn="ctr"/>
+            <a:r>
+              <a:rPr lang="en-US" altLang="zh-TW" dirty="0" smtClean="0"/>
+              <a:t>IP2C.SDK</a:t>
+            </a:r>
+            <a:endParaRPr lang="zh-TW" altLang="en-US" dirty="0"/>
+          </a:p>
+        </p:txBody>
+      </p:sp>
+      <p:sp>
+        <p:nvSpPr>
+          <p:cNvPr id="18" name="圓角矩形 17"/>
+          <p:cNvSpPr/>
+          <p:nvPr/>
+        </p:nvSpPr>
+        <p:spPr>
+          <a:xfrm>
+            <a:off x="8485410" y="2086239"/>
+            <a:ext cx="2023354" cy="491247"/>
+          </a:xfrm>
+          <a:prstGeom prst="roundRect">
+            <a:avLst/>
+          </a:prstGeom>
+        </p:spPr>
+        <p:style>
+          <a:lnRef idx="2">
+            <a:schemeClr val="accent2"/>
+          </a:lnRef>
+          <a:fillRef idx="1">
+            <a:schemeClr val="lt1"/>
+          </a:fillRef>
+          <a:effectRef idx="0">
+            <a:schemeClr val="accent2"/>
+          </a:effectRef>
+          <a:fontRef idx="minor">
+            <a:schemeClr val="dk1"/>
+          </a:fontRef>
+        </p:style>
+        <p:txBody>
+          <a:bodyPr rtlCol="0" anchor="ctr"/>
+          <a:lstStyle/>
+          <a:p>
+            <a:pPr algn="ctr"/>
+            <a:r>
+              <a:rPr lang="en-US" altLang="zh-TW" dirty="0" smtClean="0"/>
+              <a:t>IP2C.WebAPI</a:t>
+            </a:r>
+            <a:endParaRPr lang="zh-TW" altLang="en-US" dirty="0"/>
+          </a:p>
+        </p:txBody>
+      </p:sp>
+      <p:sp>
+        <p:nvSpPr>
+          <p:cNvPr id="19" name="圓角矩形 18"/>
+          <p:cNvSpPr/>
+          <p:nvPr/>
+        </p:nvSpPr>
+        <p:spPr>
+          <a:xfrm>
+            <a:off x="8485410" y="2700457"/>
+            <a:ext cx="2023354" cy="491247"/>
+          </a:xfrm>
+          <a:prstGeom prst="roundRect">
+            <a:avLst/>
+          </a:prstGeom>
+        </p:spPr>
+        <p:style>
+          <a:lnRef idx="2">
+            <a:schemeClr val="accent2"/>
+          </a:lnRef>
+          <a:fillRef idx="1">
+            <a:schemeClr val="lt1"/>
+          </a:fillRef>
+          <a:effectRef idx="0">
+            <a:schemeClr val="accent2"/>
+          </a:effectRef>
+          <a:fontRef idx="minor">
+            <a:schemeClr val="dk1"/>
+          </a:fontRef>
+        </p:style>
+        <p:txBody>
+          <a:bodyPr rtlCol="0" anchor="ctr"/>
+          <a:lstStyle/>
+          <a:p>
+            <a:pPr algn="ctr"/>
+            <a:r>
+              <a:rPr lang="en-US" altLang="zh-TW" dirty="0" smtClean="0"/>
+              <a:t>IP2C.Worker</a:t>
+            </a:r>
+            <a:endParaRPr lang="zh-TW" altLang="en-US" dirty="0"/>
+          </a:p>
+        </p:txBody>
+      </p:sp>
+      <p:cxnSp>
+        <p:nvCxnSpPr>
+          <p:cNvPr id="20" name="直線單箭頭接點 19"/>
+          <p:cNvCxnSpPr>
+            <a:endCxn id="9" idx="0"/>
+          </p:cNvCxnSpPr>
+          <p:nvPr/>
+        </p:nvCxnSpPr>
+        <p:spPr>
+          <a:xfrm flipH="1">
+            <a:off x="2619685" y="2708809"/>
+            <a:ext cx="1" cy="194555"/>
+          </a:xfrm>
+          <a:prstGeom prst="straightConnector1">
+            <a:avLst/>
+          </a:prstGeom>
+          <a:ln>
+            <a:tailEnd type="triangle"/>
+          </a:ln>
+        </p:spPr>
+        <p:style>
+          <a:lnRef idx="1">
+            <a:schemeClr val="accent1"/>
+          </a:lnRef>
+          <a:fillRef idx="0">
+            <a:schemeClr val="accent1"/>
+          </a:fillRef>
+          <a:effectRef idx="0">
+            <a:schemeClr val="accent1"/>
+          </a:effectRef>
+          <a:fontRef idx="minor">
+            <a:schemeClr val="tx1"/>
+          </a:fontRef>
+        </p:style>
+      </p:cxnSp>
+      <p:cxnSp>
+        <p:nvCxnSpPr>
+          <p:cNvPr id="21" name="直線單箭頭接點 20"/>
+          <p:cNvCxnSpPr/>
+          <p:nvPr/>
+        </p:nvCxnSpPr>
+        <p:spPr>
+          <a:xfrm flipH="1">
+            <a:off x="4715969" y="2708809"/>
+            <a:ext cx="1" cy="194555"/>
+          </a:xfrm>
+          <a:prstGeom prst="straightConnector1">
+            <a:avLst/>
+          </a:prstGeom>
+          <a:ln>
+            <a:tailEnd type="triangle"/>
+          </a:ln>
+        </p:spPr>
+        <p:style>
+          <a:lnRef idx="1">
+            <a:schemeClr val="accent1"/>
+          </a:lnRef>
+          <a:fillRef idx="0">
+            <a:schemeClr val="accent1"/>
+          </a:fillRef>
+          <a:effectRef idx="0">
+            <a:schemeClr val="accent1"/>
+          </a:effectRef>
+          <a:fontRef idx="minor">
+            <a:schemeClr val="tx1"/>
+          </a:fontRef>
+        </p:style>
+      </p:cxnSp>
+      <p:cxnSp>
+        <p:nvCxnSpPr>
+          <p:cNvPr id="22" name="直線單箭頭接點 21"/>
+          <p:cNvCxnSpPr/>
+          <p:nvPr/>
+        </p:nvCxnSpPr>
+        <p:spPr>
+          <a:xfrm flipH="1">
+            <a:off x="6812253" y="3876130"/>
+            <a:ext cx="1" cy="194555"/>
+          </a:xfrm>
+          <a:prstGeom prst="straightConnector1">
+            <a:avLst/>
+          </a:prstGeom>
+          <a:ln>
+            <a:tailEnd type="triangle"/>
+          </a:ln>
+        </p:spPr>
+        <p:style>
+          <a:lnRef idx="1">
+            <a:schemeClr val="accent1"/>
+          </a:lnRef>
+          <a:fillRef idx="0">
+            <a:schemeClr val="accent1"/>
+          </a:fillRef>
+          <a:effectRef idx="0">
+            <a:schemeClr val="accent1"/>
+          </a:effectRef>
+          <a:fontRef idx="minor">
+            <a:schemeClr val="tx1"/>
+          </a:fontRef>
+        </p:style>
+      </p:cxnSp>
+      <p:cxnSp>
+        <p:nvCxnSpPr>
+          <p:cNvPr id="23" name="直線單箭頭接點 22"/>
+          <p:cNvCxnSpPr/>
+          <p:nvPr/>
+        </p:nvCxnSpPr>
+        <p:spPr>
+          <a:xfrm flipV="1">
+            <a:off x="4726934" y="3856674"/>
+            <a:ext cx="0" cy="242869"/>
+          </a:xfrm>
+          <a:prstGeom prst="straightConnector1">
+            <a:avLst/>
+          </a:prstGeom>
+          <a:ln>
+            <a:tailEnd type="triangle"/>
+          </a:ln>
+        </p:spPr>
+        <p:style>
+          <a:lnRef idx="1">
+            <a:schemeClr val="accent1"/>
+          </a:lnRef>
+          <a:fillRef idx="0">
+            <a:schemeClr val="accent1"/>
+          </a:fillRef>
+          <a:effectRef idx="0">
+            <a:schemeClr val="accent1"/>
+          </a:effectRef>
+          <a:fontRef idx="minor">
+            <a:schemeClr val="tx1"/>
+          </a:fontRef>
+        </p:style>
+      </p:cxnSp>
+      <p:cxnSp>
+        <p:nvCxnSpPr>
+          <p:cNvPr id="24" name="直線單箭頭接點 23"/>
+          <p:cNvCxnSpPr/>
+          <p:nvPr/>
+        </p:nvCxnSpPr>
+        <p:spPr>
+          <a:xfrm flipV="1">
+            <a:off x="2616031" y="3856674"/>
+            <a:ext cx="0" cy="242869"/>
+          </a:xfrm>
+          <a:prstGeom prst="straightConnector1">
+            <a:avLst/>
+          </a:prstGeom>
+          <a:ln>
+            <a:tailEnd type="triangle"/>
+          </a:ln>
+        </p:spPr>
+        <p:style>
+          <a:lnRef idx="1">
+            <a:schemeClr val="accent1"/>
+          </a:lnRef>
+          <a:fillRef idx="0">
+            <a:schemeClr val="accent1"/>
+          </a:fillRef>
+          <a:effectRef idx="0">
+            <a:schemeClr val="accent1"/>
+          </a:effectRef>
+          <a:fontRef idx="minor">
+            <a:schemeClr val="tx1"/>
+          </a:fontRef>
+        </p:style>
+      </p:cxnSp>
+      <p:sp>
+        <p:nvSpPr>
+          <p:cNvPr id="25" name="向右箭號 24"/>
+          <p:cNvSpPr/>
+          <p:nvPr/>
+        </p:nvSpPr>
+        <p:spPr>
+          <a:xfrm rot="10800000">
+            <a:off x="10940678" y="2399777"/>
+            <a:ext cx="629393" cy="1006851"/>
+          </a:xfrm>
+          <a:prstGeom prst="rightArrow">
+            <a:avLst/>
+          </a:prstGeom>
+        </p:spPr>
+        <p:style>
+          <a:lnRef idx="1">
+            <a:schemeClr val="accent5"/>
+          </a:lnRef>
+          <a:fillRef idx="2">
+            <a:schemeClr val="accent5"/>
+          </a:fillRef>
+          <a:effectRef idx="1">
+            <a:schemeClr val="accent5"/>
+          </a:effectRef>
+          <a:fontRef idx="minor">
+            <a:schemeClr val="dk1"/>
+          </a:fontRef>
+        </p:style>
+        <p:txBody>
+          <a:bodyPr rtlCol="0" anchor="ctr"/>
+          <a:lstStyle/>
+          <a:p>
+            <a:pPr algn="ctr"/>
+            <a:endParaRPr lang="zh-TW" altLang="en-US"/>
+          </a:p>
+        </p:txBody>
+      </p:sp>
+      <p:sp>
+        <p:nvSpPr>
+          <p:cNvPr id="26" name="向右箭號 25"/>
+          <p:cNvSpPr/>
+          <p:nvPr/>
+        </p:nvSpPr>
+        <p:spPr>
+          <a:xfrm rot="10800000">
+            <a:off x="10940678" y="4566773"/>
+            <a:ext cx="629393" cy="1006851"/>
+          </a:xfrm>
+          <a:prstGeom prst="rightArrow">
+            <a:avLst/>
+          </a:prstGeom>
+        </p:spPr>
+        <p:style>
+          <a:lnRef idx="1">
+            <a:schemeClr val="accent5"/>
+          </a:lnRef>
+          <a:fillRef idx="2">
+            <a:schemeClr val="accent5"/>
+          </a:fillRef>
+          <a:effectRef idx="1">
+            <a:schemeClr val="accent5"/>
+          </a:effectRef>
+          <a:fontRef idx="minor">
+            <a:schemeClr val="dk1"/>
+          </a:fontRef>
+        </p:style>
+        <p:txBody>
+          <a:bodyPr rtlCol="0" anchor="ctr"/>
+          <a:lstStyle/>
+          <a:p>
+            <a:pPr algn="ctr"/>
+            <a:endParaRPr lang="zh-TW" altLang="en-US"/>
+          </a:p>
+        </p:txBody>
+      </p:sp>
+      <p:sp>
+        <p:nvSpPr>
+          <p:cNvPr id="27" name="向右箭號 26"/>
+          <p:cNvSpPr/>
+          <p:nvPr/>
+        </p:nvSpPr>
+        <p:spPr>
+          <a:xfrm rot="10800000">
+            <a:off x="7976898" y="2471026"/>
+            <a:ext cx="426184" cy="1006851"/>
+          </a:xfrm>
+          <a:prstGeom prst="rightArrow">
+            <a:avLst/>
+          </a:prstGeom>
+        </p:spPr>
+        <p:style>
+          <a:lnRef idx="1">
+            <a:schemeClr val="accent5"/>
+          </a:lnRef>
+          <a:fillRef idx="2">
+            <a:schemeClr val="accent5"/>
+          </a:fillRef>
+          <a:effectRef idx="1">
+            <a:schemeClr val="accent5"/>
+          </a:effectRef>
+          <a:fontRef idx="minor">
+            <a:schemeClr val="dk1"/>
+          </a:fontRef>
+        </p:style>
+        <p:txBody>
+          <a:bodyPr rtlCol="0" anchor="ctr"/>
+          <a:lstStyle/>
+          <a:p>
+            <a:pPr algn="ctr"/>
+            <a:endParaRPr lang="zh-TW" altLang="en-US"/>
+          </a:p>
+        </p:txBody>
+      </p:sp>
+    </p:spTree>
+    <p:extLst>
+      <p:ext uri="{BB962C8B-B14F-4D97-AF65-F5344CB8AC3E}">
+        <p14:creationId xmlns:p14="http://schemas.microsoft.com/office/powerpoint/2010/main" val="4134183365"/>
+      </p:ext>
+    </p:extLst>
+  </p:cSld>
+  <p:clrMapOvr>
+    <a:masterClrMapping/>
+  </p:clrMapOvr>
+  <p:timing>
+    <p:tnLst>
+      <p:par>
+        <p:cTn id="1" dur="indefinite" restart="never" nodeType="tmRoot"/>
+      </p:par>
+    </p:tnLst>
+  </p:timing>
+</p:sld>
+</file>
+
+<file path=ppt/slides/slide18.xml><?xml version="1.0" encoding="utf-8"?>
+<p:sld xmlns:a="http://schemas.openxmlformats.org/drawingml/2006/main" xmlns:r="http://schemas.openxmlformats.org/officeDocument/2006/relationships" xmlns:p="http://schemas.openxmlformats.org/presentationml/2006/main">
+  <p:cSld>
+    <p:spTree>
+      <p:nvGrpSpPr>
+        <p:cNvPr id="1" name=""/>
+        <p:cNvGrpSpPr/>
+        <p:nvPr/>
+      </p:nvGrpSpPr>
+      <p:grpSpPr>
+        <a:xfrm>
+          <a:off x="0" y="0"/>
+          <a:ext cx="0" cy="0"/>
+          <a:chOff x="0" y="0"/>
+          <a:chExt cx="0" cy="0"/>
+        </a:xfrm>
+      </p:grpSpPr>
+      <p:sp>
+        <p:nvSpPr>
+          <p:cNvPr id="4" name="標題 3"/>
+          <p:cNvSpPr>
+            <a:spLocks noGrp="1"/>
+          </p:cNvSpPr>
+          <p:nvPr>
+            <p:ph type="ctrTitle"/>
+          </p:nvPr>
+        </p:nvSpPr>
+        <p:spPr/>
+        <p:txBody>
+          <a:bodyPr/>
+          <a:lstStyle/>
+          <a:p>
+            <a:r>
+              <a:rPr lang="en-US" altLang="zh-TW" dirty="0" smtClean="0"/>
+              <a:t>DEMO: @Azure</a:t>
+            </a:r>
+            <a:endParaRPr lang="zh-TW" altLang="en-US" dirty="0"/>
+          </a:p>
+        </p:txBody>
+      </p:sp>
+      <p:sp>
+        <p:nvSpPr>
+          <p:cNvPr id="5" name="副標題 4"/>
+          <p:cNvSpPr>
+            <a:spLocks noGrp="1"/>
+          </p:cNvSpPr>
+          <p:nvPr>
+            <p:ph type="subTitle" idx="1"/>
+          </p:nvPr>
+        </p:nvSpPr>
+        <p:spPr/>
+        <p:txBody>
+          <a:bodyPr/>
+          <a:lstStyle/>
+          <a:p>
+            <a:endParaRPr lang="zh-TW" altLang="en-US"/>
+          </a:p>
+        </p:txBody>
+      </p:sp>
+    </p:spTree>
+    <p:extLst>
+      <p:ext uri="{BB962C8B-B14F-4D97-AF65-F5344CB8AC3E}">
+        <p14:creationId xmlns:p14="http://schemas.microsoft.com/office/powerpoint/2010/main" val="627221562"/>
+      </p:ext>
+    </p:extLst>
+  </p:cSld>
+  <p:clrMapOvr>
+    <a:masterClrMapping/>
+  </p:clrMapOvr>
+  <p:timing>
+    <p:tnLst>
+      <p:par>
+        <p:cTn id="1" dur="indefinite" restart="never" nodeType="tmRoot"/>
+      </p:par>
+    </p:tnLst>
+  </p:timing>
+</p:sld>
+</file>
+
+<file path=ppt/slides/slide19.xml><?xml version="1.0" encoding="utf-8"?>
+<p:sld xmlns:a="http://schemas.openxmlformats.org/drawingml/2006/main" xmlns:r="http://schemas.openxmlformats.org/officeDocument/2006/relationships" xmlns:p="http://schemas.openxmlformats.org/presentationml/2006/main">
+  <p:cSld>
+    <p:spTree>
+      <p:nvGrpSpPr>
+        <p:cNvPr id="1" name=""/>
+        <p:cNvGrpSpPr/>
+        <p:nvPr/>
+      </p:nvGrpSpPr>
+      <p:grpSpPr>
+        <a:xfrm>
+          <a:off x="0" y="0"/>
+          <a:ext cx="0" cy="0"/>
+          <a:chOff x="0" y="0"/>
+          <a:chExt cx="0" cy="0"/>
+        </a:xfrm>
+      </p:grpSpPr>
+      <p:sp>
+        <p:nvSpPr>
+          <p:cNvPr id="2" name="標題 1"/>
+          <p:cNvSpPr>
+            <a:spLocks noGrp="1"/>
+          </p:cNvSpPr>
+          <p:nvPr>
+            <p:ph type="title"/>
+          </p:nvPr>
+        </p:nvSpPr>
+        <p:spPr/>
+        <p:txBody>
+          <a:bodyPr/>
+          <a:lstStyle/>
+          <a:p>
             <a:endParaRPr lang="zh-TW" altLang="en-US"/>
           </a:p>
         </p:txBody>
@@ -9475,7 +9700,242 @@
 </p:sld>
 </file>
 
-<file path=ppt/slides/slide18.xml><?xml version="1.0" encoding="utf-8"?>
+<file path=ppt/slides/slide2.xml><?xml version="1.0" encoding="utf-8"?>
+<p:sld xmlns:a="http://schemas.openxmlformats.org/drawingml/2006/main" xmlns:r="http://schemas.openxmlformats.org/officeDocument/2006/relationships" xmlns:p="http://schemas.openxmlformats.org/presentationml/2006/main">
+  <p:cSld>
+    <p:spTree>
+      <p:nvGrpSpPr>
+        <p:cNvPr id="1" name=""/>
+        <p:cNvGrpSpPr/>
+        <p:nvPr/>
+      </p:nvGrpSpPr>
+      <p:grpSpPr>
+        <a:xfrm>
+          <a:off x="0" y="0"/>
+          <a:ext cx="0" cy="0"/>
+          <a:chOff x="0" y="0"/>
+          <a:chExt cx="0" cy="0"/>
+        </a:xfrm>
+      </p:grpSpPr>
+      <p:sp>
+        <p:nvSpPr>
+          <p:cNvPr id="2" name="標題 1"/>
+          <p:cNvSpPr>
+            <a:spLocks noGrp="1"/>
+          </p:cNvSpPr>
+          <p:nvPr>
+            <p:ph type="title"/>
+          </p:nvPr>
+        </p:nvSpPr>
+        <p:spPr/>
+        <p:txBody>
+          <a:bodyPr/>
+          <a:lstStyle/>
+          <a:p>
+            <a:r>
+              <a:rPr lang="zh-TW" altLang="en-US" dirty="0" smtClean="0"/>
+              <a:t>安德魯是誰</a:t>
+            </a:r>
+            <a:r>
+              <a:rPr lang="en-US" altLang="zh-TW" dirty="0" smtClean="0"/>
+              <a:t>?</a:t>
+            </a:r>
+            <a:endParaRPr lang="zh-TW" altLang="en-US" dirty="0"/>
+          </a:p>
+        </p:txBody>
+      </p:sp>
+      <p:sp>
+        <p:nvSpPr>
+          <p:cNvPr id="3" name="內容版面配置區 2"/>
+          <p:cNvSpPr>
+            <a:spLocks noGrp="1"/>
+          </p:cNvSpPr>
+          <p:nvPr>
+            <p:ph idx="1"/>
+          </p:nvPr>
+        </p:nvSpPr>
+        <p:spPr/>
+        <p:txBody>
+          <a:bodyPr>
+            <a:normAutofit/>
+          </a:bodyPr>
+          <a:lstStyle/>
+          <a:p>
+            <a:pPr marL="514350" indent="-514350">
+              <a:buFont typeface="+mj-lt"/>
+              <a:buAutoNum type="arabicPeriod"/>
+            </a:pPr>
+            <a:r>
+              <a:rPr lang="zh-TW" altLang="en-US" sz="3200" b="1" dirty="0" smtClean="0"/>
+              <a:t>博</a:t>
+            </a:r>
+            <a:r>
+              <a:rPr lang="zh-TW" altLang="en-US" sz="3200" b="1" dirty="0"/>
+              <a:t>裕</a:t>
+            </a:r>
+            <a:r>
+              <a:rPr lang="zh-TW" altLang="en-US" sz="3200" b="1" dirty="0" smtClean="0"/>
+              <a:t>科技 </a:t>
+            </a:r>
+            <a:r>
+              <a:rPr lang="en-US" altLang="zh-TW" sz="3200" b="1" dirty="0" smtClean="0"/>
+              <a:t>–</a:t>
+            </a:r>
+            <a:r>
+              <a:rPr lang="zh-TW" altLang="en-US" sz="3200" b="1" dirty="0" smtClean="0"/>
+              <a:t> </a:t>
+            </a:r>
+            <a:r>
+              <a:rPr lang="en-US" altLang="zh-TW" sz="3200" b="1" dirty="0" smtClean="0"/>
+              <a:t>Chief Architect</a:t>
+            </a:r>
+          </a:p>
+          <a:p>
+            <a:pPr marL="514350" indent="-514350">
+              <a:buFont typeface="+mj-lt"/>
+              <a:buAutoNum type="arabicPeriod"/>
+            </a:pPr>
+            <a:r>
+              <a:rPr lang="zh-TW" altLang="en-US" sz="3200" b="1" dirty="0" smtClean="0"/>
+              <a:t>現任</a:t>
+            </a:r>
+            <a:r>
+              <a:rPr lang="zh-TW" altLang="en-US" sz="3200" b="1" dirty="0"/>
+              <a:t> </a:t>
+            </a:r>
+            <a:r>
+              <a:rPr lang="en-US" altLang="zh-TW" sz="3200" b="1" dirty="0" smtClean="0"/>
+              <a:t>Microsoft MVP, </a:t>
+            </a:r>
+            <a:r>
+              <a:rPr lang="zh-TW" altLang="en-US" sz="3200" b="1" dirty="0" smtClean="0"/>
+              <a:t>微軟最有價值專家</a:t>
+            </a:r>
+            <a:endParaRPr lang="en-US" altLang="zh-TW" sz="3200" b="1" dirty="0" smtClean="0"/>
+          </a:p>
+          <a:p>
+            <a:pPr marL="514350" indent="-514350">
+              <a:buFont typeface="+mj-lt"/>
+              <a:buAutoNum type="arabicPeriod"/>
+            </a:pPr>
+            <a:r>
+              <a:rPr lang="zh-TW" altLang="en-US" sz="3200" b="1" dirty="0" smtClean="0"/>
+              <a:t>經營 安德魯的部落格</a:t>
+            </a:r>
+            <a:r>
+              <a:rPr lang="en-US" altLang="zh-TW" sz="3200" dirty="0" smtClean="0"/>
+              <a:t/>
+            </a:r>
+            <a:br>
+              <a:rPr lang="en-US" altLang="zh-TW" sz="3200" dirty="0" smtClean="0"/>
+            </a:br>
+            <a:r>
+              <a:rPr lang="zh-TW" altLang="en-US" sz="2200" dirty="0" smtClean="0"/>
+              <a:t>談論各種軟體開發與設計的大小事，想做個優秀的系統架構師。主題以 </a:t>
+            </a:r>
+            <a:r>
+              <a:rPr lang="en-US" altLang="zh-TW" sz="2200" dirty="0" smtClean="0"/>
+              <a:t>.NET / C#</a:t>
+            </a:r>
+            <a:r>
+              <a:rPr lang="zh-TW" altLang="en-US" sz="2200" dirty="0" smtClean="0"/>
+              <a:t> </a:t>
+            </a:r>
+            <a:r>
+              <a:rPr lang="en-US" altLang="zh-TW" sz="2200" dirty="0" smtClean="0"/>
+              <a:t>/ OOP / Container</a:t>
+            </a:r>
+            <a:r>
+              <a:rPr lang="zh-TW" altLang="en-US" sz="2200" dirty="0" smtClean="0"/>
+              <a:t> </a:t>
+            </a:r>
+            <a:r>
+              <a:rPr lang="en-US" altLang="zh-TW" sz="2200" dirty="0" smtClean="0"/>
+              <a:t>/</a:t>
+            </a:r>
+            <a:r>
+              <a:rPr lang="zh-TW" altLang="en-US" sz="2200" dirty="0" smtClean="0"/>
+              <a:t> </a:t>
+            </a:r>
+            <a:r>
+              <a:rPr lang="en-US" altLang="zh-TW" sz="2200" dirty="0" smtClean="0"/>
+              <a:t>Azure </a:t>
+            </a:r>
+            <a:r>
+              <a:rPr lang="zh-TW" altLang="en-US" sz="2200" dirty="0" smtClean="0"/>
+              <a:t>與雲端服務設計</a:t>
+            </a:r>
+            <a:r>
+              <a:rPr lang="en-US" altLang="zh-TW" sz="2200" dirty="0" smtClean="0"/>
+              <a:t> </a:t>
+            </a:r>
+            <a:r>
+              <a:rPr lang="zh-TW" altLang="en-US" sz="2200" dirty="0" smtClean="0"/>
+              <a:t>為主。</a:t>
+            </a:r>
+            <a:r>
+              <a:rPr lang="en-US" altLang="zh-TW" sz="2200" dirty="0" smtClean="0"/>
+              <a:t/>
+            </a:r>
+            <a:br>
+              <a:rPr lang="en-US" altLang="zh-TW" sz="2200" dirty="0" smtClean="0"/>
+            </a:br>
+            <a:r>
+              <a:rPr lang="en-US" altLang="zh-TW" sz="2000" dirty="0">
+                <a:hlinkClick r:id="rId3"/>
+              </a:rPr>
+              <a:t>https://</a:t>
+            </a:r>
+            <a:r>
+              <a:rPr lang="en-US" altLang="zh-TW" sz="2000" dirty="0" smtClean="0">
+                <a:hlinkClick r:id="rId3"/>
+              </a:rPr>
+              <a:t>www.facebook.com/andrew.blog.0928</a:t>
+            </a:r>
+            <a:endParaRPr lang="en-US" altLang="zh-TW" sz="3200" dirty="0" smtClean="0"/>
+          </a:p>
+          <a:p>
+            <a:pPr marL="514350" indent="-514350">
+              <a:buFont typeface="+mj-lt"/>
+              <a:buAutoNum type="arabicPeriod"/>
+            </a:pPr>
+            <a:r>
+              <a:rPr lang="zh-TW" altLang="en-US" sz="3200" b="1" dirty="0" smtClean="0"/>
+              <a:t>多年技術顧問、專任講師、專欄作家、研討會</a:t>
+            </a:r>
+            <a:r>
+              <a:rPr lang="en-US" altLang="zh-TW" sz="3200" b="1" dirty="0" smtClean="0"/>
+              <a:t>SPEAKER</a:t>
+            </a:r>
+            <a:r>
+              <a:rPr lang="zh-TW" altLang="en-US" sz="3200" b="1" dirty="0" smtClean="0"/>
+              <a:t> 等經驗。</a:t>
+            </a:r>
+            <a:endParaRPr lang="en-US" altLang="zh-TW" sz="3200" b="1" dirty="0"/>
+          </a:p>
+        </p:txBody>
+      </p:sp>
+    </p:spTree>
+    <p:extLst>
+      <p:ext uri="{BB962C8B-B14F-4D97-AF65-F5344CB8AC3E}">
+        <p14:creationId xmlns:p14="http://schemas.microsoft.com/office/powerpoint/2010/main" val="3578116476"/>
+      </p:ext>
+    </p:extLst>
+  </p:cSld>
+  <p:clrMapOvr>
+    <a:masterClrMapping/>
+  </p:clrMapOvr>
+  <p:timing>
+    <p:tnLst>
+      <p:par>
+        <p:cTn id="1" dur="indefinite" restart="never" nodeType="tmRoot"/>
+      </p:par>
+    </p:tnLst>
+  </p:timing>
+</p:sld>
+</file>
+
+<file path=ppt/slides/slide20.xml><?xml version="1.0" encoding="utf-8"?>
 <p:sld xmlns:a="http://schemas.openxmlformats.org/drawingml/2006/main" xmlns:r="http://schemas.openxmlformats.org/officeDocument/2006/relationships" xmlns:p="http://schemas.openxmlformats.org/presentationml/2006/main">
   <p:cSld>
     <p:spTree>
@@ -10231,7 +10691,7 @@
 </p:sld>
 </file>
 
-<file path=ppt/slides/slide19.xml><?xml version="1.0" encoding="utf-8"?>
+<file path=ppt/slides/slide21.xml><?xml version="1.0" encoding="utf-8"?>
 <p:sld xmlns:a="http://schemas.openxmlformats.org/drawingml/2006/main" xmlns:r="http://schemas.openxmlformats.org/officeDocument/2006/relationships" xmlns:p="http://schemas.openxmlformats.org/presentationml/2006/main">
   <p:cSld>
     <p:spTree>
@@ -10316,255 +10776,7 @@
 </p:sld>
 </file>
 
-<file path=ppt/slides/slide2.xml><?xml version="1.0" encoding="utf-8"?>
-<p:sld xmlns:a="http://schemas.openxmlformats.org/drawingml/2006/main" xmlns:r="http://schemas.openxmlformats.org/officeDocument/2006/relationships" xmlns:p="http://schemas.openxmlformats.org/presentationml/2006/main">
-  <p:cSld>
-    <p:spTree>
-      <p:nvGrpSpPr>
-        <p:cNvPr id="1" name=""/>
-        <p:cNvGrpSpPr/>
-        <p:nvPr/>
-      </p:nvGrpSpPr>
-      <p:grpSpPr>
-        <a:xfrm>
-          <a:off x="0" y="0"/>
-          <a:ext cx="0" cy="0"/>
-          <a:chOff x="0" y="0"/>
-          <a:chExt cx="0" cy="0"/>
-        </a:xfrm>
-      </p:grpSpPr>
-      <p:sp>
-        <p:nvSpPr>
-          <p:cNvPr id="2" name="標題 1"/>
-          <p:cNvSpPr>
-            <a:spLocks noGrp="1"/>
-          </p:cNvSpPr>
-          <p:nvPr>
-            <p:ph type="title"/>
-          </p:nvPr>
-        </p:nvSpPr>
-        <p:spPr/>
-        <p:txBody>
-          <a:bodyPr/>
-          <a:lstStyle/>
-          <a:p>
-            <a:r>
-              <a:rPr lang="zh-TW" altLang="en-US" dirty="0" smtClean="0"/>
-              <a:t>安德魯是誰</a:t>
-            </a:r>
-            <a:r>
-              <a:rPr lang="en-US" altLang="zh-TW" dirty="0" smtClean="0"/>
-              <a:t>?</a:t>
-            </a:r>
-            <a:endParaRPr lang="zh-TW" altLang="en-US" dirty="0"/>
-          </a:p>
-        </p:txBody>
-      </p:sp>
-      <p:sp>
-        <p:nvSpPr>
-          <p:cNvPr id="3" name="內容版面配置區 2"/>
-          <p:cNvSpPr>
-            <a:spLocks noGrp="1"/>
-          </p:cNvSpPr>
-          <p:nvPr>
-            <p:ph idx="1"/>
-          </p:nvPr>
-        </p:nvSpPr>
-        <p:spPr/>
-        <p:txBody>
-          <a:bodyPr>
-            <a:normAutofit/>
-          </a:bodyPr>
-          <a:lstStyle/>
-          <a:p>
-            <a:pPr marL="514350" indent="-514350">
-              <a:buFont typeface="+mj-lt"/>
-              <a:buAutoNum type="arabicPeriod"/>
-            </a:pPr>
-            <a:r>
-              <a:rPr lang="zh-TW" altLang="en-US" sz="3200" b="1" dirty="0" smtClean="0"/>
-              <a:t>博</a:t>
-            </a:r>
-            <a:r>
-              <a:rPr lang="zh-TW" altLang="en-US" sz="3200" b="1" dirty="0"/>
-              <a:t>裕</a:t>
-            </a:r>
-            <a:r>
-              <a:rPr lang="zh-TW" altLang="en-US" sz="3200" b="1" dirty="0" smtClean="0"/>
-              <a:t>科技 </a:t>
-            </a:r>
-            <a:r>
-              <a:rPr lang="en-US" altLang="zh-TW" sz="3200" b="1" dirty="0" smtClean="0"/>
-              <a:t>–</a:t>
-            </a:r>
-            <a:r>
-              <a:rPr lang="zh-TW" altLang="en-US" sz="3200" b="1" dirty="0" smtClean="0"/>
-              <a:t> </a:t>
-            </a:r>
-            <a:r>
-              <a:rPr lang="en-US" altLang="zh-TW" sz="3200" b="1" dirty="0" smtClean="0"/>
-              <a:t>Chief Architect</a:t>
-            </a:r>
-            <a:endParaRPr lang="en-US" altLang="zh-TW" sz="3200" b="1" dirty="0" smtClean="0"/>
-          </a:p>
-          <a:p>
-            <a:pPr marL="514350" indent="-514350">
-              <a:buFont typeface="+mj-lt"/>
-              <a:buAutoNum type="arabicPeriod"/>
-            </a:pPr>
-            <a:r>
-              <a:rPr lang="zh-TW" altLang="en-US" sz="3200" b="1" dirty="0" smtClean="0"/>
-              <a:t>現任</a:t>
-            </a:r>
-            <a:r>
-              <a:rPr lang="zh-TW" altLang="en-US" sz="3200" b="1" dirty="0"/>
-              <a:t> </a:t>
-            </a:r>
-            <a:r>
-              <a:rPr lang="en-US" altLang="zh-TW" sz="3200" b="1" dirty="0" smtClean="0"/>
-              <a:t>Microsoft MVP</a:t>
-            </a:r>
-            <a:r>
-              <a:rPr lang="en-US" altLang="zh-TW" sz="3200" b="1" dirty="0" smtClean="0"/>
-              <a:t>, </a:t>
-            </a:r>
-            <a:r>
-              <a:rPr lang="zh-TW" altLang="en-US" sz="3200" b="1" dirty="0" smtClean="0"/>
-              <a:t>微軟最有價值專家</a:t>
-            </a:r>
-            <a:endParaRPr lang="en-US" altLang="zh-TW" sz="3200" b="1" dirty="0" smtClean="0"/>
-          </a:p>
-          <a:p>
-            <a:pPr marL="514350" indent="-514350">
-              <a:buFont typeface="+mj-lt"/>
-              <a:buAutoNum type="arabicPeriod"/>
-            </a:pPr>
-            <a:r>
-              <a:rPr lang="zh-TW" altLang="en-US" sz="3200" b="1" dirty="0" smtClean="0"/>
-              <a:t>經營 安</a:t>
-            </a:r>
-            <a:r>
-              <a:rPr lang="zh-TW" altLang="en-US" sz="3200" b="1" dirty="0" smtClean="0"/>
-              <a:t>德魯的部落</a:t>
-            </a:r>
-            <a:r>
-              <a:rPr lang="zh-TW" altLang="en-US" sz="3200" b="1" dirty="0" smtClean="0"/>
-              <a:t>格</a:t>
-            </a:r>
-            <a:r>
-              <a:rPr lang="en-US" altLang="zh-TW" sz="3200" dirty="0" smtClean="0"/>
-              <a:t/>
-            </a:r>
-            <a:br>
-              <a:rPr lang="en-US" altLang="zh-TW" sz="3200" dirty="0" smtClean="0"/>
-            </a:br>
-            <a:r>
-              <a:rPr lang="zh-TW" altLang="en-US" sz="2200" dirty="0" smtClean="0"/>
-              <a:t>談論各種軟體開發與設計的大小事，想做個優秀的系統架構師。主題以 </a:t>
-            </a:r>
-            <a:r>
-              <a:rPr lang="en-US" altLang="zh-TW" sz="2200" dirty="0" smtClean="0"/>
-              <a:t>.NET / C#</a:t>
-            </a:r>
-            <a:r>
-              <a:rPr lang="zh-TW" altLang="en-US" sz="2200" dirty="0" smtClean="0"/>
-              <a:t> </a:t>
-            </a:r>
-            <a:r>
-              <a:rPr lang="en-US" altLang="zh-TW" sz="2200" dirty="0" smtClean="0"/>
-              <a:t>/ OOP / Container</a:t>
-            </a:r>
-            <a:r>
-              <a:rPr lang="zh-TW" altLang="en-US" sz="2200" dirty="0" smtClean="0"/>
-              <a:t> </a:t>
-            </a:r>
-            <a:r>
-              <a:rPr lang="en-US" altLang="zh-TW" sz="2200" dirty="0" smtClean="0"/>
-              <a:t>/</a:t>
-            </a:r>
-            <a:r>
-              <a:rPr lang="zh-TW" altLang="en-US" sz="2200" dirty="0" smtClean="0"/>
-              <a:t> </a:t>
-            </a:r>
-            <a:r>
-              <a:rPr lang="en-US" altLang="zh-TW" sz="2200" dirty="0" smtClean="0"/>
-              <a:t>Azure </a:t>
-            </a:r>
-            <a:r>
-              <a:rPr lang="zh-TW" altLang="en-US" sz="2200" dirty="0" smtClean="0"/>
-              <a:t>與雲端服務設計</a:t>
-            </a:r>
-            <a:r>
-              <a:rPr lang="en-US" altLang="zh-TW" sz="2200" dirty="0" smtClean="0"/>
-              <a:t> </a:t>
-            </a:r>
-            <a:r>
-              <a:rPr lang="zh-TW" altLang="en-US" sz="2200" dirty="0" smtClean="0"/>
-              <a:t>為主。</a:t>
-            </a:r>
-            <a:r>
-              <a:rPr lang="en-US" altLang="zh-TW" sz="2200" dirty="0" smtClean="0"/>
-              <a:t/>
-            </a:r>
-            <a:br>
-              <a:rPr lang="en-US" altLang="zh-TW" sz="2200" dirty="0" smtClean="0"/>
-            </a:br>
-            <a:r>
-              <a:rPr lang="en-US" altLang="zh-TW" sz="2000" dirty="0">
-                <a:hlinkClick r:id="rId3"/>
-              </a:rPr>
-              <a:t>https://</a:t>
-            </a:r>
-            <a:r>
-              <a:rPr lang="en-US" altLang="zh-TW" sz="2000" dirty="0" smtClean="0">
-                <a:hlinkClick r:id="rId3"/>
-              </a:rPr>
-              <a:t>www.facebook.com/andrew.blog.0928</a:t>
-            </a:r>
-            <a:endParaRPr lang="en-US" altLang="zh-TW" sz="3200" dirty="0" smtClean="0"/>
-          </a:p>
-          <a:p>
-            <a:pPr marL="514350" indent="-514350">
-              <a:buFont typeface="+mj-lt"/>
-              <a:buAutoNum type="arabicPeriod"/>
-            </a:pPr>
-            <a:r>
-              <a:rPr lang="zh-TW" altLang="en-US" sz="3200" b="1" dirty="0" smtClean="0"/>
-              <a:t>多年技術顧問、專任講師、專欄作家、研討會</a:t>
-            </a:r>
-            <a:r>
-              <a:rPr lang="en-US" altLang="zh-TW" sz="3200" b="1" dirty="0" smtClean="0"/>
-              <a:t>SPEAKER</a:t>
-            </a:r>
-            <a:r>
-              <a:rPr lang="zh-TW" altLang="en-US" sz="3200" b="1" dirty="0" smtClean="0"/>
-              <a:t> 等經驗。</a:t>
-            </a:r>
-            <a:endParaRPr lang="en-US" altLang="zh-TW" sz="3200" b="1" dirty="0"/>
-          </a:p>
-        </p:txBody>
-      </p:sp>
-    </p:spTree>
-    <p:extLst>
-      <p:ext uri="{BB962C8B-B14F-4D97-AF65-F5344CB8AC3E}">
-        <p14:creationId xmlns:p14="http://schemas.microsoft.com/office/powerpoint/2010/main" val="3578116476"/>
-      </p:ext>
-    </p:extLst>
-  </p:cSld>
-  <p:clrMapOvr>
-    <a:masterClrMapping/>
-  </p:clrMapOvr>
-  <p:timing>
-    <p:tnLst>
-      <p:par>
-        <p:cTn id="1" dur="indefinite" restart="never" nodeType="tmRoot"/>
-      </p:par>
-    </p:tnLst>
-  </p:timing>
-</p:sld>
-</file>
-
-<file path=ppt/slides/slide20.xml><?xml version="1.0" encoding="utf-8"?>
+<file path=ppt/slides/slide22.xml><?xml version="1.0" encoding="utf-8"?>
 <p:sld xmlns:a="http://schemas.openxmlformats.org/drawingml/2006/main" xmlns:r="http://schemas.openxmlformats.org/officeDocument/2006/relationships" xmlns:p="http://schemas.openxmlformats.org/presentationml/2006/main">
   <p:cSld>
     <p:spTree>
@@ -10704,7 +10916,7 @@
 </p:sld>
 </file>
 
-<file path=ppt/slides/slide21.xml><?xml version="1.0" encoding="utf-8"?>
+<file path=ppt/slides/slide23.xml><?xml version="1.0" encoding="utf-8"?>
 <p:sld xmlns:a="http://schemas.openxmlformats.org/drawingml/2006/main" xmlns:r="http://schemas.openxmlformats.org/officeDocument/2006/relationships" xmlns:p="http://schemas.openxmlformats.org/presentationml/2006/main">
   <p:cSld>
     <p:spTree>
@@ -11157,7 +11369,7 @@
 </p:sld>
 </file>
 
-<file path=ppt/slides/slide22.xml><?xml version="1.0" encoding="utf-8"?>
+<file path=ppt/slides/slide24.xml><?xml version="1.0" encoding="utf-8"?>
 <p:sld xmlns:a="http://schemas.openxmlformats.org/drawingml/2006/main" xmlns:r="http://schemas.openxmlformats.org/officeDocument/2006/relationships" xmlns:p="http://schemas.openxmlformats.org/presentationml/2006/main">
   <p:cSld>
     <p:spTree>
@@ -11399,7 +11611,7 @@
 </p:sld>
 </file>
 
-<file path=ppt/slides/slide23.xml><?xml version="1.0" encoding="utf-8"?>
+<file path=ppt/slides/slide25.xml><?xml version="1.0" encoding="utf-8"?>
 <p:sld xmlns:a="http://schemas.openxmlformats.org/drawingml/2006/main" xmlns:r="http://schemas.openxmlformats.org/officeDocument/2006/relationships" xmlns:p="http://schemas.openxmlformats.org/presentationml/2006/main">
   <p:cSld>
     <p:spTree>
@@ -12547,11 +12759,7 @@
           <a:p>
             <a:r>
               <a:rPr lang="en-US" altLang="zh-TW" dirty="0" smtClean="0"/>
-              <a:t>Service: </a:t>
-            </a:r>
-            <a:r>
-              <a:rPr lang="en-US" altLang="zh-TW" dirty="0" smtClean="0"/>
-              <a:t>Worker</a:t>
+              <a:t>Service: Worker</a:t>
             </a:r>
             <a:endParaRPr lang="zh-TW" altLang="en-US" dirty="0"/>
           </a:p>
@@ -12647,7 +12855,7 @@
 </p:sld>
 </file>
 
-<file path=ppt/slides/slide24.xml><?xml version="1.0" encoding="utf-8"?>
+<file path=ppt/slides/slide26.xml><?xml version="1.0" encoding="utf-8"?>
 <p:sld xmlns:a="http://schemas.openxmlformats.org/drawingml/2006/main" xmlns:r="http://schemas.openxmlformats.org/officeDocument/2006/relationships" xmlns:p="http://schemas.openxmlformats.org/presentationml/2006/main">
   <p:cSld>
     <p:spTree>
@@ -12765,291 +12973,6 @@
     <p:extLst>
       <p:ext uri="{BB962C8B-B14F-4D97-AF65-F5344CB8AC3E}">
         <p14:creationId xmlns:p14="http://schemas.microsoft.com/office/powerpoint/2010/main" val="2225939960"/>
-      </p:ext>
-    </p:extLst>
-  </p:cSld>
-  <p:clrMapOvr>
-    <a:masterClrMapping/>
-  </p:clrMapOvr>
-  <p:timing>
-    <p:tnLst>
-      <p:par>
-        <p:cTn id="1" dur="indefinite" restart="never" nodeType="tmRoot"/>
-      </p:par>
-    </p:tnLst>
-  </p:timing>
-</p:sld>
-</file>
-
-<file path=ppt/slides/slide25.xml><?xml version="1.0" encoding="utf-8"?>
-<p:sld xmlns:a="http://schemas.openxmlformats.org/drawingml/2006/main" xmlns:r="http://schemas.openxmlformats.org/officeDocument/2006/relationships" xmlns:p="http://schemas.openxmlformats.org/presentationml/2006/main">
-  <p:cSld>
-    <p:spTree>
-      <p:nvGrpSpPr>
-        <p:cNvPr id="1" name=""/>
-        <p:cNvGrpSpPr/>
-        <p:nvPr/>
-      </p:nvGrpSpPr>
-      <p:grpSpPr>
-        <a:xfrm>
-          <a:off x="0" y="0"/>
-          <a:ext cx="0" cy="0"/>
-          <a:chOff x="0" y="0"/>
-          <a:chExt cx="0" cy="0"/>
-        </a:xfrm>
-      </p:grpSpPr>
-      <p:sp>
-        <p:nvSpPr>
-          <p:cNvPr id="4" name="標題 3"/>
-          <p:cNvSpPr>
-            <a:spLocks noGrp="1"/>
-          </p:cNvSpPr>
-          <p:nvPr>
-            <p:ph type="ctrTitle"/>
-          </p:nvPr>
-        </p:nvSpPr>
-        <p:spPr/>
-        <p:txBody>
-          <a:bodyPr/>
-          <a:lstStyle/>
-          <a:p>
-            <a:r>
-              <a:rPr lang="en-US" altLang="zh-TW" dirty="0" smtClean="0"/>
-              <a:t>Q &amp; A</a:t>
-            </a:r>
-            <a:endParaRPr lang="zh-TW" altLang="en-US" dirty="0"/>
-          </a:p>
-        </p:txBody>
-      </p:sp>
-      <p:sp>
-        <p:nvSpPr>
-          <p:cNvPr id="5" name="副標題 4"/>
-          <p:cNvSpPr>
-            <a:spLocks noGrp="1"/>
-          </p:cNvSpPr>
-          <p:nvPr>
-            <p:ph type="subTitle" idx="1"/>
-          </p:nvPr>
-        </p:nvSpPr>
-        <p:spPr/>
-        <p:txBody>
-          <a:bodyPr/>
-          <a:lstStyle/>
-          <a:p>
-            <a:endParaRPr lang="zh-TW" altLang="en-US"/>
-          </a:p>
-        </p:txBody>
-      </p:sp>
-    </p:spTree>
-    <p:extLst>
-      <p:ext uri="{BB962C8B-B14F-4D97-AF65-F5344CB8AC3E}">
-        <p14:creationId xmlns:p14="http://schemas.microsoft.com/office/powerpoint/2010/main" val="3814471096"/>
-      </p:ext>
-    </p:extLst>
-  </p:cSld>
-  <p:clrMapOvr>
-    <a:masterClrMapping/>
-  </p:clrMapOvr>
-  <p:timing>
-    <p:tnLst>
-      <p:par>
-        <p:cTn id="1" dur="indefinite" restart="never" nodeType="tmRoot"/>
-      </p:par>
-    </p:tnLst>
-  </p:timing>
-</p:sld>
-</file>
-
-<file path=ppt/slides/slide26.xml><?xml version="1.0" encoding="utf-8"?>
-<p:sld xmlns:a="http://schemas.openxmlformats.org/drawingml/2006/main" xmlns:r="http://schemas.openxmlformats.org/officeDocument/2006/relationships" xmlns:p="http://schemas.openxmlformats.org/presentationml/2006/main">
-  <p:cSld>
-    <p:spTree>
-      <p:nvGrpSpPr>
-        <p:cNvPr id="1" name=""/>
-        <p:cNvGrpSpPr/>
-        <p:nvPr/>
-      </p:nvGrpSpPr>
-      <p:grpSpPr>
-        <a:xfrm>
-          <a:off x="0" y="0"/>
-          <a:ext cx="0" cy="0"/>
-          <a:chOff x="0" y="0"/>
-          <a:chExt cx="0" cy="0"/>
-        </a:xfrm>
-      </p:grpSpPr>
-      <p:sp>
-        <p:nvSpPr>
-          <p:cNvPr id="2" name="標題 1"/>
-          <p:cNvSpPr>
-            <a:spLocks noGrp="1"/>
-          </p:cNvSpPr>
-          <p:nvPr>
-            <p:ph type="title"/>
-          </p:nvPr>
-        </p:nvSpPr>
-        <p:spPr/>
-        <p:txBody>
-          <a:bodyPr/>
-          <a:lstStyle/>
-          <a:p>
-            <a:r>
-              <a:rPr lang="zh-TW" altLang="en-US" dirty="0" smtClean="0"/>
-              <a:t>總結</a:t>
-            </a:r>
-            <a:r>
-              <a:rPr lang="en-US" altLang="zh-TW" dirty="0" smtClean="0"/>
-              <a:t>:</a:t>
-            </a:r>
-            <a:r>
-              <a:rPr lang="zh-TW" altLang="en-US" dirty="0" smtClean="0"/>
-              <a:t> </a:t>
-            </a:r>
-            <a:r>
-              <a:rPr lang="zh-TW" altLang="en-US" sz="4000" dirty="0" smtClean="0"/>
-              <a:t>開發人員一定要了解 </a:t>
-            </a:r>
-            <a:r>
-              <a:rPr lang="en-US" altLang="zh-TW" sz="4000" dirty="0" smtClean="0"/>
-              <a:t>Container</a:t>
-            </a:r>
-            <a:r>
-              <a:rPr lang="zh-TW" altLang="en-US" sz="4000" dirty="0" smtClean="0"/>
-              <a:t> 的原因</a:t>
-            </a:r>
-            <a:endParaRPr lang="zh-TW" altLang="en-US" dirty="0"/>
-          </a:p>
-        </p:txBody>
-      </p:sp>
-      <p:sp>
-        <p:nvSpPr>
-          <p:cNvPr id="3" name="內容版面配置區 2"/>
-          <p:cNvSpPr>
-            <a:spLocks noGrp="1"/>
-          </p:cNvSpPr>
-          <p:nvPr>
-            <p:ph idx="1"/>
-          </p:nvPr>
-        </p:nvSpPr>
-        <p:spPr/>
-        <p:txBody>
-          <a:bodyPr>
-            <a:normAutofit/>
-          </a:bodyPr>
-          <a:lstStyle/>
-          <a:p>
-            <a:pPr marL="514350" indent="-514350">
-              <a:buFont typeface="+mj-lt"/>
-              <a:buAutoNum type="arabicPeriod"/>
-            </a:pPr>
-            <a:r>
-              <a:rPr lang="zh-TW" altLang="en-US" sz="3200" dirty="0"/>
-              <a:t>高效能的虛擬</a:t>
-            </a:r>
-            <a:r>
-              <a:rPr lang="zh-TW" altLang="en-US" sz="3200" dirty="0" smtClean="0"/>
-              <a:t>化機制</a:t>
-            </a:r>
-            <a:endParaRPr lang="en-US" altLang="zh-TW" sz="3200" dirty="0"/>
-          </a:p>
-          <a:p>
-            <a:pPr marL="514350" indent="-514350">
-              <a:buFont typeface="+mj-lt"/>
-              <a:buAutoNum type="arabicPeriod"/>
-            </a:pPr>
-            <a:r>
-              <a:rPr lang="zh-TW" altLang="en-US" sz="3200" dirty="0" smtClean="0"/>
-              <a:t>通用的封裝格式 </a:t>
-            </a:r>
-            <a:r>
-              <a:rPr lang="en-US" altLang="zh-TW" sz="3200" dirty="0" smtClean="0"/>
-              <a:t>(container images)</a:t>
-            </a:r>
-          </a:p>
-          <a:p>
-            <a:pPr marL="514350" indent="-514350">
-              <a:buFont typeface="+mj-lt"/>
-              <a:buAutoNum type="arabicPeriod"/>
-            </a:pPr>
-            <a:r>
-              <a:rPr lang="zh-TW" altLang="en-US" sz="3200" dirty="0"/>
-              <a:t>普及的 </a:t>
-            </a:r>
-            <a:r>
-              <a:rPr lang="en-US" altLang="zh-TW" sz="3200" dirty="0"/>
-              <a:t>Docker</a:t>
-            </a:r>
-            <a:r>
-              <a:rPr lang="zh-TW" altLang="en-US" sz="3200" dirty="0"/>
-              <a:t> </a:t>
-            </a:r>
-            <a:r>
-              <a:rPr lang="en-US" altLang="zh-TW" sz="3200" dirty="0"/>
-              <a:t>ECO-System</a:t>
-            </a:r>
-          </a:p>
-          <a:p>
-            <a:pPr marL="514350" indent="-514350">
-              <a:buFont typeface="+mj-lt"/>
-              <a:buAutoNum type="arabicPeriod"/>
-            </a:pPr>
-            <a:r>
-              <a:rPr lang="zh-TW" altLang="en-US" sz="3200" dirty="0" smtClean="0"/>
-              <a:t>實踐 </a:t>
-            </a:r>
-            <a:r>
-              <a:rPr lang="en-US" altLang="zh-TW" sz="3200" dirty="0" smtClean="0"/>
-              <a:t>DevOps </a:t>
-            </a:r>
-            <a:r>
-              <a:rPr lang="zh-TW" altLang="en-US" sz="3200" dirty="0" smtClean="0"/>
-              <a:t>的最佳技術 </a:t>
-            </a:r>
-            <a:r>
-              <a:rPr lang="en-US" altLang="zh-TW" sz="3200" dirty="0" smtClean="0"/>
-              <a:t>–</a:t>
-            </a:r>
-            <a:r>
-              <a:rPr lang="zh-TW" altLang="en-US" sz="3200" dirty="0" smtClean="0"/>
-              <a:t> 容器化部署</a:t>
-            </a:r>
-            <a:endParaRPr lang="en-US" altLang="zh-TW" sz="3200" dirty="0" smtClean="0"/>
-          </a:p>
-          <a:p>
-            <a:pPr marL="514350" indent="-514350">
-              <a:buFont typeface="+mj-lt"/>
-              <a:buAutoNum type="arabicPeriod"/>
-            </a:pPr>
-            <a:r>
-              <a:rPr lang="zh-TW" altLang="en-US" sz="3200" dirty="0" smtClean="0"/>
-              <a:t>跨越 </a:t>
-            </a:r>
-            <a:r>
-              <a:rPr lang="en-US" altLang="zh-TW" sz="3200" dirty="0" smtClean="0"/>
-              <a:t>Linux / Windows </a:t>
-            </a:r>
-            <a:r>
-              <a:rPr lang="zh-TW" altLang="en-US" sz="3200" dirty="0" smtClean="0"/>
-              <a:t>的技術、工具鍊</a:t>
-            </a:r>
-            <a:r>
-              <a:rPr lang="en-US" altLang="zh-TW" sz="3200" dirty="0" smtClean="0"/>
-              <a:t>&amp;</a:t>
-            </a:r>
-            <a:r>
-              <a:rPr lang="zh-TW" altLang="en-US" sz="3200" dirty="0" smtClean="0"/>
-              <a:t> </a:t>
-            </a:r>
-            <a:r>
-              <a:rPr lang="en-US" altLang="zh-TW" sz="3200" dirty="0" smtClean="0"/>
-              <a:t>ECO-System</a:t>
-            </a:r>
-          </a:p>
-        </p:txBody>
-      </p:sp>
-    </p:spTree>
-    <p:extLst>
-      <p:ext uri="{BB962C8B-B14F-4D97-AF65-F5344CB8AC3E}">
-        <p14:creationId xmlns:p14="http://schemas.microsoft.com/office/powerpoint/2010/main" val="1543622554"/>
       </p:ext>
     </p:extLst>
   </p:cSld>
@@ -13099,14 +13022,8 @@
           <a:lstStyle/>
           <a:p>
             <a:r>
-              <a:rPr lang="zh-TW" altLang="en-US" dirty="0"/>
-              <a:t>謝謝大家 </a:t>
-            </a:r>
-            <a:r>
-              <a:rPr lang="en-US" altLang="zh-TW" dirty="0">
-                <a:sym typeface="Wingdings" panose="05000000000000000000" pitchFamily="2" charset="2"/>
-              </a:rPr>
-              <a:t></a:t>
+              <a:rPr lang="en-US" altLang="zh-TW" dirty="0" smtClean="0"/>
+              <a:t>Q &amp; A</a:t>
             </a:r>
             <a:endParaRPr lang="zh-TW" altLang="en-US" dirty="0"/>
           </a:p>
@@ -13127,106 +13044,14 @@
           <a:bodyPr/>
           <a:lstStyle/>
           <a:p>
-            <a:r>
-              <a:rPr lang="zh-TW" altLang="en-US" dirty="0"/>
-              <a:t>請支持 安德魯的部落格 </a:t>
-            </a:r>
-            <a:r>
-              <a:rPr lang="en-US" altLang="zh-TW" dirty="0" smtClean="0"/>
-              <a:t>~</a:t>
-            </a:r>
-          </a:p>
-          <a:p>
-            <a:r>
-              <a:rPr lang="en-US" altLang="zh-TW" dirty="0" smtClean="0"/>
-              <a:t>https://www.facebook.com/</a:t>
-            </a:r>
-            <a:r>
-              <a:rPr lang="en-US" altLang="zh-TW" b="1" dirty="0" smtClean="0">
-                <a:solidFill>
-                  <a:srgbClr val="FF0000"/>
-                </a:solidFill>
-              </a:rPr>
-              <a:t>andrew.blog.0928</a:t>
-            </a:r>
-            <a:r>
-              <a:rPr lang="en-US" altLang="zh-TW" dirty="0" smtClean="0"/>
-              <a:t>/</a:t>
-            </a:r>
-            <a:endParaRPr lang="zh-TW" altLang="en-US" dirty="0" smtClean="0"/>
-          </a:p>
-          <a:p>
-            <a:endParaRPr lang="zh-TW" altLang="en-US" dirty="0"/>
-          </a:p>
-        </p:txBody>
-      </p:sp>
-      <p:sp>
-        <p:nvSpPr>
-          <p:cNvPr id="6" name="AutoShape 2" descr="data:image/png;base64,iVBORw0KGgoAAAANSUhEUgAAAMgAAADICAYAAACtWK6eAAANhklEQVR4Xu2d0ZYbRwhEvf//0c5Zy85qZWmGi4ppjXXzGpqGogro0Z7k4+fPnz9/+I8IiMBdBD4UiMwQgccIKBDZIQIbCCgQ6SECCkQOiEAPASdIDzdPvQkCCuRNCm2aPQQUSA83T70JAgrkTQptmj0EFEgPN0+9CQIK5E0KbZo9BBRIDzdPvQkCCuRNCm2aPQRaAvn4+OjddvCpR3+HSeNP/T3no3un/adgT+GZiof66eCsQAood4C951aBFMAeNOnUUYEUCtIBVoEUgD3YpFNHBVIoUgdYBVIA9mCTTh0VSKFIHWAVSAHYg006dVQghSJ1gFUgBWAPNunUMSqQTgAJjKYfv4kYP32k4qR+qD3Nd9r/yngUCEX/CfsUkagfak9TnPa/Mh4FQtF/wj5FJOqH2tMUp/2vjEeBUPSfsE8Rifqh9jTFaf8r41EgFP0n7FNEon6oPU1x2v/KeBQIRf8J+xSRqB9qT1Oc9r8ynkMEQv/26REg9G+BUvaP4nm1vGicqa+OVCBnwe3Xl8fOfzju7IDQ+CnxaMdbJWQFsl8pBXKFESXMWTphqiHQRkGFv0/X7xbUP62vE+SmIhRABXIBkArwLLgpEAVCm/ZdewVyA8vZAaHx09WCsm56VUjlS3Ggeb0abk6QYkVooc9iX0x/14wK0BWrOHF2kS+uQNMFOgvhKQ4UfydIETFaiFfrGDQeBbJNjLPzYSs7P/MWmoICUSAFmnyZnL1jOEFQuXeNz84HJ8iTbyIniBNkt0tcG5y9Y9AJgsD58eMH/cGRPn4f2dN7aR1pnLSxpHBO5eVnXlqRoj0lKiWeArkgQAXYqYuP9CLpiVmnEPf800lH7011WuqH5kUbAo3HN8iTbxAijq3ORv1QIimQC8IKpEh4OoIpgWlno/4VyDZitL60gfgGoYwt2ncK4YpVBPfK7J8RCE+dnUiN1Gk/0xPn7I99VvXH1qk6HjZBUolTAtBOngJ2ejWieE7Hk8KN5jXNBwXy5FuGFsgJkpLAtp+kYA/5zDsNSwqQaT8KZJoJF/+pOjpBnCB3GbtqNU3JR4EcTOwUYZwgKQmcdMU6Jv36LanPgLQjaV+v0ZGWtNHFV6wjk63cpUB6O3lK4JUaHWmjQG7QViAK5JoSCkSB3G3IqYlAG86R06FylwJRIApkQykKRIEokFcQSGWcndFmehV5hAn9U5BpbDuddjqmVf5bv6SvCnb6XgVyQViBfDFNgVypToEokNsmrEAUyF+D2QniBFnymPUNMr0k5/07QZwgTpANXbUEMv3VhY74VW+HfL/67jGFM8WTTjrqfzovyoetOiqQK3RooRVI71GvQJ5kDiUq7RjU/sl02seniUQDS+E2nVcqzk98nCBOkLJOUsRTIGXI7xs6QS64TBOJlkmBFBFLFe7RdQpEgVSoSP+6mPKqvWJNf+WogFOxSQm5A+y9+Gg8lAAVTCo2r3ZvJeZrm9SkUyBF5BVIdqKlNocjGnXrkX5EYEXubprRjr2qcPTeVF5nuZdywQlSRCxFJCeIE6RIuW2zpHITASmQHoq+Qb5wc8UqcMgJ4gQp0GTfhE6QlP1+ZDWLlBBqt111qY+Pu0dS8VCcU29MOsFTkyuF2/KvWLRwFHBK1CSw5G6KA/H9q8ghAVI/tF4K5Kay04BTIimQ7BtTgQwRPtVJFMj224E2hOmGlqo7zWuLJ0sf6dOAKxAFQjlwa69ArhBJdh5SGNooiG/fIBSt7/YtgdDd8rkQ909TYqcIOY0DzSv19Wkf8ZoFxecV81UgT0wQSoAarb6sXpEwJAeKzyvmq0AUCOE8slUgCK45Y9p5XLEutaC40QoqEIrYkD0ttAJRIFUqumK5YlW5gu2cIBiy2oHpH4xShaOTiNrX0Pqyov6pPY2H2qfqQu/dsn/JCaJAeiWmhKf2vajqpxRIESsFUgTqxowSntr3oqqfUiBFrBRIESgF0gMKnHLFKoBFBZuyL4T2zYROBGpP46H2TpAiYpRgj9yu8kPvpZ+pH+VLCU/ti+Vrm/3zAqHEoMRuIz+0ikzHTwlD40kJhMZJGwL1T3E47CuWArlATQlAJwJtFLQuNH5K4Gn/CoQyxAlyFzEnyD6Roo902qmSSt9P9cuCEmO6QzpBtqtH8U/ySoFcoflqAp8mBm0UKSG7YhVXmqTSnSCPEaDCnybwtP8kr6IThAZGOxjtqJQYRGRbj3GaF7035f/seFLcqDA//SsQivITK1mnQPfCUyC9onXwVyA9rH+dohOqUyAFsvb/tKVAFEgZAdoQyo5/G67yvxWnAqFVdMX6CzH6lkm9VWnpOhNcgVCUFYgC2eMMfSRO2z+Kl967l3f136+6txrfHzva+WkHXuWfxnnYikV3yJS9AqHSuNivIjBdsVbWN7pipQif6sApP5R+q+5NxTlN4Gn/TpAiE1YRddW9RVj+N3OC7CPmBNnHCFsokLUrnBOkSNlVRF11bxEWJwgAqjVBUo8mSiS6EqR23el8V8UJeLJpSjs2rWPqbdvJV4F0UPt9ZlrglHhUyE+k/u0ojVOB3CCf6gAU2FWdmea7Kk4Fso+AE2Qfo4cWTpALNE6QIolShEl14FWdORU/JZ4rVk+wW/R2ghTFf88s1RBWCfmJ1H2DdMCjb4TpTpsiMO3kqXupcOi9dOK8Gg4Unxanf9KsN25RIBdwKFGncaMlpvGnhEZxUCBFydNJlLJfRYxXi38VDgpEgdxFQIFsE4NOzOWPdKp0OmpThDnLapHKN9X5U35o3Smviv32m9khX7FoIhSoFGEUSO8NpUBuEKBEStnTDpAatVSwtCFME4ziQPNNNagUDpQn8RUrRXgKLE2cEoMWaDqeaZxT+dI60rpQHGhdFMiTiNGO6gRZu6o9We7n3yBU0Sl7mjjtVKmOqkAUyF0OpEbtqo6tQLaJTYVPGyPFP9UAXbHo6Cl+lKBuaUEpwag9JaQCoRUv2qcmAi0QJQAlcMr/KnyooGicq/As0rJkFv0dhBKmFGHBiBaCEqMQwveH3cdHZAWl99IGQnFQIKmKDK0olABUsFRoKf+UeLRMq96Gq/Ck+MTfIDSAVQRIETiVLyUqvZc2ECfIPsKuWFcYrep4qxqIAlEgdxGgxNiH8bsF9a9AthGmeNJ6HbZiTRc6mfgr+TrL6vVKmH3Gkpr4CuTVKnsTjwLpFUiB9HA73SkF0iuZAunhdrpTCqRXMgXSw+10pxRIr2QKpIfb6U4pkF7JTieQXprHn6KfDVP29Ie8FDKp+FOEXPW1sxP/IT8Upgqd8jNNGEqATuEIFtP5klg+bSk+1H+yESmQKzTpqkPtk4UjpFEgF7Q6jUiBKJC/tEYFRcTqBKFoLbCnBEjZO0EuCLhiLSA9uTJFeFcsgvqX7T8vkFUJ0nJ0ds57d0znS+OcjodOulTDmb6X8ufXtOv8191XFYgmSIn3yP90vjTO6XimiUrjp5Oa4rnFKwVSUB0taMHlNxNa0Ol4FMjVOugE2afzNCEVyHYNnCD7HG1ZUOK5Yh1DVNpwFEiL/vuHFMg+RsQiRdS3FUiKkKRoW9/VU/HQrzQ0fjq5UnmtundaIPQNddgjfbpwr1bQ6Xz/VWEqkFQLLfqZJtK0/1XCX3WvAikSO2U2TeBp/6uIuupeBZJiftHPNIGn/a8i6qp7FUiR2CmzaQJP+19F1FX3KpAb5Ckg9CtEisA0zlWfPWljoR8TKA40nlR96b0Uh19fSJO/pFPCpBJUINtIUmIokC88FcgVtygxaEOg9rSB0M5MV6xUPDROWhfqfysvBaJA/uJHipBUUNMNhE5SV6wn30q0oNSeEizVORWIK9ZdLlFiUMJTewVyQYDWJdUo3naCnOVRnxJIijCvhht9Q7li3SBGOzYFkHY2Go8CuSCQqgv14wQpCop2KtqxqdBSwqGEcYIUkadApQhAO3DKXoFsvwVSQqONhdaFxukEcYIUW6ICGQXKCbK9S6fwQUVcuNvTfGnnpxvOFm5v+UNhCkDqh9pTwlP/1H46ntTKlMxLgVxVZbpTJQt3j0zUP7VXIEUEKLB0pNLHWioeBdL7rJrq/Ck/lA+uWDcIpACkfqh9sV/9b0b9U/vpeBQIRbj4lYkWmtq/YuFcsR7/gJiqr595iwJUIL3OliIq9UPtl69YPXjrpygg9E30aj84+ka7IEDrXmfUl+UhX7E6gZEzFCgFsv0Yp3iumrCpOJ0gxUf6dGemRCJN4tM2NelSxKN+pu0pnoe9QTqBkTMpYBVIdnVJ1SUlfMKpP7auWAXUpgtEV75pIVNi08mYwjMVpyuWK9ZdDqSIqkCeJFihSY+YUALQIKj/lD2NMzWh6ORKxbkKt/gbhAIybU+BpfFQ/yl7GqcCoYh92UffIP0wZk5SQtIoqP+UPY1TgVDEFEgfsauTKcJPPzYVSL/cTpA+di/3uwN9LD+R+rej9K+gaZypRtTJV4F0UPt9JlU4J8gFUIoDte+UuiWQzkWeEYEzIqBAzlg1Yz4MAQVyGNRedEYEFMgZq2bMhyGgQA6D2ovOiIACOWPVjPkwBBTIYVB70RkRUCBnrJoxH4aAAjkMai86IwIK5IxVM+bDEFAgh0HtRWdEQIGcsWrGfBgCCuQwqL3ojAj8B+IqurcZXZ29AAAAAElFTkSuQmCC"/>
-          <p:cNvSpPr>
-            <a:spLocks noChangeAspect="1" noChangeArrowheads="1"/>
-          </p:cNvSpPr>
-          <p:nvPr/>
-        </p:nvSpPr>
-        <p:spPr bwMode="auto">
-          <a:xfrm>
-            <a:off x="155575" y="-144463"/>
-            <a:ext cx="304800" cy="304801"/>
-          </a:xfrm>
-          <a:prstGeom prst="rect">
-            <a:avLst/>
-          </a:prstGeom>
-          <a:noFill/>
-          <a:extLst>
-            <a:ext uri="{909E8E84-426E-40DD-AFC4-6F175D3DCCD1}">
-              <a14:hiddenFill xmlns:a14="http://schemas.microsoft.com/office/drawing/2010/main">
-                <a:solidFill>
-                  <a:srgbClr val="FFFFFF"/>
-                </a:solidFill>
-              </a14:hiddenFill>
-            </a:ext>
-          </a:extLst>
-        </p:spPr>
-        <p:txBody>
-          <a:bodyPr vert="horz" wrap="square" lIns="91440" tIns="45720" rIns="91440" bIns="45720" numCol="1" anchor="t" anchorCtr="0" compatLnSpc="1">
-            <a:prstTxWarp prst="textNoShape">
-              <a:avLst/>
-            </a:prstTxWarp>
-          </a:bodyPr>
-          <a:lstStyle/>
-          <a:p>
             <a:endParaRPr lang="zh-TW" altLang="en-US"/>
           </a:p>
         </p:txBody>
       </p:sp>
-      <p:pic>
-        <p:nvPicPr>
-          <p:cNvPr id="7" name="圖片 6"/>
-          <p:cNvPicPr>
-            <a:picLocks noChangeAspect="1"/>
-          </p:cNvPicPr>
-          <p:nvPr/>
-        </p:nvPicPr>
-        <p:blipFill>
-          <a:blip r:embed="rId2"/>
-          <a:stretch>
-            <a:fillRect/>
-          </a:stretch>
-        </p:blipFill>
-        <p:spPr>
-          <a:xfrm>
-            <a:off x="8458201" y="758952"/>
-            <a:ext cx="3281680" cy="3281680"/>
-          </a:xfrm>
-          <a:prstGeom prst="rect">
-            <a:avLst/>
-          </a:prstGeom>
-        </p:spPr>
-      </p:pic>
     </p:spTree>
     <p:extLst>
       <p:ext uri="{BB962C8B-B14F-4D97-AF65-F5344CB8AC3E}">
-        <p14:creationId xmlns:p14="http://schemas.microsoft.com/office/powerpoint/2010/main" val="2823057095"/>
+        <p14:creationId xmlns:p14="http://schemas.microsoft.com/office/powerpoint/2010/main" val="3814471096"/>
       </p:ext>
     </p:extLst>
   </p:cSld>
@@ -13275,6 +13100,1101 @@
           <a:bodyPr/>
           <a:lstStyle/>
           <a:p>
+            <a:r>
+              <a:rPr lang="zh-TW" altLang="en-US" dirty="0" smtClean="0"/>
+              <a:t>總結</a:t>
+            </a:r>
+            <a:r>
+              <a:rPr lang="en-US" altLang="zh-TW" dirty="0" smtClean="0"/>
+              <a:t>:</a:t>
+            </a:r>
+            <a:r>
+              <a:rPr lang="zh-TW" altLang="en-US" dirty="0" smtClean="0"/>
+              <a:t> </a:t>
+            </a:r>
+            <a:r>
+              <a:rPr lang="zh-TW" altLang="en-US" sz="4000" dirty="0" smtClean="0"/>
+              <a:t>開發人員一定要了解 </a:t>
+            </a:r>
+            <a:r>
+              <a:rPr lang="en-US" altLang="zh-TW" sz="4000" dirty="0" smtClean="0"/>
+              <a:t>Container</a:t>
+            </a:r>
+            <a:r>
+              <a:rPr lang="zh-TW" altLang="en-US" sz="4000" dirty="0" smtClean="0"/>
+              <a:t> 的原因</a:t>
+            </a:r>
+            <a:endParaRPr lang="zh-TW" altLang="en-US" dirty="0"/>
+          </a:p>
+        </p:txBody>
+      </p:sp>
+      <p:sp>
+        <p:nvSpPr>
+          <p:cNvPr id="3" name="內容版面配置區 2"/>
+          <p:cNvSpPr>
+            <a:spLocks noGrp="1"/>
+          </p:cNvSpPr>
+          <p:nvPr>
+            <p:ph idx="1"/>
+          </p:nvPr>
+        </p:nvSpPr>
+        <p:spPr/>
+        <p:txBody>
+          <a:bodyPr>
+            <a:normAutofit/>
+          </a:bodyPr>
+          <a:lstStyle/>
+          <a:p>
+            <a:pPr marL="514350" indent="-514350">
+              <a:buFont typeface="+mj-lt"/>
+              <a:buAutoNum type="arabicPeriod"/>
+            </a:pPr>
+            <a:r>
+              <a:rPr lang="zh-TW" altLang="en-US" sz="3200" dirty="0"/>
+              <a:t>高效能的虛擬</a:t>
+            </a:r>
+            <a:r>
+              <a:rPr lang="zh-TW" altLang="en-US" sz="3200" dirty="0" smtClean="0"/>
+              <a:t>化機制</a:t>
+            </a:r>
+            <a:endParaRPr lang="en-US" altLang="zh-TW" sz="3200" dirty="0"/>
+          </a:p>
+          <a:p>
+            <a:pPr marL="514350" indent="-514350">
+              <a:buFont typeface="+mj-lt"/>
+              <a:buAutoNum type="arabicPeriod"/>
+            </a:pPr>
+            <a:r>
+              <a:rPr lang="zh-TW" altLang="en-US" sz="3200" dirty="0" smtClean="0"/>
+              <a:t>通用的封裝格式 </a:t>
+            </a:r>
+            <a:r>
+              <a:rPr lang="en-US" altLang="zh-TW" sz="3200" dirty="0" smtClean="0"/>
+              <a:t>(container images)</a:t>
+            </a:r>
+          </a:p>
+          <a:p>
+            <a:pPr marL="514350" indent="-514350">
+              <a:buFont typeface="+mj-lt"/>
+              <a:buAutoNum type="arabicPeriod"/>
+            </a:pPr>
+            <a:r>
+              <a:rPr lang="zh-TW" altLang="en-US" sz="3200" dirty="0"/>
+              <a:t>普及的 </a:t>
+            </a:r>
+            <a:r>
+              <a:rPr lang="en-US" altLang="zh-TW" sz="3200" dirty="0"/>
+              <a:t>Docker</a:t>
+            </a:r>
+            <a:r>
+              <a:rPr lang="zh-TW" altLang="en-US" sz="3200" dirty="0"/>
+              <a:t> </a:t>
+            </a:r>
+            <a:r>
+              <a:rPr lang="en-US" altLang="zh-TW" sz="3200" dirty="0"/>
+              <a:t>ECO-System</a:t>
+            </a:r>
+          </a:p>
+          <a:p>
+            <a:pPr marL="514350" indent="-514350">
+              <a:buFont typeface="+mj-lt"/>
+              <a:buAutoNum type="arabicPeriod"/>
+            </a:pPr>
+            <a:r>
+              <a:rPr lang="zh-TW" altLang="en-US" sz="3200" dirty="0" smtClean="0"/>
+              <a:t>實踐 </a:t>
+            </a:r>
+            <a:r>
+              <a:rPr lang="en-US" altLang="zh-TW" sz="3200" dirty="0" smtClean="0"/>
+              <a:t>DevOps </a:t>
+            </a:r>
+            <a:r>
+              <a:rPr lang="zh-TW" altLang="en-US" sz="3200" dirty="0" smtClean="0"/>
+              <a:t>的最佳技術 </a:t>
+            </a:r>
+            <a:r>
+              <a:rPr lang="en-US" altLang="zh-TW" sz="3200" dirty="0" smtClean="0"/>
+              <a:t>–</a:t>
+            </a:r>
+            <a:r>
+              <a:rPr lang="zh-TW" altLang="en-US" sz="3200" dirty="0" smtClean="0"/>
+              <a:t> 容器化部署</a:t>
+            </a:r>
+            <a:endParaRPr lang="en-US" altLang="zh-TW" sz="3200" dirty="0" smtClean="0"/>
+          </a:p>
+          <a:p>
+            <a:pPr marL="514350" indent="-514350">
+              <a:buFont typeface="+mj-lt"/>
+              <a:buAutoNum type="arabicPeriod"/>
+            </a:pPr>
+            <a:r>
+              <a:rPr lang="zh-TW" altLang="en-US" sz="3200" dirty="0" smtClean="0"/>
+              <a:t>跨越 </a:t>
+            </a:r>
+            <a:r>
+              <a:rPr lang="en-US" altLang="zh-TW" sz="3200" dirty="0" smtClean="0"/>
+              <a:t>Linux / Windows </a:t>
+            </a:r>
+            <a:r>
+              <a:rPr lang="zh-TW" altLang="en-US" sz="3200" dirty="0" smtClean="0"/>
+              <a:t>的技術、工具鍊</a:t>
+            </a:r>
+            <a:r>
+              <a:rPr lang="en-US" altLang="zh-TW" sz="3200" dirty="0" smtClean="0"/>
+              <a:t>&amp;</a:t>
+            </a:r>
+            <a:r>
+              <a:rPr lang="zh-TW" altLang="en-US" sz="3200" dirty="0" smtClean="0"/>
+              <a:t> </a:t>
+            </a:r>
+            <a:r>
+              <a:rPr lang="en-US" altLang="zh-TW" sz="3200" dirty="0" smtClean="0"/>
+              <a:t>ECO-System</a:t>
+            </a:r>
+          </a:p>
+        </p:txBody>
+      </p:sp>
+    </p:spTree>
+    <p:extLst>
+      <p:ext uri="{BB962C8B-B14F-4D97-AF65-F5344CB8AC3E}">
+        <p14:creationId xmlns:p14="http://schemas.microsoft.com/office/powerpoint/2010/main" val="1543622554"/>
+      </p:ext>
+    </p:extLst>
+  </p:cSld>
+  <p:clrMapOvr>
+    <a:masterClrMapping/>
+  </p:clrMapOvr>
+  <p:timing>
+    <p:tnLst>
+      <p:par>
+        <p:cTn id="1" dur="indefinite" restart="never" nodeType="tmRoot"/>
+      </p:par>
+    </p:tnLst>
+  </p:timing>
+</p:sld>
+</file>
+
+<file path=ppt/slides/slide29.xml><?xml version="1.0" encoding="utf-8"?>
+<p:sld xmlns:a="http://schemas.openxmlformats.org/drawingml/2006/main" xmlns:r="http://schemas.openxmlformats.org/officeDocument/2006/relationships" xmlns:p="http://schemas.openxmlformats.org/presentationml/2006/main">
+  <p:cSld>
+    <p:spTree>
+      <p:nvGrpSpPr>
+        <p:cNvPr id="1" name=""/>
+        <p:cNvGrpSpPr/>
+        <p:nvPr/>
+      </p:nvGrpSpPr>
+      <p:grpSpPr>
+        <a:xfrm>
+          <a:off x="0" y="0"/>
+          <a:ext cx="0" cy="0"/>
+          <a:chOff x="0" y="0"/>
+          <a:chExt cx="0" cy="0"/>
+        </a:xfrm>
+      </p:grpSpPr>
+      <p:sp>
+        <p:nvSpPr>
+          <p:cNvPr id="4" name="標題 3"/>
+          <p:cNvSpPr>
+            <a:spLocks noGrp="1"/>
+          </p:cNvSpPr>
+          <p:nvPr>
+            <p:ph type="ctrTitle"/>
+          </p:nvPr>
+        </p:nvSpPr>
+        <p:spPr/>
+        <p:txBody>
+          <a:bodyPr/>
+          <a:lstStyle/>
+          <a:p>
+            <a:r>
+              <a:rPr lang="zh-TW" altLang="en-US" dirty="0"/>
+              <a:t>謝謝大家 </a:t>
+            </a:r>
+            <a:r>
+              <a:rPr lang="en-US" altLang="zh-TW" dirty="0">
+                <a:sym typeface="Wingdings" panose="05000000000000000000" pitchFamily="2" charset="2"/>
+              </a:rPr>
+              <a:t></a:t>
+            </a:r>
+            <a:endParaRPr lang="zh-TW" altLang="en-US" dirty="0"/>
+          </a:p>
+        </p:txBody>
+      </p:sp>
+      <p:sp>
+        <p:nvSpPr>
+          <p:cNvPr id="5" name="副標題 4"/>
+          <p:cNvSpPr>
+            <a:spLocks noGrp="1"/>
+          </p:cNvSpPr>
+          <p:nvPr>
+            <p:ph type="subTitle" idx="1"/>
+          </p:nvPr>
+        </p:nvSpPr>
+        <p:spPr/>
+        <p:txBody>
+          <a:bodyPr/>
+          <a:lstStyle/>
+          <a:p>
+            <a:r>
+              <a:rPr lang="zh-TW" altLang="en-US" dirty="0"/>
+              <a:t>請支持 安德魯的部落格 </a:t>
+            </a:r>
+            <a:r>
+              <a:rPr lang="en-US" altLang="zh-TW" dirty="0" smtClean="0"/>
+              <a:t>~</a:t>
+            </a:r>
+          </a:p>
+          <a:p>
+            <a:r>
+              <a:rPr lang="en-US" altLang="zh-TW" dirty="0" smtClean="0"/>
+              <a:t>https://www.facebook.com/</a:t>
+            </a:r>
+            <a:r>
+              <a:rPr lang="en-US" altLang="zh-TW" b="1" dirty="0" smtClean="0">
+                <a:solidFill>
+                  <a:srgbClr val="FF0000"/>
+                </a:solidFill>
+              </a:rPr>
+              <a:t>andrew.blog.0928</a:t>
+            </a:r>
+            <a:r>
+              <a:rPr lang="en-US" altLang="zh-TW" dirty="0" smtClean="0"/>
+              <a:t>/</a:t>
+            </a:r>
+            <a:endParaRPr lang="zh-TW" altLang="en-US" dirty="0" smtClean="0"/>
+          </a:p>
+          <a:p>
+            <a:endParaRPr lang="zh-TW" altLang="en-US" dirty="0"/>
+          </a:p>
+        </p:txBody>
+      </p:sp>
+      <p:sp>
+        <p:nvSpPr>
+          <p:cNvPr id="6" name="AutoShape 2" descr="data:image/png;base64,iVBORw0KGgoAAAANSUhEUgAAAMgAAADICAYAAACtWK6eAAANhklEQVR4Xu2d0ZYbRwhEvf//0c5Zy85qZWmGi4ppjXXzGpqGogro0Z7k4+fPnz9/+I8IiMBdBD4UiMwQgccIKBDZIQIbCCgQ6SECCkQOiEAPASdIDzdPvQkCCuRNCm2aPQQUSA83T70JAgrkTQptmj0EFEgPN0+9CQIK5E0KbZo9BBRIDzdPvQkCCuRNCm2aPQRaAvn4+OjddvCpR3+HSeNP/T3no3un/adgT+GZiof66eCsQAood4C951aBFMAeNOnUUYEUCtIBVoEUgD3YpFNHBVIoUgdYBVIA9mCTTh0VSKFIHWAVSAHYg006dVQghSJ1gFUgBWAPNunUMSqQTgAJjKYfv4kYP32k4qR+qD3Nd9r/yngUCEX/CfsUkagfak9TnPa/Mh4FQtF/wj5FJOqH2tMUp/2vjEeBUPSfsE8Rifqh9jTFaf8r41EgFP0n7FNEon6oPU1x2v/KeBQIRf8J+xSRqB9qT1Oc9r8ynkMEQv/26REg9G+BUvaP4nm1vGicqa+OVCBnwe3Xl8fOfzju7IDQ+CnxaMdbJWQFsl8pBXKFESXMWTphqiHQRkGFv0/X7xbUP62vE+SmIhRABXIBkArwLLgpEAVCm/ZdewVyA8vZAaHx09WCsm56VUjlS3Ggeb0abk6QYkVooc9iX0x/14wK0BWrOHF2kS+uQNMFOgvhKQ4UfydIETFaiFfrGDQeBbJNjLPzYSs7P/MWmoICUSAFmnyZnL1jOEFQuXeNz84HJ8iTbyIniBNkt0tcG5y9Y9AJgsD58eMH/cGRPn4f2dN7aR1pnLSxpHBO5eVnXlqRoj0lKiWeArkgQAXYqYuP9CLpiVmnEPf800lH7011WuqH5kUbAo3HN8iTbxAijq3ORv1QIimQC8IKpEh4OoIpgWlno/4VyDZitL60gfgGoYwt2ncK4YpVBPfK7J8RCE+dnUiN1Gk/0xPn7I99VvXH1qk6HjZBUolTAtBOngJ2ejWieE7Hk8KN5jXNBwXy5FuGFsgJkpLAtp+kYA/5zDsNSwqQaT8KZJoJF/+pOjpBnCB3GbtqNU3JR4EcTOwUYZwgKQmcdMU6Jv36LanPgLQjaV+v0ZGWtNHFV6wjk63cpUB6O3lK4JUaHWmjQG7QViAK5JoSCkSB3G3IqYlAG86R06FylwJRIApkQykKRIEokFcQSGWcndFmehV5hAn9U5BpbDuddjqmVf5bv6SvCnb6XgVyQViBfDFNgVypToEokNsmrEAUyF+D2QniBFnymPUNMr0k5/07QZwgTpANXbUEMv3VhY74VW+HfL/67jGFM8WTTjrqfzovyoetOiqQK3RooRVI71GvQJ5kDiUq7RjU/sl02seniUQDS+E2nVcqzk98nCBOkLJOUsRTIGXI7xs6QS64TBOJlkmBFBFLFe7RdQpEgVSoSP+6mPKqvWJNf+WogFOxSQm5A+y9+Gg8lAAVTCo2r3ZvJeZrm9SkUyBF5BVIdqKlNocjGnXrkX5EYEXubprRjr2qcPTeVF5nuZdywQlSRCxFJCeIE6RIuW2zpHITASmQHoq+Qb5wc8UqcMgJ4gQp0GTfhE6QlP1+ZDWLlBBqt111qY+Pu0dS8VCcU29MOsFTkyuF2/KvWLRwFHBK1CSw5G6KA/H9q8ghAVI/tF4K5Kay04BTIimQ7BtTgQwRPtVJFMj224E2hOmGlqo7zWuLJ0sf6dOAKxAFQjlwa69ArhBJdh5SGNooiG/fIBSt7/YtgdDd8rkQ909TYqcIOY0DzSv19Wkf8ZoFxecV81UgT0wQSoAarb6sXpEwJAeKzyvmq0AUCOE8slUgCK45Y9p5XLEutaC40QoqEIrYkD0ttAJRIFUqumK5YlW5gu2cIBiy2oHpH4xShaOTiNrX0Pqyov6pPY2H2qfqQu/dsn/JCaJAeiWmhKf2vajqpxRIESsFUgTqxowSntr3oqqfUiBFrBRIESgF0gMKnHLFKoBFBZuyL4T2zYROBGpP46H2TpAiYpRgj9yu8kPvpZ+pH+VLCU/ti+Vrm/3zAqHEoMRuIz+0ikzHTwlD40kJhMZJGwL1T3E47CuWArlATQlAJwJtFLQuNH5K4Gn/CoQyxAlyFzEnyD6Roo902qmSSt9P9cuCEmO6QzpBtqtH8U/ySoFcoflqAp8mBm0UKSG7YhVXmqTSnSCPEaDCnybwtP8kr6IThAZGOxjtqJQYRGRbj3GaF7035f/seFLcqDA//SsQivITK1mnQPfCUyC9onXwVyA9rH+dohOqUyAFsvb/tKVAFEgZAdoQyo5/G67yvxWnAqFVdMX6CzH6lkm9VWnpOhNcgVCUFYgC2eMMfSRO2z+Kl967l3f136+6txrfHzva+WkHXuWfxnnYikV3yJS9AqHSuNivIjBdsVbWN7pipQif6sApP5R+q+5NxTlN4Gn/TpAiE1YRddW9RVj+N3OC7CPmBNnHCFsokLUrnBOkSNlVRF11bxEWJwgAqjVBUo8mSiS6EqR23el8V8UJeLJpSjs2rWPqbdvJV4F0UPt9ZlrglHhUyE+k/u0ojVOB3CCf6gAU2FWdmea7Kk4Fso+AE2Qfo4cWTpALNE6QIolShEl14FWdORU/JZ4rVk+wW/R2ghTFf88s1RBWCfmJ1H2DdMCjb4TpTpsiMO3kqXupcOi9dOK8Gg4Unxanf9KsN25RIBdwKFGncaMlpvGnhEZxUCBFydNJlLJfRYxXi38VDgpEgdxFQIFsE4NOzOWPdKp0OmpThDnLapHKN9X5U35o3Smviv32m9khX7FoIhSoFGEUSO8NpUBuEKBEStnTDpAatVSwtCFME4ziQPNNNagUDpQn8RUrRXgKLE2cEoMWaDqeaZxT+dI60rpQHGhdFMiTiNGO6gRZu6o9We7n3yBU0Sl7mjjtVKmOqkAUyF0OpEbtqo6tQLaJTYVPGyPFP9UAXbHo6Cl+lKBuaUEpwag9JaQCoRUv2qcmAi0QJQAlcMr/KnyooGicq/As0rJkFv0dhBKmFGHBiBaCEqMQwveH3cdHZAWl99IGQnFQIKmKDK0olABUsFRoKf+UeLRMq96Gq/Ck+MTfIDSAVQRIETiVLyUqvZc2ECfIPsKuWFcYrep4qxqIAlEgdxGgxNiH8bsF9a9AthGmeNJ6HbZiTRc6mfgr+TrL6vVKmH3Gkpr4CuTVKnsTjwLpFUiB9HA73SkF0iuZAunhdrpTCqRXMgXSw+10pxRIr2QKpIfb6U4pkF7JTieQXprHn6KfDVP29Ie8FDKp+FOEXPW1sxP/IT8Upgqd8jNNGEqATuEIFtP5klg+bSk+1H+yESmQKzTpqkPtk4UjpFEgF7Q6jUiBKJC/tEYFRcTqBKFoLbCnBEjZO0EuCLhiLSA9uTJFeFcsgvqX7T8vkFUJ0nJ0ds57d0znS+OcjodOulTDmb6X8ufXtOv8191XFYgmSIn3yP90vjTO6XimiUrjp5Oa4rnFKwVSUB0taMHlNxNa0Ol4FMjVOugE2afzNCEVyHYNnCD7HG1ZUOK5Yh1DVNpwFEiL/vuHFMg+RsQiRdS3FUiKkKRoW9/VU/HQrzQ0fjq5UnmtundaIPQNddgjfbpwr1bQ6Xz/VWEqkFQLLfqZJtK0/1XCX3WvAikSO2U2TeBp/6uIuupeBZJiftHPNIGn/a8i6qp7FUiR2CmzaQJP+19F1FX3KpAb5Ckg9CtEisA0zlWfPWljoR8TKA40nlR96b0Uh19fSJO/pFPCpBJUINtIUmIokC88FcgVtygxaEOg9rSB0M5MV6xUPDROWhfqfysvBaJA/uJHipBUUNMNhE5SV6wn30q0oNSeEizVORWIK9ZdLlFiUMJTewVyQYDWJdUo3naCnOVRnxJIijCvhht9Q7li3SBGOzYFkHY2Go8CuSCQqgv14wQpCop2KtqxqdBSwqGEcYIUkadApQhAO3DKXoFsvwVSQqONhdaFxukEcYIUW6ICGQXKCbK9S6fwQUVcuNvTfGnnpxvOFm5v+UNhCkDqh9pTwlP/1H46ntTKlMxLgVxVZbpTJQt3j0zUP7VXIEUEKLB0pNLHWioeBdL7rJrq/Ck/lA+uWDcIpACkfqh9sV/9b0b9U/vpeBQIRbj4lYkWmtq/YuFcsR7/gJiqr595iwJUIL3OliIq9UPtl69YPXjrpygg9E30aj84+ka7IEDrXmfUl+UhX7E6gZEzFCgFsv0Yp3iumrCpOJ0gxUf6dGemRCJN4tM2NelSxKN+pu0pnoe9QTqBkTMpYBVIdnVJ1SUlfMKpP7auWAXUpgtEV75pIVNi08mYwjMVpyuWK9ZdDqSIqkCeJFihSY+YUALQIKj/lD2NMzWh6ORKxbkKt/gbhAIybU+BpfFQ/yl7GqcCoYh92UffIP0wZk5SQtIoqP+UPY1TgVDEFEgfsauTKcJPPzYVSL/cTpA+di/3uwN9LD+R+rej9K+gaZypRtTJV4F0UPt9JlU4J8gFUIoDte+UuiWQzkWeEYEzIqBAzlg1Yz4MAQVyGNRedEYEFMgZq2bMhyGgQA6D2ovOiIACOWPVjPkwBBTIYVB70RkRUCBnrJoxH4aAAjkMai86IwIK5IxVM+bDEFAgh0HtRWdEQIGcsWrGfBgCCuQwqL3ojAj8B+IqurcZXZ29AAAAAElFTkSuQmCC"/>
+          <p:cNvSpPr>
+            <a:spLocks noChangeAspect="1" noChangeArrowheads="1"/>
+          </p:cNvSpPr>
+          <p:nvPr/>
+        </p:nvSpPr>
+        <p:spPr bwMode="auto">
+          <a:xfrm>
+            <a:off x="155575" y="-144463"/>
+            <a:ext cx="304800" cy="304801"/>
+          </a:xfrm>
+          <a:prstGeom prst="rect">
+            <a:avLst/>
+          </a:prstGeom>
+          <a:noFill/>
+          <a:extLst>
+            <a:ext uri="{909E8E84-426E-40DD-AFC4-6F175D3DCCD1}">
+              <a14:hiddenFill xmlns:a14="http://schemas.microsoft.com/office/drawing/2010/main">
+                <a:solidFill>
+                  <a:srgbClr val="FFFFFF"/>
+                </a:solidFill>
+              </a14:hiddenFill>
+            </a:ext>
+          </a:extLst>
+        </p:spPr>
+        <p:txBody>
+          <a:bodyPr vert="horz" wrap="square" lIns="91440" tIns="45720" rIns="91440" bIns="45720" numCol="1" anchor="t" anchorCtr="0" compatLnSpc="1">
+            <a:prstTxWarp prst="textNoShape">
+              <a:avLst/>
+            </a:prstTxWarp>
+          </a:bodyPr>
+          <a:lstStyle/>
+          <a:p>
+            <a:endParaRPr lang="zh-TW" altLang="en-US"/>
+          </a:p>
+        </p:txBody>
+      </p:sp>
+      <p:pic>
+        <p:nvPicPr>
+          <p:cNvPr id="7" name="圖片 6"/>
+          <p:cNvPicPr>
+            <a:picLocks noChangeAspect="1"/>
+          </p:cNvPicPr>
+          <p:nvPr/>
+        </p:nvPicPr>
+        <p:blipFill>
+          <a:blip r:embed="rId2"/>
+          <a:stretch>
+            <a:fillRect/>
+          </a:stretch>
+        </p:blipFill>
+        <p:spPr>
+          <a:xfrm>
+            <a:off x="8458201" y="758952"/>
+            <a:ext cx="3281680" cy="3281680"/>
+          </a:xfrm>
+          <a:prstGeom prst="rect">
+            <a:avLst/>
+          </a:prstGeom>
+        </p:spPr>
+      </p:pic>
+    </p:spTree>
+    <p:extLst>
+      <p:ext uri="{BB962C8B-B14F-4D97-AF65-F5344CB8AC3E}">
+        <p14:creationId xmlns:p14="http://schemas.microsoft.com/office/powerpoint/2010/main" val="2823057095"/>
+      </p:ext>
+    </p:extLst>
+  </p:cSld>
+  <p:clrMapOvr>
+    <a:masterClrMapping/>
+  </p:clrMapOvr>
+  <p:timing>
+    <p:tnLst>
+      <p:par>
+        <p:cTn id="1" dur="indefinite" restart="never" nodeType="tmRoot"/>
+      </p:par>
+    </p:tnLst>
+  </p:timing>
+</p:sld>
+</file>
+
+<file path=ppt/slides/slide3.xml><?xml version="1.0" encoding="utf-8"?>
+<p:sld xmlns:a="http://schemas.openxmlformats.org/drawingml/2006/main" xmlns:r="http://schemas.openxmlformats.org/officeDocument/2006/relationships" xmlns:p="http://schemas.openxmlformats.org/presentationml/2006/main">
+  <p:cSld>
+    <p:spTree>
+      <p:nvGrpSpPr>
+        <p:cNvPr id="1" name=""/>
+        <p:cNvGrpSpPr/>
+        <p:nvPr/>
+      </p:nvGrpSpPr>
+      <p:grpSpPr>
+        <a:xfrm>
+          <a:off x="0" y="0"/>
+          <a:ext cx="0" cy="0"/>
+          <a:chOff x="0" y="0"/>
+          <a:chExt cx="0" cy="0"/>
+        </a:xfrm>
+      </p:grpSpPr>
+      <p:sp>
+        <p:nvSpPr>
+          <p:cNvPr id="2" name="標題 1"/>
+          <p:cNvSpPr>
+            <a:spLocks noGrp="1"/>
+          </p:cNvSpPr>
+          <p:nvPr>
+            <p:ph type="title"/>
+          </p:nvPr>
+        </p:nvSpPr>
+        <p:spPr/>
+        <p:txBody>
+          <a:bodyPr/>
+          <a:lstStyle/>
+          <a:p>
+            <a:r>
+              <a:rPr lang="zh-TW" altLang="en-US" dirty="0" smtClean="0"/>
+              <a:t>開發範例</a:t>
+            </a:r>
+            <a:r>
+              <a:rPr lang="en-US" altLang="zh-TW" dirty="0" smtClean="0"/>
+              <a:t>: IP2C.NET Service</a:t>
+            </a:r>
+            <a:endParaRPr lang="zh-TW" altLang="en-US" dirty="0"/>
+          </a:p>
+        </p:txBody>
+      </p:sp>
+      <p:sp>
+        <p:nvSpPr>
+          <p:cNvPr id="4" name="圓角矩形 3"/>
+          <p:cNvSpPr/>
+          <p:nvPr/>
+        </p:nvSpPr>
+        <p:spPr>
+          <a:xfrm>
+            <a:off x="1097280" y="3559440"/>
+            <a:ext cx="6215922" cy="505838"/>
+          </a:xfrm>
+          <a:prstGeom prst="roundRect">
+            <a:avLst/>
+          </a:prstGeom>
+        </p:spPr>
+        <p:style>
+          <a:lnRef idx="2">
+            <a:schemeClr val="accent2"/>
+          </a:lnRef>
+          <a:fillRef idx="1">
+            <a:schemeClr val="lt1"/>
+          </a:fillRef>
+          <a:effectRef idx="0">
+            <a:schemeClr val="accent2"/>
+          </a:effectRef>
+          <a:fontRef idx="minor">
+            <a:schemeClr val="dk1"/>
+          </a:fontRef>
+        </p:style>
+        <p:txBody>
+          <a:bodyPr rtlCol="0" anchor="ctr"/>
+          <a:lstStyle/>
+          <a:p>
+            <a:pPr algn="ctr"/>
+            <a:r>
+              <a:rPr lang="en-US" altLang="zh-TW" dirty="0" smtClean="0"/>
+              <a:t>IP2C.ReverseProxy</a:t>
+            </a:r>
+            <a:endParaRPr lang="zh-TW" altLang="en-US" dirty="0"/>
+          </a:p>
+        </p:txBody>
+      </p:sp>
+      <p:sp>
+        <p:nvSpPr>
+          <p:cNvPr id="5" name="圓角矩形 4"/>
+          <p:cNvSpPr/>
+          <p:nvPr/>
+        </p:nvSpPr>
+        <p:spPr>
+          <a:xfrm>
+            <a:off x="1097280" y="4259833"/>
+            <a:ext cx="2023354" cy="982493"/>
+          </a:xfrm>
+          <a:prstGeom prst="roundRect">
+            <a:avLst/>
+          </a:prstGeom>
+        </p:spPr>
+        <p:style>
+          <a:lnRef idx="2">
+            <a:schemeClr val="accent2"/>
+          </a:lnRef>
+          <a:fillRef idx="1">
+            <a:schemeClr val="lt1"/>
+          </a:fillRef>
+          <a:effectRef idx="0">
+            <a:schemeClr val="accent2"/>
+          </a:effectRef>
+          <a:fontRef idx="minor">
+            <a:schemeClr val="dk1"/>
+          </a:fontRef>
+        </p:style>
+        <p:txBody>
+          <a:bodyPr rtlCol="0" anchor="ctr"/>
+          <a:lstStyle/>
+          <a:p>
+            <a:pPr algn="ctr"/>
+            <a:r>
+              <a:rPr lang="en-US" altLang="zh-TW" dirty="0" smtClean="0"/>
+              <a:t>IP2C.WebAPI</a:t>
+            </a:r>
+            <a:endParaRPr lang="zh-TW" altLang="en-US" dirty="0"/>
+          </a:p>
+        </p:txBody>
+      </p:sp>
+      <p:sp>
+        <p:nvSpPr>
+          <p:cNvPr id="6" name="圓角矩形 5"/>
+          <p:cNvSpPr/>
+          <p:nvPr/>
+        </p:nvSpPr>
+        <p:spPr>
+          <a:xfrm>
+            <a:off x="3193564" y="4259833"/>
+            <a:ext cx="2023354" cy="982493"/>
+          </a:xfrm>
+          <a:prstGeom prst="roundRect">
+            <a:avLst/>
+          </a:prstGeom>
+        </p:spPr>
+        <p:style>
+          <a:lnRef idx="2">
+            <a:schemeClr val="accent2"/>
+          </a:lnRef>
+          <a:fillRef idx="1">
+            <a:schemeClr val="lt1"/>
+          </a:fillRef>
+          <a:effectRef idx="0">
+            <a:schemeClr val="accent2"/>
+          </a:effectRef>
+          <a:fontRef idx="minor">
+            <a:schemeClr val="dk1"/>
+          </a:fontRef>
+        </p:style>
+        <p:txBody>
+          <a:bodyPr rtlCol="0" anchor="ctr"/>
+          <a:lstStyle/>
+          <a:p>
+            <a:pPr algn="ctr"/>
+            <a:r>
+              <a:rPr lang="en-US" altLang="zh-TW" dirty="0" smtClean="0"/>
+              <a:t>IP2C.WebAPI</a:t>
+            </a:r>
+            <a:endParaRPr lang="zh-TW" altLang="en-US" dirty="0"/>
+          </a:p>
+        </p:txBody>
+      </p:sp>
+      <p:sp>
+        <p:nvSpPr>
+          <p:cNvPr id="7" name="圓角矩形 6"/>
+          <p:cNvSpPr/>
+          <p:nvPr/>
+        </p:nvSpPr>
+        <p:spPr>
+          <a:xfrm>
+            <a:off x="5289848" y="4259833"/>
+            <a:ext cx="2023354" cy="982493"/>
+          </a:xfrm>
+          <a:prstGeom prst="roundRect">
+            <a:avLst/>
+          </a:prstGeom>
+        </p:spPr>
+        <p:style>
+          <a:lnRef idx="2">
+            <a:schemeClr val="accent2"/>
+          </a:lnRef>
+          <a:fillRef idx="1">
+            <a:schemeClr val="lt1"/>
+          </a:fillRef>
+          <a:effectRef idx="0">
+            <a:schemeClr val="accent2"/>
+          </a:effectRef>
+          <a:fontRef idx="minor">
+            <a:schemeClr val="dk1"/>
+          </a:fontRef>
+        </p:style>
+        <p:txBody>
+          <a:bodyPr rtlCol="0" anchor="ctr"/>
+          <a:lstStyle/>
+          <a:p>
+            <a:pPr algn="ctr"/>
+            <a:r>
+              <a:rPr lang="en-US" altLang="zh-TW" dirty="0" smtClean="0"/>
+              <a:t>IP2C.Worker</a:t>
+            </a:r>
+            <a:endParaRPr lang="zh-TW" altLang="en-US" dirty="0"/>
+          </a:p>
+        </p:txBody>
+      </p:sp>
+      <p:sp>
+        <p:nvSpPr>
+          <p:cNvPr id="8" name="圓角矩形 7"/>
+          <p:cNvSpPr/>
+          <p:nvPr/>
+        </p:nvSpPr>
+        <p:spPr>
+          <a:xfrm>
+            <a:off x="1097280" y="5446607"/>
+            <a:ext cx="6215922" cy="612843"/>
+          </a:xfrm>
+          <a:prstGeom prst="roundRect">
+            <a:avLst/>
+          </a:prstGeom>
+        </p:spPr>
+        <p:style>
+          <a:lnRef idx="2">
+            <a:schemeClr val="accent2"/>
+          </a:lnRef>
+          <a:fillRef idx="1">
+            <a:schemeClr val="lt1"/>
+          </a:fillRef>
+          <a:effectRef idx="0">
+            <a:schemeClr val="accent2"/>
+          </a:effectRef>
+          <a:fontRef idx="minor">
+            <a:schemeClr val="dk1"/>
+          </a:fontRef>
+        </p:style>
+        <p:txBody>
+          <a:bodyPr rtlCol="0" anchor="ctr"/>
+          <a:lstStyle/>
+          <a:p>
+            <a:pPr algn="ctr"/>
+            <a:r>
+              <a:rPr lang="en-US" altLang="zh-TW" dirty="0" smtClean="0"/>
+              <a:t>Storage: IP2C_data</a:t>
+            </a:r>
+            <a:endParaRPr lang="zh-TW" altLang="en-US" dirty="0"/>
+          </a:p>
+        </p:txBody>
+      </p:sp>
+      <p:cxnSp>
+        <p:nvCxnSpPr>
+          <p:cNvPr id="9" name="直線單箭頭接點 8"/>
+          <p:cNvCxnSpPr>
+            <a:endCxn id="5" idx="0"/>
+          </p:cNvCxnSpPr>
+          <p:nvPr/>
+        </p:nvCxnSpPr>
+        <p:spPr>
+          <a:xfrm flipH="1">
+            <a:off x="2108957" y="4065278"/>
+            <a:ext cx="1" cy="194555"/>
+          </a:xfrm>
+          <a:prstGeom prst="straightConnector1">
+            <a:avLst/>
+          </a:prstGeom>
+          <a:ln>
+            <a:tailEnd type="triangle"/>
+          </a:ln>
+        </p:spPr>
+        <p:style>
+          <a:lnRef idx="1">
+            <a:schemeClr val="accent1"/>
+          </a:lnRef>
+          <a:fillRef idx="0">
+            <a:schemeClr val="accent1"/>
+          </a:fillRef>
+          <a:effectRef idx="0">
+            <a:schemeClr val="accent1"/>
+          </a:effectRef>
+          <a:fontRef idx="minor">
+            <a:schemeClr val="tx1"/>
+          </a:fontRef>
+        </p:style>
+      </p:cxnSp>
+      <p:cxnSp>
+        <p:nvCxnSpPr>
+          <p:cNvPr id="10" name="直線單箭頭接點 9"/>
+          <p:cNvCxnSpPr/>
+          <p:nvPr/>
+        </p:nvCxnSpPr>
+        <p:spPr>
+          <a:xfrm flipH="1">
+            <a:off x="4205241" y="4065278"/>
+            <a:ext cx="1" cy="194555"/>
+          </a:xfrm>
+          <a:prstGeom prst="straightConnector1">
+            <a:avLst/>
+          </a:prstGeom>
+          <a:ln>
+            <a:tailEnd type="triangle"/>
+          </a:ln>
+        </p:spPr>
+        <p:style>
+          <a:lnRef idx="1">
+            <a:schemeClr val="accent1"/>
+          </a:lnRef>
+          <a:fillRef idx="0">
+            <a:schemeClr val="accent1"/>
+          </a:fillRef>
+          <a:effectRef idx="0">
+            <a:schemeClr val="accent1"/>
+          </a:effectRef>
+          <a:fontRef idx="minor">
+            <a:schemeClr val="tx1"/>
+          </a:fontRef>
+        </p:style>
+      </p:cxnSp>
+      <p:cxnSp>
+        <p:nvCxnSpPr>
+          <p:cNvPr id="11" name="直線單箭頭接點 10"/>
+          <p:cNvCxnSpPr/>
+          <p:nvPr/>
+        </p:nvCxnSpPr>
+        <p:spPr>
+          <a:xfrm flipH="1">
+            <a:off x="6301525" y="5232599"/>
+            <a:ext cx="1" cy="194555"/>
+          </a:xfrm>
+          <a:prstGeom prst="straightConnector1">
+            <a:avLst/>
+          </a:prstGeom>
+          <a:ln>
+            <a:tailEnd type="triangle"/>
+          </a:ln>
+        </p:spPr>
+        <p:style>
+          <a:lnRef idx="1">
+            <a:schemeClr val="accent1"/>
+          </a:lnRef>
+          <a:fillRef idx="0">
+            <a:schemeClr val="accent1"/>
+          </a:fillRef>
+          <a:effectRef idx="0">
+            <a:schemeClr val="accent1"/>
+          </a:effectRef>
+          <a:fontRef idx="minor">
+            <a:schemeClr val="tx1"/>
+          </a:fontRef>
+        </p:style>
+      </p:cxnSp>
+      <p:cxnSp>
+        <p:nvCxnSpPr>
+          <p:cNvPr id="12" name="直線單箭頭接點 11"/>
+          <p:cNvCxnSpPr/>
+          <p:nvPr/>
+        </p:nvCxnSpPr>
+        <p:spPr>
+          <a:xfrm flipV="1">
+            <a:off x="4216206" y="5213143"/>
+            <a:ext cx="0" cy="242869"/>
+          </a:xfrm>
+          <a:prstGeom prst="straightConnector1">
+            <a:avLst/>
+          </a:prstGeom>
+          <a:ln>
+            <a:tailEnd type="triangle"/>
+          </a:ln>
+        </p:spPr>
+        <p:style>
+          <a:lnRef idx="1">
+            <a:schemeClr val="accent1"/>
+          </a:lnRef>
+          <a:fillRef idx="0">
+            <a:schemeClr val="accent1"/>
+          </a:fillRef>
+          <a:effectRef idx="0">
+            <a:schemeClr val="accent1"/>
+          </a:effectRef>
+          <a:fontRef idx="minor">
+            <a:schemeClr val="tx1"/>
+          </a:fontRef>
+        </p:style>
+      </p:cxnSp>
+      <p:cxnSp>
+        <p:nvCxnSpPr>
+          <p:cNvPr id="13" name="直線單箭頭接點 12"/>
+          <p:cNvCxnSpPr/>
+          <p:nvPr/>
+        </p:nvCxnSpPr>
+        <p:spPr>
+          <a:xfrm flipV="1">
+            <a:off x="2105303" y="5213143"/>
+            <a:ext cx="0" cy="242869"/>
+          </a:xfrm>
+          <a:prstGeom prst="straightConnector1">
+            <a:avLst/>
+          </a:prstGeom>
+          <a:ln>
+            <a:tailEnd type="triangle"/>
+          </a:ln>
+        </p:spPr>
+        <p:style>
+          <a:lnRef idx="1">
+            <a:schemeClr val="accent1"/>
+          </a:lnRef>
+          <a:fillRef idx="0">
+            <a:schemeClr val="accent1"/>
+          </a:fillRef>
+          <a:effectRef idx="0">
+            <a:schemeClr val="accent1"/>
+          </a:effectRef>
+          <a:fontRef idx="minor">
+            <a:schemeClr val="tx1"/>
+          </a:fontRef>
+        </p:style>
+      </p:cxnSp>
+      <p:sp>
+        <p:nvSpPr>
+          <p:cNvPr id="14" name="向右箭號 13"/>
+          <p:cNvSpPr/>
+          <p:nvPr/>
+        </p:nvSpPr>
+        <p:spPr>
+          <a:xfrm rot="5400000">
+            <a:off x="3943296" y="2907889"/>
+            <a:ext cx="523890" cy="463138"/>
+          </a:xfrm>
+          <a:prstGeom prst="rightArrow">
+            <a:avLst/>
+          </a:prstGeom>
+        </p:spPr>
+        <p:style>
+          <a:lnRef idx="2">
+            <a:schemeClr val="accent1"/>
+          </a:lnRef>
+          <a:fillRef idx="1">
+            <a:schemeClr val="lt1"/>
+          </a:fillRef>
+          <a:effectRef idx="0">
+            <a:schemeClr val="accent1"/>
+          </a:effectRef>
+          <a:fontRef idx="minor">
+            <a:schemeClr val="dk1"/>
+          </a:fontRef>
+        </p:style>
+        <p:txBody>
+          <a:bodyPr rtlCol="0" anchor="ctr"/>
+          <a:lstStyle/>
+          <a:p>
+            <a:pPr algn="ctr"/>
+            <a:endParaRPr lang="zh-TW" altLang="en-US"/>
+          </a:p>
+        </p:txBody>
+      </p:sp>
+      <p:sp>
+        <p:nvSpPr>
+          <p:cNvPr id="15" name="文字方塊 14"/>
+          <p:cNvSpPr txBox="1"/>
+          <p:nvPr/>
+        </p:nvSpPr>
+        <p:spPr>
+          <a:xfrm>
+            <a:off x="4526498" y="2926424"/>
+            <a:ext cx="1526700" cy="369332"/>
+          </a:xfrm>
+          <a:prstGeom prst="rect">
+            <a:avLst/>
+          </a:prstGeom>
+          <a:noFill/>
+        </p:spPr>
+        <p:txBody>
+          <a:bodyPr wrap="none" rtlCol="0">
+            <a:spAutoFit/>
+          </a:bodyPr>
+          <a:lstStyle/>
+          <a:p>
+            <a:r>
+              <a:rPr lang="en-US" altLang="zh-TW" dirty="0" smtClean="0"/>
+              <a:t>IP2C Rest API</a:t>
+            </a:r>
+            <a:endParaRPr lang="zh-TW" altLang="en-US" dirty="0"/>
+          </a:p>
+        </p:txBody>
+      </p:sp>
+      <p:sp>
+        <p:nvSpPr>
+          <p:cNvPr id="16" name="圓角矩形 15"/>
+          <p:cNvSpPr/>
+          <p:nvPr/>
+        </p:nvSpPr>
+        <p:spPr>
+          <a:xfrm>
+            <a:off x="2437426" y="1895020"/>
+            <a:ext cx="3535629" cy="860055"/>
+          </a:xfrm>
+          <a:prstGeom prst="roundRect">
+            <a:avLst/>
+          </a:prstGeom>
+        </p:spPr>
+        <p:style>
+          <a:lnRef idx="2">
+            <a:schemeClr val="accent5"/>
+          </a:lnRef>
+          <a:fillRef idx="1">
+            <a:schemeClr val="lt1"/>
+          </a:fillRef>
+          <a:effectRef idx="0">
+            <a:schemeClr val="accent5"/>
+          </a:effectRef>
+          <a:fontRef idx="minor">
+            <a:schemeClr val="dk1"/>
+          </a:fontRef>
+        </p:style>
+        <p:txBody>
+          <a:bodyPr rtlCol="0" anchor="ctr"/>
+          <a:lstStyle/>
+          <a:p>
+            <a:pPr algn="ctr"/>
+            <a:r>
+              <a:rPr lang="en-US" altLang="zh-TW" dirty="0" smtClean="0"/>
+              <a:t>Client</a:t>
+            </a:r>
+          </a:p>
+          <a:p>
+            <a:pPr algn="ctr"/>
+            <a:endParaRPr lang="en-US" altLang="zh-TW" dirty="0"/>
+          </a:p>
+        </p:txBody>
+      </p:sp>
+      <p:sp>
+        <p:nvSpPr>
+          <p:cNvPr id="17" name="圓角矩形 16"/>
+          <p:cNvSpPr/>
+          <p:nvPr/>
+        </p:nvSpPr>
+        <p:spPr>
+          <a:xfrm>
+            <a:off x="2660072" y="2381753"/>
+            <a:ext cx="3158836" cy="302098"/>
+          </a:xfrm>
+          <a:prstGeom prst="roundRect">
+            <a:avLst/>
+          </a:prstGeom>
+        </p:spPr>
+        <p:style>
+          <a:lnRef idx="2">
+            <a:schemeClr val="accent1">
+              <a:shade val="50000"/>
+            </a:schemeClr>
+          </a:lnRef>
+          <a:fillRef idx="1">
+            <a:schemeClr val="accent1"/>
+          </a:fillRef>
+          <a:effectRef idx="0">
+            <a:schemeClr val="accent1"/>
+          </a:effectRef>
+          <a:fontRef idx="minor">
+            <a:schemeClr val="lt1"/>
+          </a:fontRef>
+        </p:style>
+        <p:txBody>
+          <a:bodyPr rtlCol="0" anchor="ctr"/>
+          <a:lstStyle/>
+          <a:p>
+            <a:pPr algn="ctr"/>
+            <a:r>
+              <a:rPr lang="en-US" altLang="zh-TW" dirty="0" smtClean="0"/>
+              <a:t>IP2C SDK</a:t>
+            </a:r>
+            <a:endParaRPr lang="zh-TW" altLang="en-US" dirty="0"/>
+          </a:p>
+        </p:txBody>
+      </p:sp>
+      <p:sp>
+        <p:nvSpPr>
+          <p:cNvPr id="18" name="雲朵形 17"/>
+          <p:cNvSpPr/>
+          <p:nvPr/>
+        </p:nvSpPr>
+        <p:spPr>
+          <a:xfrm>
+            <a:off x="9367644" y="3916143"/>
+            <a:ext cx="2446317" cy="1669871"/>
+          </a:xfrm>
+          <a:prstGeom prst="cloud">
+            <a:avLst/>
+          </a:prstGeom>
+        </p:spPr>
+        <p:style>
+          <a:lnRef idx="2">
+            <a:schemeClr val="accent5"/>
+          </a:lnRef>
+          <a:fillRef idx="1">
+            <a:schemeClr val="lt1"/>
+          </a:fillRef>
+          <a:effectRef idx="0">
+            <a:schemeClr val="accent5"/>
+          </a:effectRef>
+          <a:fontRef idx="minor">
+            <a:schemeClr val="dk1"/>
+          </a:fontRef>
+        </p:style>
+        <p:txBody>
+          <a:bodyPr rtlCol="0" anchor="ctr"/>
+          <a:lstStyle/>
+          <a:p>
+            <a:pPr algn="ctr"/>
+            <a:r>
+              <a:rPr lang="en-US" altLang="zh-TW" dirty="0" smtClean="0"/>
+              <a:t>IP2C.org</a:t>
+            </a:r>
+            <a:endParaRPr lang="zh-TW" altLang="en-US" dirty="0"/>
+          </a:p>
+        </p:txBody>
+      </p:sp>
+      <p:cxnSp>
+        <p:nvCxnSpPr>
+          <p:cNvPr id="20" name="直線單箭頭接點 19"/>
+          <p:cNvCxnSpPr>
+            <a:stCxn id="18" idx="2"/>
+            <a:endCxn id="7" idx="3"/>
+          </p:cNvCxnSpPr>
+          <p:nvPr/>
+        </p:nvCxnSpPr>
+        <p:spPr>
+          <a:xfrm flipH="1">
+            <a:off x="7313202" y="4751079"/>
+            <a:ext cx="2062030" cy="1"/>
+          </a:xfrm>
+          <a:prstGeom prst="straightConnector1">
+            <a:avLst/>
+          </a:prstGeom>
+          <a:ln>
+            <a:tailEnd type="triangle"/>
+          </a:ln>
+        </p:spPr>
+        <p:style>
+          <a:lnRef idx="1">
+            <a:schemeClr val="accent1"/>
+          </a:lnRef>
+          <a:fillRef idx="0">
+            <a:schemeClr val="accent1"/>
+          </a:fillRef>
+          <a:effectRef idx="0">
+            <a:schemeClr val="accent1"/>
+          </a:effectRef>
+          <a:fontRef idx="minor">
+            <a:schemeClr val="tx1"/>
+          </a:fontRef>
+        </p:style>
+      </p:cxnSp>
+      <p:sp>
+        <p:nvSpPr>
+          <p:cNvPr id="21" name="文字方塊 20"/>
+          <p:cNvSpPr txBox="1"/>
+          <p:nvPr/>
+        </p:nvSpPr>
+        <p:spPr>
+          <a:xfrm>
+            <a:off x="7802088" y="4156364"/>
+            <a:ext cx="1387559" cy="646331"/>
+          </a:xfrm>
+          <a:prstGeom prst="rect">
+            <a:avLst/>
+          </a:prstGeom>
+          <a:noFill/>
+        </p:spPr>
+        <p:txBody>
+          <a:bodyPr wrap="none" rtlCol="0">
+            <a:spAutoFit/>
+          </a:bodyPr>
+          <a:lstStyle/>
+          <a:p>
+            <a:r>
+              <a:rPr lang="en-US" altLang="zh-TW" dirty="0" smtClean="0"/>
+              <a:t>Download</a:t>
+            </a:r>
+          </a:p>
+          <a:p>
+            <a:r>
+              <a:rPr lang="en-US" altLang="zh-TW" dirty="0" smtClean="0"/>
+              <a:t>IP Database</a:t>
+            </a:r>
+            <a:endParaRPr lang="zh-TW" altLang="en-US" dirty="0"/>
+          </a:p>
+        </p:txBody>
+      </p:sp>
+    </p:spTree>
+    <p:extLst>
+      <p:ext uri="{BB962C8B-B14F-4D97-AF65-F5344CB8AC3E}">
+        <p14:creationId xmlns:p14="http://schemas.microsoft.com/office/powerpoint/2010/main" val="246750829"/>
+      </p:ext>
+    </p:extLst>
+  </p:cSld>
+  <p:clrMapOvr>
+    <a:masterClrMapping/>
+  </p:clrMapOvr>
+  <p:timing>
+    <p:tnLst>
+      <p:par>
+        <p:cTn id="1" dur="indefinite" restart="never" nodeType="tmRoot"/>
+      </p:par>
+    </p:tnLst>
+  </p:timing>
+</p:sld>
+</file>
+
+<file path=ppt/slides/slide30.xml><?xml version="1.0" encoding="utf-8"?>
+<p:sld xmlns:a="http://schemas.openxmlformats.org/drawingml/2006/main" xmlns:r="http://schemas.openxmlformats.org/officeDocument/2006/relationships" xmlns:p="http://schemas.openxmlformats.org/presentationml/2006/main">
+  <p:cSld>
+    <p:spTree>
+      <p:nvGrpSpPr>
+        <p:cNvPr id="1" name=""/>
+        <p:cNvGrpSpPr/>
+        <p:nvPr/>
+      </p:nvGrpSpPr>
+      <p:grpSpPr>
+        <a:xfrm>
+          <a:off x="0" y="0"/>
+          <a:ext cx="0" cy="0"/>
+          <a:chOff x="0" y="0"/>
+          <a:chExt cx="0" cy="0"/>
+        </a:xfrm>
+      </p:grpSpPr>
+      <p:sp>
+        <p:nvSpPr>
+          <p:cNvPr id="2" name="標題 1"/>
+          <p:cNvSpPr>
+            <a:spLocks noGrp="1"/>
+          </p:cNvSpPr>
+          <p:nvPr>
+            <p:ph type="title"/>
+          </p:nvPr>
+        </p:nvSpPr>
+        <p:spPr/>
+        <p:txBody>
+          <a:bodyPr/>
+          <a:lstStyle/>
+          <a:p>
             <a:endParaRPr lang="zh-TW" altLang="en-US"/>
           </a:p>
         </p:txBody>
@@ -13318,7 +14238,7 @@
 </p:sld>
 </file>
 
-<file path=ppt/slides/slide29.xml><?xml version="1.0" encoding="utf-8"?>
+<file path=ppt/slides/slide31.xml><?xml version="1.0" encoding="utf-8"?>
 <p:sld xmlns:a="http://schemas.openxmlformats.org/drawingml/2006/main" xmlns:r="http://schemas.openxmlformats.org/officeDocument/2006/relationships" xmlns:p="http://schemas.openxmlformats.org/presentationml/2006/main">
   <p:cSld>
     <p:spTree>
@@ -13462,723 +14382,7 @@
 </p:sld>
 </file>
 
-<file path=ppt/slides/slide3.xml><?xml version="1.0" encoding="utf-8"?>
-<p:sld xmlns:a="http://schemas.openxmlformats.org/drawingml/2006/main" xmlns:r="http://schemas.openxmlformats.org/officeDocument/2006/relationships" xmlns:p="http://schemas.openxmlformats.org/presentationml/2006/main">
-  <p:cSld>
-    <p:spTree>
-      <p:nvGrpSpPr>
-        <p:cNvPr id="1" name=""/>
-        <p:cNvGrpSpPr/>
-        <p:nvPr/>
-      </p:nvGrpSpPr>
-      <p:grpSpPr>
-        <a:xfrm>
-          <a:off x="0" y="0"/>
-          <a:ext cx="0" cy="0"/>
-          <a:chOff x="0" y="0"/>
-          <a:chExt cx="0" cy="0"/>
-        </a:xfrm>
-      </p:grpSpPr>
-      <p:sp>
-        <p:nvSpPr>
-          <p:cNvPr id="2" name="標題 1"/>
-          <p:cNvSpPr>
-            <a:spLocks noGrp="1"/>
-          </p:cNvSpPr>
-          <p:nvPr>
-            <p:ph type="title"/>
-          </p:nvPr>
-        </p:nvSpPr>
-        <p:spPr/>
-        <p:txBody>
-          <a:bodyPr/>
-          <a:lstStyle/>
-          <a:p>
-            <a:r>
-              <a:rPr lang="zh-TW" altLang="en-US" dirty="0" smtClean="0"/>
-              <a:t>開發範例</a:t>
-            </a:r>
-            <a:r>
-              <a:rPr lang="en-US" altLang="zh-TW" dirty="0" smtClean="0"/>
-              <a:t>: IP2C.NET Service</a:t>
-            </a:r>
-            <a:endParaRPr lang="zh-TW" altLang="en-US" dirty="0"/>
-          </a:p>
-        </p:txBody>
-      </p:sp>
-      <p:sp>
-        <p:nvSpPr>
-          <p:cNvPr id="4" name="圓角矩形 3"/>
-          <p:cNvSpPr/>
-          <p:nvPr/>
-        </p:nvSpPr>
-        <p:spPr>
-          <a:xfrm>
-            <a:off x="1097280" y="3559440"/>
-            <a:ext cx="6215922" cy="505838"/>
-          </a:xfrm>
-          <a:prstGeom prst="roundRect">
-            <a:avLst/>
-          </a:prstGeom>
-        </p:spPr>
-        <p:style>
-          <a:lnRef idx="2">
-            <a:schemeClr val="accent2"/>
-          </a:lnRef>
-          <a:fillRef idx="1">
-            <a:schemeClr val="lt1"/>
-          </a:fillRef>
-          <a:effectRef idx="0">
-            <a:schemeClr val="accent2"/>
-          </a:effectRef>
-          <a:fontRef idx="minor">
-            <a:schemeClr val="dk1"/>
-          </a:fontRef>
-        </p:style>
-        <p:txBody>
-          <a:bodyPr rtlCol="0" anchor="ctr"/>
-          <a:lstStyle/>
-          <a:p>
-            <a:pPr algn="ctr"/>
-            <a:r>
-              <a:rPr lang="en-US" altLang="zh-TW" dirty="0" smtClean="0"/>
-              <a:t>IP2C.ReverseProxy</a:t>
-            </a:r>
-            <a:endParaRPr lang="zh-TW" altLang="en-US" dirty="0"/>
-          </a:p>
-        </p:txBody>
-      </p:sp>
-      <p:sp>
-        <p:nvSpPr>
-          <p:cNvPr id="5" name="圓角矩形 4"/>
-          <p:cNvSpPr/>
-          <p:nvPr/>
-        </p:nvSpPr>
-        <p:spPr>
-          <a:xfrm>
-            <a:off x="1097280" y="4259833"/>
-            <a:ext cx="2023354" cy="982493"/>
-          </a:xfrm>
-          <a:prstGeom prst="roundRect">
-            <a:avLst/>
-          </a:prstGeom>
-        </p:spPr>
-        <p:style>
-          <a:lnRef idx="2">
-            <a:schemeClr val="accent2"/>
-          </a:lnRef>
-          <a:fillRef idx="1">
-            <a:schemeClr val="lt1"/>
-          </a:fillRef>
-          <a:effectRef idx="0">
-            <a:schemeClr val="accent2"/>
-          </a:effectRef>
-          <a:fontRef idx="minor">
-            <a:schemeClr val="dk1"/>
-          </a:fontRef>
-        </p:style>
-        <p:txBody>
-          <a:bodyPr rtlCol="0" anchor="ctr"/>
-          <a:lstStyle/>
-          <a:p>
-            <a:pPr algn="ctr"/>
-            <a:r>
-              <a:rPr lang="en-US" altLang="zh-TW" dirty="0" smtClean="0"/>
-              <a:t>IP2C.WebAPI</a:t>
-            </a:r>
-            <a:endParaRPr lang="zh-TW" altLang="en-US" dirty="0"/>
-          </a:p>
-        </p:txBody>
-      </p:sp>
-      <p:sp>
-        <p:nvSpPr>
-          <p:cNvPr id="6" name="圓角矩形 5"/>
-          <p:cNvSpPr/>
-          <p:nvPr/>
-        </p:nvSpPr>
-        <p:spPr>
-          <a:xfrm>
-            <a:off x="3193564" y="4259833"/>
-            <a:ext cx="2023354" cy="982493"/>
-          </a:xfrm>
-          <a:prstGeom prst="roundRect">
-            <a:avLst/>
-          </a:prstGeom>
-        </p:spPr>
-        <p:style>
-          <a:lnRef idx="2">
-            <a:schemeClr val="accent2"/>
-          </a:lnRef>
-          <a:fillRef idx="1">
-            <a:schemeClr val="lt1"/>
-          </a:fillRef>
-          <a:effectRef idx="0">
-            <a:schemeClr val="accent2"/>
-          </a:effectRef>
-          <a:fontRef idx="minor">
-            <a:schemeClr val="dk1"/>
-          </a:fontRef>
-        </p:style>
-        <p:txBody>
-          <a:bodyPr rtlCol="0" anchor="ctr"/>
-          <a:lstStyle/>
-          <a:p>
-            <a:pPr algn="ctr"/>
-            <a:r>
-              <a:rPr lang="en-US" altLang="zh-TW" dirty="0" smtClean="0"/>
-              <a:t>IP2C.WebAPI</a:t>
-            </a:r>
-            <a:endParaRPr lang="zh-TW" altLang="en-US" dirty="0"/>
-          </a:p>
-        </p:txBody>
-      </p:sp>
-      <p:sp>
-        <p:nvSpPr>
-          <p:cNvPr id="7" name="圓角矩形 6"/>
-          <p:cNvSpPr/>
-          <p:nvPr/>
-        </p:nvSpPr>
-        <p:spPr>
-          <a:xfrm>
-            <a:off x="5289848" y="4259833"/>
-            <a:ext cx="2023354" cy="982493"/>
-          </a:xfrm>
-          <a:prstGeom prst="roundRect">
-            <a:avLst/>
-          </a:prstGeom>
-        </p:spPr>
-        <p:style>
-          <a:lnRef idx="2">
-            <a:schemeClr val="accent2"/>
-          </a:lnRef>
-          <a:fillRef idx="1">
-            <a:schemeClr val="lt1"/>
-          </a:fillRef>
-          <a:effectRef idx="0">
-            <a:schemeClr val="accent2"/>
-          </a:effectRef>
-          <a:fontRef idx="minor">
-            <a:schemeClr val="dk1"/>
-          </a:fontRef>
-        </p:style>
-        <p:txBody>
-          <a:bodyPr rtlCol="0" anchor="ctr"/>
-          <a:lstStyle/>
-          <a:p>
-            <a:pPr algn="ctr"/>
-            <a:r>
-              <a:rPr lang="en-US" altLang="zh-TW" dirty="0" smtClean="0"/>
-              <a:t>IP2C.Worker</a:t>
-            </a:r>
-            <a:endParaRPr lang="zh-TW" altLang="en-US" dirty="0"/>
-          </a:p>
-        </p:txBody>
-      </p:sp>
-      <p:sp>
-        <p:nvSpPr>
-          <p:cNvPr id="8" name="圓角矩形 7"/>
-          <p:cNvSpPr/>
-          <p:nvPr/>
-        </p:nvSpPr>
-        <p:spPr>
-          <a:xfrm>
-            <a:off x="1097280" y="5446607"/>
-            <a:ext cx="6215922" cy="612843"/>
-          </a:xfrm>
-          <a:prstGeom prst="roundRect">
-            <a:avLst/>
-          </a:prstGeom>
-        </p:spPr>
-        <p:style>
-          <a:lnRef idx="2">
-            <a:schemeClr val="accent2"/>
-          </a:lnRef>
-          <a:fillRef idx="1">
-            <a:schemeClr val="lt1"/>
-          </a:fillRef>
-          <a:effectRef idx="0">
-            <a:schemeClr val="accent2"/>
-          </a:effectRef>
-          <a:fontRef idx="minor">
-            <a:schemeClr val="dk1"/>
-          </a:fontRef>
-        </p:style>
-        <p:txBody>
-          <a:bodyPr rtlCol="0" anchor="ctr"/>
-          <a:lstStyle/>
-          <a:p>
-            <a:pPr algn="ctr"/>
-            <a:r>
-              <a:rPr lang="en-US" altLang="zh-TW" dirty="0" smtClean="0"/>
-              <a:t>Storage: </a:t>
-            </a:r>
-            <a:r>
-              <a:rPr lang="en-US" altLang="zh-TW" dirty="0" smtClean="0"/>
-              <a:t>IP2C_data</a:t>
-            </a:r>
-            <a:endParaRPr lang="zh-TW" altLang="en-US" dirty="0"/>
-          </a:p>
-        </p:txBody>
-      </p:sp>
-      <p:cxnSp>
-        <p:nvCxnSpPr>
-          <p:cNvPr id="9" name="直線單箭頭接點 8"/>
-          <p:cNvCxnSpPr>
-            <a:endCxn id="5" idx="0"/>
-          </p:cNvCxnSpPr>
-          <p:nvPr/>
-        </p:nvCxnSpPr>
-        <p:spPr>
-          <a:xfrm flipH="1">
-            <a:off x="2108957" y="4065278"/>
-            <a:ext cx="1" cy="194555"/>
-          </a:xfrm>
-          <a:prstGeom prst="straightConnector1">
-            <a:avLst/>
-          </a:prstGeom>
-          <a:ln>
-            <a:tailEnd type="triangle"/>
-          </a:ln>
-        </p:spPr>
-        <p:style>
-          <a:lnRef idx="1">
-            <a:schemeClr val="accent1"/>
-          </a:lnRef>
-          <a:fillRef idx="0">
-            <a:schemeClr val="accent1"/>
-          </a:fillRef>
-          <a:effectRef idx="0">
-            <a:schemeClr val="accent1"/>
-          </a:effectRef>
-          <a:fontRef idx="minor">
-            <a:schemeClr val="tx1"/>
-          </a:fontRef>
-        </p:style>
-      </p:cxnSp>
-      <p:cxnSp>
-        <p:nvCxnSpPr>
-          <p:cNvPr id="10" name="直線單箭頭接點 9"/>
-          <p:cNvCxnSpPr/>
-          <p:nvPr/>
-        </p:nvCxnSpPr>
-        <p:spPr>
-          <a:xfrm flipH="1">
-            <a:off x="4205241" y="4065278"/>
-            <a:ext cx="1" cy="194555"/>
-          </a:xfrm>
-          <a:prstGeom prst="straightConnector1">
-            <a:avLst/>
-          </a:prstGeom>
-          <a:ln>
-            <a:tailEnd type="triangle"/>
-          </a:ln>
-        </p:spPr>
-        <p:style>
-          <a:lnRef idx="1">
-            <a:schemeClr val="accent1"/>
-          </a:lnRef>
-          <a:fillRef idx="0">
-            <a:schemeClr val="accent1"/>
-          </a:fillRef>
-          <a:effectRef idx="0">
-            <a:schemeClr val="accent1"/>
-          </a:effectRef>
-          <a:fontRef idx="minor">
-            <a:schemeClr val="tx1"/>
-          </a:fontRef>
-        </p:style>
-      </p:cxnSp>
-      <p:cxnSp>
-        <p:nvCxnSpPr>
-          <p:cNvPr id="11" name="直線單箭頭接點 10"/>
-          <p:cNvCxnSpPr/>
-          <p:nvPr/>
-        </p:nvCxnSpPr>
-        <p:spPr>
-          <a:xfrm flipH="1">
-            <a:off x="6301525" y="5232599"/>
-            <a:ext cx="1" cy="194555"/>
-          </a:xfrm>
-          <a:prstGeom prst="straightConnector1">
-            <a:avLst/>
-          </a:prstGeom>
-          <a:ln>
-            <a:tailEnd type="triangle"/>
-          </a:ln>
-        </p:spPr>
-        <p:style>
-          <a:lnRef idx="1">
-            <a:schemeClr val="accent1"/>
-          </a:lnRef>
-          <a:fillRef idx="0">
-            <a:schemeClr val="accent1"/>
-          </a:fillRef>
-          <a:effectRef idx="0">
-            <a:schemeClr val="accent1"/>
-          </a:effectRef>
-          <a:fontRef idx="minor">
-            <a:schemeClr val="tx1"/>
-          </a:fontRef>
-        </p:style>
-      </p:cxnSp>
-      <p:cxnSp>
-        <p:nvCxnSpPr>
-          <p:cNvPr id="12" name="直線單箭頭接點 11"/>
-          <p:cNvCxnSpPr/>
-          <p:nvPr/>
-        </p:nvCxnSpPr>
-        <p:spPr>
-          <a:xfrm flipV="1">
-            <a:off x="4216206" y="5213143"/>
-            <a:ext cx="0" cy="242869"/>
-          </a:xfrm>
-          <a:prstGeom prst="straightConnector1">
-            <a:avLst/>
-          </a:prstGeom>
-          <a:ln>
-            <a:tailEnd type="triangle"/>
-          </a:ln>
-        </p:spPr>
-        <p:style>
-          <a:lnRef idx="1">
-            <a:schemeClr val="accent1"/>
-          </a:lnRef>
-          <a:fillRef idx="0">
-            <a:schemeClr val="accent1"/>
-          </a:fillRef>
-          <a:effectRef idx="0">
-            <a:schemeClr val="accent1"/>
-          </a:effectRef>
-          <a:fontRef idx="minor">
-            <a:schemeClr val="tx1"/>
-          </a:fontRef>
-        </p:style>
-      </p:cxnSp>
-      <p:cxnSp>
-        <p:nvCxnSpPr>
-          <p:cNvPr id="13" name="直線單箭頭接點 12"/>
-          <p:cNvCxnSpPr/>
-          <p:nvPr/>
-        </p:nvCxnSpPr>
-        <p:spPr>
-          <a:xfrm flipV="1">
-            <a:off x="2105303" y="5213143"/>
-            <a:ext cx="0" cy="242869"/>
-          </a:xfrm>
-          <a:prstGeom prst="straightConnector1">
-            <a:avLst/>
-          </a:prstGeom>
-          <a:ln>
-            <a:tailEnd type="triangle"/>
-          </a:ln>
-        </p:spPr>
-        <p:style>
-          <a:lnRef idx="1">
-            <a:schemeClr val="accent1"/>
-          </a:lnRef>
-          <a:fillRef idx="0">
-            <a:schemeClr val="accent1"/>
-          </a:fillRef>
-          <a:effectRef idx="0">
-            <a:schemeClr val="accent1"/>
-          </a:effectRef>
-          <a:fontRef idx="minor">
-            <a:schemeClr val="tx1"/>
-          </a:fontRef>
-        </p:style>
-      </p:cxnSp>
-      <p:sp>
-        <p:nvSpPr>
-          <p:cNvPr id="14" name="向右箭號 13"/>
-          <p:cNvSpPr/>
-          <p:nvPr/>
-        </p:nvSpPr>
-        <p:spPr>
-          <a:xfrm rot="5400000">
-            <a:off x="3943296" y="2907889"/>
-            <a:ext cx="523890" cy="463138"/>
-          </a:xfrm>
-          <a:prstGeom prst="rightArrow">
-            <a:avLst/>
-          </a:prstGeom>
-        </p:spPr>
-        <p:style>
-          <a:lnRef idx="2">
-            <a:schemeClr val="accent1"/>
-          </a:lnRef>
-          <a:fillRef idx="1">
-            <a:schemeClr val="lt1"/>
-          </a:fillRef>
-          <a:effectRef idx="0">
-            <a:schemeClr val="accent1"/>
-          </a:effectRef>
-          <a:fontRef idx="minor">
-            <a:schemeClr val="dk1"/>
-          </a:fontRef>
-        </p:style>
-        <p:txBody>
-          <a:bodyPr rtlCol="0" anchor="ctr"/>
-          <a:lstStyle/>
-          <a:p>
-            <a:pPr algn="ctr"/>
-            <a:endParaRPr lang="zh-TW" altLang="en-US"/>
-          </a:p>
-        </p:txBody>
-      </p:sp>
-      <p:sp>
-        <p:nvSpPr>
-          <p:cNvPr id="15" name="文字方塊 14"/>
-          <p:cNvSpPr txBox="1"/>
-          <p:nvPr/>
-        </p:nvSpPr>
-        <p:spPr>
-          <a:xfrm>
-            <a:off x="4526498" y="2926424"/>
-            <a:ext cx="1526700" cy="369332"/>
-          </a:xfrm>
-          <a:prstGeom prst="rect">
-            <a:avLst/>
-          </a:prstGeom>
-          <a:noFill/>
-        </p:spPr>
-        <p:txBody>
-          <a:bodyPr wrap="none" rtlCol="0">
-            <a:spAutoFit/>
-          </a:bodyPr>
-          <a:lstStyle/>
-          <a:p>
-            <a:r>
-              <a:rPr lang="en-US" altLang="zh-TW" dirty="0" smtClean="0"/>
-              <a:t>IP2C Rest API</a:t>
-            </a:r>
-            <a:endParaRPr lang="zh-TW" altLang="en-US" dirty="0"/>
-          </a:p>
-        </p:txBody>
-      </p:sp>
-      <p:sp>
-        <p:nvSpPr>
-          <p:cNvPr id="16" name="圓角矩形 15"/>
-          <p:cNvSpPr/>
-          <p:nvPr/>
-        </p:nvSpPr>
-        <p:spPr>
-          <a:xfrm>
-            <a:off x="2437426" y="1895020"/>
-            <a:ext cx="3535629" cy="860055"/>
-          </a:xfrm>
-          <a:prstGeom prst="roundRect">
-            <a:avLst/>
-          </a:prstGeom>
-        </p:spPr>
-        <p:style>
-          <a:lnRef idx="2">
-            <a:schemeClr val="accent5"/>
-          </a:lnRef>
-          <a:fillRef idx="1">
-            <a:schemeClr val="lt1"/>
-          </a:fillRef>
-          <a:effectRef idx="0">
-            <a:schemeClr val="accent5"/>
-          </a:effectRef>
-          <a:fontRef idx="minor">
-            <a:schemeClr val="dk1"/>
-          </a:fontRef>
-        </p:style>
-        <p:txBody>
-          <a:bodyPr rtlCol="0" anchor="ctr"/>
-          <a:lstStyle/>
-          <a:p>
-            <a:pPr algn="ctr"/>
-            <a:r>
-              <a:rPr lang="en-US" altLang="zh-TW" dirty="0" smtClean="0"/>
-              <a:t>Client</a:t>
-            </a:r>
-          </a:p>
-          <a:p>
-            <a:pPr algn="ctr"/>
-            <a:endParaRPr lang="en-US" altLang="zh-TW" dirty="0"/>
-          </a:p>
-        </p:txBody>
-      </p:sp>
-      <p:sp>
-        <p:nvSpPr>
-          <p:cNvPr id="17" name="圓角矩形 16"/>
-          <p:cNvSpPr/>
-          <p:nvPr/>
-        </p:nvSpPr>
-        <p:spPr>
-          <a:xfrm>
-            <a:off x="2660072" y="2381753"/>
-            <a:ext cx="3158836" cy="302098"/>
-          </a:xfrm>
-          <a:prstGeom prst="roundRect">
-            <a:avLst/>
-          </a:prstGeom>
-        </p:spPr>
-        <p:style>
-          <a:lnRef idx="2">
-            <a:schemeClr val="accent1">
-              <a:shade val="50000"/>
-            </a:schemeClr>
-          </a:lnRef>
-          <a:fillRef idx="1">
-            <a:schemeClr val="accent1"/>
-          </a:fillRef>
-          <a:effectRef idx="0">
-            <a:schemeClr val="accent1"/>
-          </a:effectRef>
-          <a:fontRef idx="minor">
-            <a:schemeClr val="lt1"/>
-          </a:fontRef>
-        </p:style>
-        <p:txBody>
-          <a:bodyPr rtlCol="0" anchor="ctr"/>
-          <a:lstStyle/>
-          <a:p>
-            <a:pPr algn="ctr"/>
-            <a:r>
-              <a:rPr lang="en-US" altLang="zh-TW" dirty="0" smtClean="0"/>
-              <a:t>IP2C SDK</a:t>
-            </a:r>
-            <a:endParaRPr lang="zh-TW" altLang="en-US" dirty="0"/>
-          </a:p>
-        </p:txBody>
-      </p:sp>
-      <p:sp>
-        <p:nvSpPr>
-          <p:cNvPr id="18" name="雲朵形 17"/>
-          <p:cNvSpPr/>
-          <p:nvPr/>
-        </p:nvSpPr>
-        <p:spPr>
-          <a:xfrm>
-            <a:off x="9367644" y="3916143"/>
-            <a:ext cx="2446317" cy="1669871"/>
-          </a:xfrm>
-          <a:prstGeom prst="cloud">
-            <a:avLst/>
-          </a:prstGeom>
-        </p:spPr>
-        <p:style>
-          <a:lnRef idx="2">
-            <a:schemeClr val="accent5"/>
-          </a:lnRef>
-          <a:fillRef idx="1">
-            <a:schemeClr val="lt1"/>
-          </a:fillRef>
-          <a:effectRef idx="0">
-            <a:schemeClr val="accent5"/>
-          </a:effectRef>
-          <a:fontRef idx="minor">
-            <a:schemeClr val="dk1"/>
-          </a:fontRef>
-        </p:style>
-        <p:txBody>
-          <a:bodyPr rtlCol="0" anchor="ctr"/>
-          <a:lstStyle/>
-          <a:p>
-            <a:pPr algn="ctr"/>
-            <a:r>
-              <a:rPr lang="en-US" altLang="zh-TW" dirty="0" smtClean="0"/>
-              <a:t>IP2C.org</a:t>
-            </a:r>
-            <a:endParaRPr lang="zh-TW" altLang="en-US" dirty="0"/>
-          </a:p>
-        </p:txBody>
-      </p:sp>
-      <p:cxnSp>
-        <p:nvCxnSpPr>
-          <p:cNvPr id="20" name="直線單箭頭接點 19"/>
-          <p:cNvCxnSpPr>
-            <a:stCxn id="18" idx="2"/>
-            <a:endCxn id="7" idx="3"/>
-          </p:cNvCxnSpPr>
-          <p:nvPr/>
-        </p:nvCxnSpPr>
-        <p:spPr>
-          <a:xfrm flipH="1">
-            <a:off x="7313202" y="4751079"/>
-            <a:ext cx="2062030" cy="1"/>
-          </a:xfrm>
-          <a:prstGeom prst="straightConnector1">
-            <a:avLst/>
-          </a:prstGeom>
-          <a:ln>
-            <a:tailEnd type="triangle"/>
-          </a:ln>
-        </p:spPr>
-        <p:style>
-          <a:lnRef idx="1">
-            <a:schemeClr val="accent1"/>
-          </a:lnRef>
-          <a:fillRef idx="0">
-            <a:schemeClr val="accent1"/>
-          </a:fillRef>
-          <a:effectRef idx="0">
-            <a:schemeClr val="accent1"/>
-          </a:effectRef>
-          <a:fontRef idx="minor">
-            <a:schemeClr val="tx1"/>
-          </a:fontRef>
-        </p:style>
-      </p:cxnSp>
-      <p:sp>
-        <p:nvSpPr>
-          <p:cNvPr id="21" name="文字方塊 20"/>
-          <p:cNvSpPr txBox="1"/>
-          <p:nvPr/>
-        </p:nvSpPr>
-        <p:spPr>
-          <a:xfrm>
-            <a:off x="7802088" y="4156364"/>
-            <a:ext cx="1387559" cy="646331"/>
-          </a:xfrm>
-          <a:prstGeom prst="rect">
-            <a:avLst/>
-          </a:prstGeom>
-          <a:noFill/>
-        </p:spPr>
-        <p:txBody>
-          <a:bodyPr wrap="none" rtlCol="0">
-            <a:spAutoFit/>
-          </a:bodyPr>
-          <a:lstStyle/>
-          <a:p>
-            <a:r>
-              <a:rPr lang="en-US" altLang="zh-TW" dirty="0" smtClean="0"/>
-              <a:t>Download</a:t>
-            </a:r>
-          </a:p>
-          <a:p>
-            <a:r>
-              <a:rPr lang="en-US" altLang="zh-TW" dirty="0" smtClean="0"/>
-              <a:t>IP Database</a:t>
-            </a:r>
-            <a:endParaRPr lang="zh-TW" altLang="en-US" dirty="0"/>
-          </a:p>
-        </p:txBody>
-      </p:sp>
-    </p:spTree>
-    <p:extLst>
-      <p:ext uri="{BB962C8B-B14F-4D97-AF65-F5344CB8AC3E}">
-        <p14:creationId xmlns:p14="http://schemas.microsoft.com/office/powerpoint/2010/main" val="246750829"/>
-      </p:ext>
-    </p:extLst>
-  </p:cSld>
-  <p:clrMapOvr>
-    <a:masterClrMapping/>
-  </p:clrMapOvr>
-  <p:timing>
-    <p:tnLst>
-      <p:par>
-        <p:cTn id="1" dur="indefinite" restart="never" nodeType="tmRoot"/>
-      </p:par>
-    </p:tnLst>
-  </p:timing>
-</p:sld>
-</file>
-
-<file path=ppt/slides/slide30.xml><?xml version="1.0" encoding="utf-8"?>
+<file path=ppt/slides/slide32.xml><?xml version="1.0" encoding="utf-8"?>
 <p:sld xmlns:a="http://schemas.openxmlformats.org/drawingml/2006/main" xmlns:r="http://schemas.openxmlformats.org/officeDocument/2006/relationships" xmlns:p="http://schemas.openxmlformats.org/presentationml/2006/main">
   <p:cSld>
     <p:spTree>
@@ -14306,7 +14510,7 @@
 </p:sld>
 </file>
 
-<file path=ppt/slides/slide31.xml><?xml version="1.0" encoding="utf-8"?>
+<file path=ppt/slides/slide33.xml><?xml version="1.0" encoding="utf-8"?>
 <p:sld xmlns:a="http://schemas.openxmlformats.org/drawingml/2006/main" xmlns:r="http://schemas.openxmlformats.org/officeDocument/2006/relationships" xmlns:p="http://schemas.openxmlformats.org/presentationml/2006/main">
   <p:cSld>
     <p:spTree>
@@ -14422,7 +14626,7 @@
 </p:sld>
 </file>
 
-<file path=ppt/slides/slide32.xml><?xml version="1.0" encoding="utf-8"?>
+<file path=ppt/slides/slide34.xml><?xml version="1.0" encoding="utf-8"?>
 <p:sld xmlns:a="http://schemas.openxmlformats.org/drawingml/2006/main" xmlns:r="http://schemas.openxmlformats.org/officeDocument/2006/relationships" xmlns:p="http://schemas.openxmlformats.org/presentationml/2006/main">
   <p:cSld>
     <p:spTree>
@@ -16397,7 +16601,7 @@
         <p:spPr>
           <a:xfrm>
             <a:off x="5605154" y="1723709"/>
-            <a:ext cx="6135013" cy="1754326"/>
+            <a:ext cx="6135013" cy="2031325"/>
           </a:xfrm>
           <a:prstGeom prst="rect">
             <a:avLst/>
@@ -16455,6 +16659,37 @@
             </a:r>
             <a:r>
               <a:rPr lang="zh-TW" altLang="en-US" dirty="0" smtClean="0"/>
+              <a:t>。要更新時</a:t>
+            </a:r>
+            <a:endParaRPr lang="en-US" altLang="zh-TW" dirty="0" smtClean="0"/>
+          </a:p>
+          <a:p>
+            <a:r>
+              <a:rPr lang="zh-TW" altLang="en-US" dirty="0" smtClean="0"/>
+              <a:t>只需要重新</a:t>
+            </a:r>
+            <a:r>
+              <a:rPr lang="zh-TW" altLang="en-US" dirty="0"/>
+              <a:t> </a:t>
+            </a:r>
+            <a:r>
+              <a:rPr lang="en-US" altLang="zh-TW" dirty="0" smtClean="0"/>
+              <a:t>build</a:t>
+            </a:r>
+            <a:r>
+              <a:rPr lang="zh-TW" altLang="en-US" dirty="0"/>
+              <a:t> </a:t>
+            </a:r>
+            <a:r>
+              <a:rPr lang="en-US" altLang="zh-TW" dirty="0" smtClean="0"/>
+              <a:t>image,</a:t>
+            </a:r>
+            <a:r>
+              <a:rPr lang="zh-TW" altLang="en-US" dirty="0" smtClean="0"/>
+              <a:t> 不需要重新安裝</a:t>
+            </a:r>
+            <a:r>
+              <a:rPr lang="zh-TW" altLang="en-US" dirty="0"/>
               <a:t>。</a:t>
             </a:r>
             <a:endParaRPr lang="en-US" altLang="zh-TW" dirty="0" smtClean="0"/>
@@ -16509,6 +16744,60 @@
               <a:t> var..</a:t>
             </a:r>
             <a:endParaRPr lang="zh-TW" altLang="en-US" dirty="0"/>
+          </a:p>
+        </p:txBody>
+      </p:sp>
+      <p:sp>
+        <p:nvSpPr>
+          <p:cNvPr id="13" name="文字方塊 12"/>
+          <p:cNvSpPr txBox="1"/>
+          <p:nvPr/>
+        </p:nvSpPr>
+        <p:spPr>
+          <a:xfrm>
+            <a:off x="195385" y="6455508"/>
+            <a:ext cx="9582752" cy="369332"/>
+          </a:xfrm>
+          <a:prstGeom prst="rect">
+            <a:avLst/>
+          </a:prstGeom>
+          <a:noFill/>
+        </p:spPr>
+        <p:txBody>
+          <a:bodyPr wrap="none" rtlCol="0">
+            <a:spAutoFit/>
+          </a:bodyPr>
+          <a:lstStyle/>
+          <a:p>
+            <a:r>
+              <a:rPr lang="en-US" altLang="zh-TW" dirty="0" err="1" smtClean="0">
+                <a:solidFill>
+                  <a:schemeClr val="bg1"/>
+                </a:solidFill>
+              </a:rPr>
+              <a:t>windowsservercore</a:t>
+            </a:r>
+            <a:r>
+              <a:rPr lang="en-US" altLang="zh-TW" dirty="0" smtClean="0">
+                <a:solidFill>
+                  <a:schemeClr val="bg1"/>
+                </a:solidFill>
+              </a:rPr>
+              <a:t> </a:t>
+            </a:r>
+            <a:r>
+              <a:rPr lang="en-US" altLang="zh-TW" dirty="0">
+                <a:solidFill>
+                  <a:schemeClr val="bg1"/>
+                </a:solidFill>
+              </a:rPr>
+              <a:t>image: https://hub.docker.com/r/microsoft/windowsservercore/tags/</a:t>
+            </a:r>
+            <a:endParaRPr lang="zh-TW" altLang="en-US" dirty="0">
+              <a:solidFill>
+                <a:schemeClr val="bg1"/>
+              </a:solidFill>
+            </a:endParaRPr>
           </a:p>
         </p:txBody>
       </p:sp>
@@ -16619,6 +16908,60 @@
           </a:prstGeom>
         </p:spPr>
       </p:pic>
+      <p:sp>
+        <p:nvSpPr>
+          <p:cNvPr id="5" name="文字方塊 4"/>
+          <p:cNvSpPr txBox="1"/>
+          <p:nvPr/>
+        </p:nvSpPr>
+        <p:spPr>
+          <a:xfrm>
+            <a:off x="195385" y="6455508"/>
+            <a:ext cx="9582752" cy="369332"/>
+          </a:xfrm>
+          <a:prstGeom prst="rect">
+            <a:avLst/>
+          </a:prstGeom>
+          <a:noFill/>
+        </p:spPr>
+        <p:txBody>
+          <a:bodyPr wrap="none" rtlCol="0">
+            <a:spAutoFit/>
+          </a:bodyPr>
+          <a:lstStyle/>
+          <a:p>
+            <a:r>
+              <a:rPr lang="en-US" altLang="zh-TW" dirty="0" err="1" smtClean="0">
+                <a:solidFill>
+                  <a:schemeClr val="bg1"/>
+                </a:solidFill>
+              </a:rPr>
+              <a:t>windowsservercore</a:t>
+            </a:r>
+            <a:r>
+              <a:rPr lang="en-US" altLang="zh-TW" dirty="0" smtClean="0">
+                <a:solidFill>
+                  <a:schemeClr val="bg1"/>
+                </a:solidFill>
+              </a:rPr>
+              <a:t> </a:t>
+            </a:r>
+            <a:r>
+              <a:rPr lang="en-US" altLang="zh-TW" dirty="0">
+                <a:solidFill>
+                  <a:schemeClr val="bg1"/>
+                </a:solidFill>
+              </a:rPr>
+              <a:t>image: https://hub.docker.com/r/microsoft/windowsservercore/tags/</a:t>
+            </a:r>
+            <a:endParaRPr lang="zh-TW" altLang="en-US" dirty="0">
+              <a:solidFill>
+                <a:schemeClr val="bg1"/>
+              </a:solidFill>
+            </a:endParaRPr>
+          </a:p>
+        </p:txBody>
+      </p:sp>
     </p:spTree>
     <p:extLst>
       <p:ext uri="{BB962C8B-B14F-4D97-AF65-F5344CB8AC3E}">

--- a/20170817.AzureCafe.Containers/slides.pptx
+++ b/20170817.AzureCafe.Containers/slides.pptx
@@ -1286,12 +1286,12 @@
         </a:fontRef>
       </dsp:style>
       <dsp:txBody>
-        <a:bodyPr spcFirstLastPara="0" vert="horz" wrap="square" lIns="144018" tIns="48006" rIns="48006" bIns="48006" numCol="1" spcCol="1270" anchor="ctr" anchorCtr="0">
+        <a:bodyPr spcFirstLastPara="0" vert="horz" wrap="square" lIns="148019" tIns="49340" rIns="49340" bIns="49340" numCol="1" spcCol="1270" anchor="ctr" anchorCtr="0">
           <a:noAutofit/>
         </a:bodyPr>
         <a:lstStyle/>
         <a:p>
-          <a:pPr lvl="0" algn="ctr" defTabSz="1600200">
+          <a:pPr lvl="0" algn="ctr" defTabSz="1644650">
             <a:lnSpc>
               <a:spcPct val="90000"/>
             </a:lnSpc>
@@ -1303,10 +1303,10 @@
             </a:spcAft>
           </a:pPr>
           <a:r>
-            <a:rPr lang="en-US" altLang="zh-TW" sz="3600" kern="1200" dirty="0" smtClean="0"/>
+            <a:rPr lang="en-US" altLang="zh-TW" sz="3700" kern="1200" dirty="0" smtClean="0"/>
             <a:t>BUILD</a:t>
           </a:r>
-          <a:endParaRPr lang="zh-TW" altLang="en-US" sz="3600" kern="1200" dirty="0"/>
+          <a:endParaRPr lang="zh-TW" altLang="en-US" sz="3700" kern="1200" dirty="0"/>
         </a:p>
       </dsp:txBody>
       <dsp:txXfrm>
@@ -1363,12 +1363,12 @@
         </a:fontRef>
       </dsp:style>
       <dsp:txBody>
-        <a:bodyPr spcFirstLastPara="0" vert="horz" wrap="square" lIns="144018" tIns="48006" rIns="48006" bIns="48006" numCol="1" spcCol="1270" anchor="ctr" anchorCtr="0">
+        <a:bodyPr spcFirstLastPara="0" vert="horz" wrap="square" lIns="148019" tIns="49340" rIns="49340" bIns="49340" numCol="1" spcCol="1270" anchor="ctr" anchorCtr="0">
           <a:noAutofit/>
         </a:bodyPr>
         <a:lstStyle/>
         <a:p>
-          <a:pPr lvl="0" algn="ctr" defTabSz="1600200">
+          <a:pPr lvl="0" algn="ctr" defTabSz="1644650">
             <a:lnSpc>
               <a:spcPct val="90000"/>
             </a:lnSpc>
@@ -1380,10 +1380,10 @@
             </a:spcAft>
           </a:pPr>
           <a:r>
-            <a:rPr lang="en-US" altLang="zh-TW" sz="3600" kern="1200" dirty="0" smtClean="0"/>
+            <a:rPr lang="en-US" altLang="zh-TW" sz="3700" kern="1200" dirty="0" smtClean="0"/>
             <a:t>SHIP</a:t>
           </a:r>
-          <a:endParaRPr lang="zh-TW" altLang="en-US" sz="3600" kern="1200" dirty="0"/>
+          <a:endParaRPr lang="zh-TW" altLang="en-US" sz="3700" kern="1200" dirty="0"/>
         </a:p>
       </dsp:txBody>
       <dsp:txXfrm>
@@ -1440,12 +1440,12 @@
         </a:fontRef>
       </dsp:style>
       <dsp:txBody>
-        <a:bodyPr spcFirstLastPara="0" vert="horz" wrap="square" lIns="144018" tIns="48006" rIns="48006" bIns="48006" numCol="1" spcCol="1270" anchor="ctr" anchorCtr="0">
+        <a:bodyPr spcFirstLastPara="0" vert="horz" wrap="square" lIns="148019" tIns="49340" rIns="49340" bIns="49340" numCol="1" spcCol="1270" anchor="ctr" anchorCtr="0">
           <a:noAutofit/>
         </a:bodyPr>
         <a:lstStyle/>
         <a:p>
-          <a:pPr lvl="0" algn="ctr" defTabSz="1600200">
+          <a:pPr lvl="0" algn="ctr" defTabSz="1644650">
             <a:lnSpc>
               <a:spcPct val="90000"/>
             </a:lnSpc>
@@ -1457,10 +1457,10 @@
             </a:spcAft>
           </a:pPr>
           <a:r>
-            <a:rPr lang="en-US" altLang="zh-TW" sz="3600" kern="1200" dirty="0" smtClean="0"/>
+            <a:rPr lang="en-US" altLang="zh-TW" sz="3700" kern="1200" dirty="0" smtClean="0"/>
             <a:t>RUN</a:t>
           </a:r>
-          <a:endParaRPr lang="zh-TW" altLang="en-US" sz="3600" kern="1200" dirty="0"/>
+          <a:endParaRPr lang="zh-TW" altLang="en-US" sz="3700" kern="1200" dirty="0"/>
         </a:p>
       </dsp:txBody>
       <dsp:txXfrm>
@@ -9757,7 +9757,7 @@
         <p:spPr/>
         <p:txBody>
           <a:bodyPr>
-            <a:normAutofit/>
+            <a:normAutofit lnSpcReduction="10000"/>
           </a:bodyPr>
           <a:lstStyle/>
           <a:p>
@@ -9787,8 +9787,24 @@
             </a:r>
             <a:r>
               <a:rPr lang="en-US" altLang="zh-TW" sz="3200" b="1" dirty="0" smtClean="0"/>
-              <a:t>Chief Architect</a:t>
-            </a:r>
+              <a:t>Chief </a:t>
+            </a:r>
+            <a:r>
+              <a:rPr lang="en-US" altLang="zh-TW" sz="3200" b="1" dirty="0" smtClean="0"/>
+              <a:t>Architect</a:t>
+            </a:r>
+            <a:br>
+              <a:rPr lang="en-US" altLang="zh-TW" sz="3200" b="1" dirty="0" smtClean="0"/>
+            </a:br>
+            <a:r>
+              <a:rPr lang="zh-TW" altLang="en-US" sz="3200" b="1" dirty="0" smtClean="0"/>
+              <a:t>一宇數位科技 </a:t>
+            </a:r>
+            <a:r>
+              <a:rPr lang="en-US" altLang="zh-TW" sz="3200" b="1" dirty="0" smtClean="0"/>
+              <a:t>-- CTO</a:t>
+            </a:r>
+            <a:endParaRPr lang="en-US" altLang="zh-TW" sz="3200" b="1" dirty="0" smtClean="0"/>
           </a:p>
           <a:p>
             <a:pPr marL="514350" indent="-514350">
@@ -12530,190 +12546,6 @@
           </a:p>
         </p:txBody>
       </p:sp>
-      <p:cxnSp>
-        <p:nvCxnSpPr>
-          <p:cNvPr id="16" name="直線接點 15"/>
-          <p:cNvCxnSpPr>
-            <a:stCxn id="20" idx="2"/>
-          </p:cNvCxnSpPr>
-          <p:nvPr/>
-        </p:nvCxnSpPr>
-        <p:spPr>
-          <a:xfrm>
-            <a:off x="8375650" y="2463800"/>
-            <a:ext cx="0" cy="3022600"/>
-          </a:xfrm>
-          <a:prstGeom prst="line">
-            <a:avLst/>
-          </a:prstGeom>
-        </p:spPr>
-        <p:style>
-          <a:lnRef idx="1">
-            <a:schemeClr val="accent1"/>
-          </a:lnRef>
-          <a:fillRef idx="0">
-            <a:schemeClr val="accent1"/>
-          </a:fillRef>
-          <a:effectRef idx="0">
-            <a:schemeClr val="accent1"/>
-          </a:effectRef>
-          <a:fontRef idx="minor">
-            <a:schemeClr val="tx1"/>
-          </a:fontRef>
-        </p:style>
-      </p:cxnSp>
-      <p:cxnSp>
-        <p:nvCxnSpPr>
-          <p:cNvPr id="24" name="直線接點 23"/>
-          <p:cNvCxnSpPr/>
-          <p:nvPr/>
-        </p:nvCxnSpPr>
-        <p:spPr>
-          <a:xfrm>
-            <a:off x="7708900" y="2463800"/>
-            <a:ext cx="0" cy="3022600"/>
-          </a:xfrm>
-          <a:prstGeom prst="line">
-            <a:avLst/>
-          </a:prstGeom>
-        </p:spPr>
-        <p:style>
-          <a:lnRef idx="1">
-            <a:schemeClr val="accent1"/>
-          </a:lnRef>
-          <a:fillRef idx="0">
-            <a:schemeClr val="accent1"/>
-          </a:fillRef>
-          <a:effectRef idx="0">
-            <a:schemeClr val="accent1"/>
-          </a:effectRef>
-          <a:fontRef idx="minor">
-            <a:schemeClr val="tx1"/>
-          </a:fontRef>
-        </p:style>
-      </p:cxnSp>
-      <p:cxnSp>
-        <p:nvCxnSpPr>
-          <p:cNvPr id="25" name="直線接點 24"/>
-          <p:cNvCxnSpPr/>
-          <p:nvPr/>
-        </p:nvCxnSpPr>
-        <p:spPr>
-          <a:xfrm>
-            <a:off x="4775200" y="2463800"/>
-            <a:ext cx="0" cy="3022600"/>
-          </a:xfrm>
-          <a:prstGeom prst="line">
-            <a:avLst/>
-          </a:prstGeom>
-        </p:spPr>
-        <p:style>
-          <a:lnRef idx="1">
-            <a:schemeClr val="accent1"/>
-          </a:lnRef>
-          <a:fillRef idx="0">
-            <a:schemeClr val="accent1"/>
-          </a:fillRef>
-          <a:effectRef idx="0">
-            <a:schemeClr val="accent1"/>
-          </a:effectRef>
-          <a:fontRef idx="minor">
-            <a:schemeClr val="tx1"/>
-          </a:fontRef>
-        </p:style>
-      </p:cxnSp>
-      <p:cxnSp>
-        <p:nvCxnSpPr>
-          <p:cNvPr id="26" name="直線接點 25"/>
-          <p:cNvCxnSpPr/>
-          <p:nvPr/>
-        </p:nvCxnSpPr>
-        <p:spPr>
-          <a:xfrm>
-            <a:off x="2705100" y="2463800"/>
-            <a:ext cx="0" cy="3022600"/>
-          </a:xfrm>
-          <a:prstGeom prst="line">
-            <a:avLst/>
-          </a:prstGeom>
-        </p:spPr>
-        <p:style>
-          <a:lnRef idx="1">
-            <a:schemeClr val="accent1"/>
-          </a:lnRef>
-          <a:fillRef idx="0">
-            <a:schemeClr val="accent1"/>
-          </a:fillRef>
-          <a:effectRef idx="0">
-            <a:schemeClr val="accent1"/>
-          </a:effectRef>
-          <a:fontRef idx="minor">
-            <a:schemeClr val="tx1"/>
-          </a:fontRef>
-        </p:style>
-      </p:cxnSp>
-      <p:cxnSp>
-        <p:nvCxnSpPr>
-          <p:cNvPr id="27" name="直線接點 26"/>
-          <p:cNvCxnSpPr/>
-          <p:nvPr/>
-        </p:nvCxnSpPr>
-        <p:spPr>
-          <a:xfrm>
-            <a:off x="2057400" y="2463800"/>
-            <a:ext cx="0" cy="3022600"/>
-          </a:xfrm>
-          <a:prstGeom prst="line">
-            <a:avLst/>
-          </a:prstGeom>
-        </p:spPr>
-        <p:style>
-          <a:lnRef idx="1">
-            <a:schemeClr val="accent1"/>
-          </a:lnRef>
-          <a:fillRef idx="0">
-            <a:schemeClr val="accent1"/>
-          </a:fillRef>
-          <a:effectRef idx="0">
-            <a:schemeClr val="accent1"/>
-          </a:effectRef>
-          <a:fontRef idx="minor">
-            <a:schemeClr val="tx1"/>
-          </a:fontRef>
-        </p:style>
-      </p:cxnSp>
-      <p:cxnSp>
-        <p:nvCxnSpPr>
-          <p:cNvPr id="28" name="直線接點 27"/>
-          <p:cNvCxnSpPr>
-            <a:stCxn id="21" idx="2"/>
-          </p:cNvCxnSpPr>
-          <p:nvPr/>
-        </p:nvCxnSpPr>
-        <p:spPr>
-          <a:xfrm>
-            <a:off x="10843749" y="3380463"/>
-            <a:ext cx="0" cy="2105937"/>
-          </a:xfrm>
-          <a:prstGeom prst="line">
-            <a:avLst/>
-          </a:prstGeom>
-        </p:spPr>
-        <p:style>
-          <a:lnRef idx="1">
-            <a:schemeClr val="accent1"/>
-          </a:lnRef>
-          <a:fillRef idx="0">
-            <a:schemeClr val="accent1"/>
-          </a:fillRef>
-          <a:effectRef idx="0">
-            <a:schemeClr val="accent1"/>
-          </a:effectRef>
-          <a:fontRef idx="minor">
-            <a:schemeClr val="tx1"/>
-          </a:fontRef>
-        </p:style>
-      </p:cxnSp>
       <p:sp>
         <p:nvSpPr>
           <p:cNvPr id="29" name="矩形 28"/>
@@ -12805,36 +12637,6 @@
           </a:p>
         </p:txBody>
       </p:sp>
-      <p:cxnSp>
-        <p:nvCxnSpPr>
-          <p:cNvPr id="35" name="直線接點 34"/>
-          <p:cNvCxnSpPr/>
-          <p:nvPr/>
-        </p:nvCxnSpPr>
-        <p:spPr>
-          <a:xfrm>
-            <a:off x="5524500" y="1484391"/>
-            <a:ext cx="0" cy="4002009"/>
-          </a:xfrm>
-          <a:prstGeom prst="line">
-            <a:avLst/>
-          </a:prstGeom>
-        </p:spPr>
-        <p:style>
-          <a:lnRef idx="1">
-            <a:schemeClr val="accent1"/>
-          </a:lnRef>
-          <a:fillRef idx="0">
-            <a:schemeClr val="accent1"/>
-          </a:fillRef>
-          <a:effectRef idx="0">
-            <a:schemeClr val="accent1"/>
-          </a:effectRef>
-          <a:fontRef idx="minor">
-            <a:schemeClr val="tx1"/>
-          </a:fontRef>
-        </p:style>
-      </p:cxnSp>
     </p:spTree>
     <p:extLst>
       <p:ext uri="{BB962C8B-B14F-4D97-AF65-F5344CB8AC3E}">
@@ -12848,9 +12650,502 @@
   <p:timing>
     <p:tnLst>
       <p:par>
-        <p:cTn id="1" dur="indefinite" restart="never" nodeType="tmRoot"/>
+        <p:cTn id="1" dur="indefinite" restart="never" nodeType="tmRoot">
+          <p:childTnLst>
+            <p:seq concurrent="1" nextAc="seek">
+              <p:cTn id="2" dur="indefinite" nodeType="mainSeq">
+                <p:childTnLst>
+                  <p:par>
+                    <p:cTn id="3" fill="hold">
+                      <p:stCondLst>
+                        <p:cond delay="indefinite"/>
+                      </p:stCondLst>
+                      <p:childTnLst>
+                        <p:par>
+                          <p:cTn id="4" fill="hold">
+                            <p:stCondLst>
+                              <p:cond delay="0"/>
+                            </p:stCondLst>
+                            <p:childTnLst>
+                              <p:par>
+                                <p:cTn id="5" presetID="10" presetClass="entr" presetSubtype="0" fill="hold" grpId="0" nodeType="clickEffect">
+                                  <p:stCondLst>
+                                    <p:cond delay="0"/>
+                                  </p:stCondLst>
+                                  <p:childTnLst>
+                                    <p:set>
+                                      <p:cBhvr>
+                                        <p:cTn id="6" dur="1" fill="hold">
+                                          <p:stCondLst>
+                                            <p:cond delay="0"/>
+                                          </p:stCondLst>
+                                        </p:cTn>
+                                        <p:tgtEl>
+                                          <p:spTgt spid="29"/>
+                                        </p:tgtEl>
+                                        <p:attrNameLst>
+                                          <p:attrName>style.visibility</p:attrName>
+                                        </p:attrNameLst>
+                                      </p:cBhvr>
+                                      <p:to>
+                                        <p:strVal val="visible"/>
+                                      </p:to>
+                                    </p:set>
+                                    <p:animEffect transition="in" filter="fade">
+                                      <p:cBhvr>
+                                        <p:cTn id="7" dur="500"/>
+                                        <p:tgtEl>
+                                          <p:spTgt spid="29"/>
+                                        </p:tgtEl>
+                                      </p:cBhvr>
+                                    </p:animEffect>
+                                  </p:childTnLst>
+                                </p:cTn>
+                              </p:par>
+                            </p:childTnLst>
+                          </p:cTn>
+                        </p:par>
+                      </p:childTnLst>
+                    </p:cTn>
+                  </p:par>
+                  <p:par>
+                    <p:cTn id="8" fill="hold">
+                      <p:stCondLst>
+                        <p:cond delay="indefinite"/>
+                      </p:stCondLst>
+                      <p:childTnLst>
+                        <p:par>
+                          <p:cTn id="9" fill="hold">
+                            <p:stCondLst>
+                              <p:cond delay="0"/>
+                            </p:stCondLst>
+                            <p:childTnLst>
+                              <p:par>
+                                <p:cTn id="10" presetID="10" presetClass="entr" presetSubtype="0" fill="hold" grpId="0" nodeType="clickEffect">
+                                  <p:stCondLst>
+                                    <p:cond delay="0"/>
+                                  </p:stCondLst>
+                                  <p:childTnLst>
+                                    <p:set>
+                                      <p:cBhvr>
+                                        <p:cTn id="11" dur="1" fill="hold">
+                                          <p:stCondLst>
+                                            <p:cond delay="0"/>
+                                          </p:stCondLst>
+                                        </p:cTn>
+                                        <p:tgtEl>
+                                          <p:spTgt spid="10"/>
+                                        </p:tgtEl>
+                                        <p:attrNameLst>
+                                          <p:attrName>style.visibility</p:attrName>
+                                        </p:attrNameLst>
+                                      </p:cBhvr>
+                                      <p:to>
+                                        <p:strVal val="visible"/>
+                                      </p:to>
+                                    </p:set>
+                                    <p:animEffect transition="in" filter="fade">
+                                      <p:cBhvr>
+                                        <p:cTn id="12" dur="500"/>
+                                        <p:tgtEl>
+                                          <p:spTgt spid="10"/>
+                                        </p:tgtEl>
+                                      </p:cBhvr>
+                                    </p:animEffect>
+                                  </p:childTnLst>
+                                </p:cTn>
+                              </p:par>
+                            </p:childTnLst>
+                          </p:cTn>
+                        </p:par>
+                      </p:childTnLst>
+                    </p:cTn>
+                  </p:par>
+                  <p:par>
+                    <p:cTn id="13" fill="hold">
+                      <p:stCondLst>
+                        <p:cond delay="indefinite"/>
+                      </p:stCondLst>
+                      <p:childTnLst>
+                        <p:par>
+                          <p:cTn id="14" fill="hold">
+                            <p:stCondLst>
+                              <p:cond delay="0"/>
+                            </p:stCondLst>
+                            <p:childTnLst>
+                              <p:par>
+                                <p:cTn id="15" presetID="10" presetClass="entr" presetSubtype="0" fill="hold" grpId="0" nodeType="clickEffect">
+                                  <p:stCondLst>
+                                    <p:cond delay="0"/>
+                                  </p:stCondLst>
+                                  <p:childTnLst>
+                                    <p:set>
+                                      <p:cBhvr>
+                                        <p:cTn id="16" dur="1" fill="hold">
+                                          <p:stCondLst>
+                                            <p:cond delay="0"/>
+                                          </p:stCondLst>
+                                        </p:cTn>
+                                        <p:tgtEl>
+                                          <p:spTgt spid="15"/>
+                                        </p:tgtEl>
+                                        <p:attrNameLst>
+                                          <p:attrName>style.visibility</p:attrName>
+                                        </p:attrNameLst>
+                                      </p:cBhvr>
+                                      <p:to>
+                                        <p:strVal val="visible"/>
+                                      </p:to>
+                                    </p:set>
+                                    <p:animEffect transition="in" filter="fade">
+                                      <p:cBhvr>
+                                        <p:cTn id="17" dur="500"/>
+                                        <p:tgtEl>
+                                          <p:spTgt spid="15"/>
+                                        </p:tgtEl>
+                                      </p:cBhvr>
+                                    </p:animEffect>
+                                  </p:childTnLst>
+                                </p:cTn>
+                              </p:par>
+                            </p:childTnLst>
+                          </p:cTn>
+                        </p:par>
+                      </p:childTnLst>
+                    </p:cTn>
+                  </p:par>
+                  <p:par>
+                    <p:cTn id="18" fill="hold">
+                      <p:stCondLst>
+                        <p:cond delay="indefinite"/>
+                      </p:stCondLst>
+                      <p:childTnLst>
+                        <p:par>
+                          <p:cTn id="19" fill="hold">
+                            <p:stCondLst>
+                              <p:cond delay="0"/>
+                            </p:stCondLst>
+                            <p:childTnLst>
+                              <p:par>
+                                <p:cTn id="20" presetID="10" presetClass="entr" presetSubtype="0" fill="hold" grpId="0" nodeType="clickEffect">
+                                  <p:stCondLst>
+                                    <p:cond delay="0"/>
+                                  </p:stCondLst>
+                                  <p:childTnLst>
+                                    <p:set>
+                                      <p:cBhvr>
+                                        <p:cTn id="21" dur="1" fill="hold">
+                                          <p:stCondLst>
+                                            <p:cond delay="0"/>
+                                          </p:stCondLst>
+                                        </p:cTn>
+                                        <p:tgtEl>
+                                          <p:spTgt spid="32"/>
+                                        </p:tgtEl>
+                                        <p:attrNameLst>
+                                          <p:attrName>style.visibility</p:attrName>
+                                        </p:attrNameLst>
+                                      </p:cBhvr>
+                                      <p:to>
+                                        <p:strVal val="visible"/>
+                                      </p:to>
+                                    </p:set>
+                                    <p:animEffect transition="in" filter="fade">
+                                      <p:cBhvr>
+                                        <p:cTn id="22" dur="500"/>
+                                        <p:tgtEl>
+                                          <p:spTgt spid="32"/>
+                                        </p:tgtEl>
+                                      </p:cBhvr>
+                                    </p:animEffect>
+                                  </p:childTnLst>
+                                </p:cTn>
+                              </p:par>
+                            </p:childTnLst>
+                          </p:cTn>
+                        </p:par>
+                      </p:childTnLst>
+                    </p:cTn>
+                  </p:par>
+                  <p:par>
+                    <p:cTn id="23" fill="hold">
+                      <p:stCondLst>
+                        <p:cond delay="indefinite"/>
+                      </p:stCondLst>
+                      <p:childTnLst>
+                        <p:par>
+                          <p:cTn id="24" fill="hold">
+                            <p:stCondLst>
+                              <p:cond delay="0"/>
+                            </p:stCondLst>
+                            <p:childTnLst>
+                              <p:par>
+                                <p:cTn id="25" presetID="10" presetClass="entr" presetSubtype="0" fill="hold" grpId="0" nodeType="clickEffect">
+                                  <p:stCondLst>
+                                    <p:cond delay="0"/>
+                                  </p:stCondLst>
+                                  <p:childTnLst>
+                                    <p:set>
+                                      <p:cBhvr>
+                                        <p:cTn id="26" dur="1" fill="hold">
+                                          <p:stCondLst>
+                                            <p:cond delay="0"/>
+                                          </p:stCondLst>
+                                        </p:cTn>
+                                        <p:tgtEl>
+                                          <p:spTgt spid="13"/>
+                                        </p:tgtEl>
+                                        <p:attrNameLst>
+                                          <p:attrName>style.visibility</p:attrName>
+                                        </p:attrNameLst>
+                                      </p:cBhvr>
+                                      <p:to>
+                                        <p:strVal val="visible"/>
+                                      </p:to>
+                                    </p:set>
+                                    <p:animEffect transition="in" filter="fade">
+                                      <p:cBhvr>
+                                        <p:cTn id="27" dur="500"/>
+                                        <p:tgtEl>
+                                          <p:spTgt spid="13"/>
+                                        </p:tgtEl>
+                                      </p:cBhvr>
+                                    </p:animEffect>
+                                  </p:childTnLst>
+                                </p:cTn>
+                              </p:par>
+                              <p:par>
+                                <p:cTn id="28" presetID="10" presetClass="entr" presetSubtype="0" fill="hold" grpId="0" nodeType="withEffect">
+                                  <p:stCondLst>
+                                    <p:cond delay="0"/>
+                                  </p:stCondLst>
+                                  <p:childTnLst>
+                                    <p:set>
+                                      <p:cBhvr>
+                                        <p:cTn id="29" dur="1" fill="hold">
+                                          <p:stCondLst>
+                                            <p:cond delay="0"/>
+                                          </p:stCondLst>
+                                        </p:cTn>
+                                        <p:tgtEl>
+                                          <p:spTgt spid="17"/>
+                                        </p:tgtEl>
+                                        <p:attrNameLst>
+                                          <p:attrName>style.visibility</p:attrName>
+                                        </p:attrNameLst>
+                                      </p:cBhvr>
+                                      <p:to>
+                                        <p:strVal val="visible"/>
+                                      </p:to>
+                                    </p:set>
+                                    <p:animEffect transition="in" filter="fade">
+                                      <p:cBhvr>
+                                        <p:cTn id="30" dur="500"/>
+                                        <p:tgtEl>
+                                          <p:spTgt spid="17"/>
+                                        </p:tgtEl>
+                                      </p:cBhvr>
+                                    </p:animEffect>
+                                  </p:childTnLst>
+                                </p:cTn>
+                              </p:par>
+                              <p:par>
+                                <p:cTn id="31" presetID="10" presetClass="entr" presetSubtype="0" fill="hold" grpId="0" nodeType="withEffect">
+                                  <p:stCondLst>
+                                    <p:cond delay="0"/>
+                                  </p:stCondLst>
+                                  <p:childTnLst>
+                                    <p:set>
+                                      <p:cBhvr>
+                                        <p:cTn id="32" dur="1" fill="hold">
+                                          <p:stCondLst>
+                                            <p:cond delay="0"/>
+                                          </p:stCondLst>
+                                        </p:cTn>
+                                        <p:tgtEl>
+                                          <p:spTgt spid="18"/>
+                                        </p:tgtEl>
+                                        <p:attrNameLst>
+                                          <p:attrName>style.visibility</p:attrName>
+                                        </p:attrNameLst>
+                                      </p:cBhvr>
+                                      <p:to>
+                                        <p:strVal val="visible"/>
+                                      </p:to>
+                                    </p:set>
+                                    <p:animEffect transition="in" filter="fade">
+                                      <p:cBhvr>
+                                        <p:cTn id="33" dur="500"/>
+                                        <p:tgtEl>
+                                          <p:spTgt spid="18"/>
+                                        </p:tgtEl>
+                                      </p:cBhvr>
+                                    </p:animEffect>
+                                  </p:childTnLst>
+                                </p:cTn>
+                              </p:par>
+                              <p:par>
+                                <p:cTn id="34" presetID="10" presetClass="entr" presetSubtype="0" fill="hold" grpId="0" nodeType="withEffect">
+                                  <p:stCondLst>
+                                    <p:cond delay="0"/>
+                                  </p:stCondLst>
+                                  <p:childTnLst>
+                                    <p:set>
+                                      <p:cBhvr>
+                                        <p:cTn id="35" dur="1" fill="hold">
+                                          <p:stCondLst>
+                                            <p:cond delay="0"/>
+                                          </p:stCondLst>
+                                        </p:cTn>
+                                        <p:tgtEl>
+                                          <p:spTgt spid="19"/>
+                                        </p:tgtEl>
+                                        <p:attrNameLst>
+                                          <p:attrName>style.visibility</p:attrName>
+                                        </p:attrNameLst>
+                                      </p:cBhvr>
+                                      <p:to>
+                                        <p:strVal val="visible"/>
+                                      </p:to>
+                                    </p:set>
+                                    <p:animEffect transition="in" filter="fade">
+                                      <p:cBhvr>
+                                        <p:cTn id="36" dur="500"/>
+                                        <p:tgtEl>
+                                          <p:spTgt spid="19"/>
+                                        </p:tgtEl>
+                                      </p:cBhvr>
+                                    </p:animEffect>
+                                  </p:childTnLst>
+                                </p:cTn>
+                              </p:par>
+                              <p:par>
+                                <p:cTn id="37" presetID="10" presetClass="entr" presetSubtype="0" fill="hold" grpId="0" nodeType="withEffect">
+                                  <p:stCondLst>
+                                    <p:cond delay="0"/>
+                                  </p:stCondLst>
+                                  <p:childTnLst>
+                                    <p:set>
+                                      <p:cBhvr>
+                                        <p:cTn id="38" dur="1" fill="hold">
+                                          <p:stCondLst>
+                                            <p:cond delay="0"/>
+                                          </p:stCondLst>
+                                        </p:cTn>
+                                        <p:tgtEl>
+                                          <p:spTgt spid="20"/>
+                                        </p:tgtEl>
+                                        <p:attrNameLst>
+                                          <p:attrName>style.visibility</p:attrName>
+                                        </p:attrNameLst>
+                                      </p:cBhvr>
+                                      <p:to>
+                                        <p:strVal val="visible"/>
+                                      </p:to>
+                                    </p:set>
+                                    <p:animEffect transition="in" filter="fade">
+                                      <p:cBhvr>
+                                        <p:cTn id="39" dur="500"/>
+                                        <p:tgtEl>
+                                          <p:spTgt spid="20"/>
+                                        </p:tgtEl>
+                                      </p:cBhvr>
+                                    </p:animEffect>
+                                  </p:childTnLst>
+                                </p:cTn>
+                              </p:par>
+                            </p:childTnLst>
+                          </p:cTn>
+                        </p:par>
+                      </p:childTnLst>
+                    </p:cTn>
+                  </p:par>
+                  <p:par>
+                    <p:cTn id="40" fill="hold">
+                      <p:stCondLst>
+                        <p:cond delay="indefinite"/>
+                      </p:stCondLst>
+                      <p:childTnLst>
+                        <p:par>
+                          <p:cTn id="41" fill="hold">
+                            <p:stCondLst>
+                              <p:cond delay="0"/>
+                            </p:stCondLst>
+                            <p:childTnLst>
+                              <p:par>
+                                <p:cTn id="42" presetID="10" presetClass="entr" presetSubtype="0" fill="hold" grpId="0" nodeType="clickEffect">
+                                  <p:stCondLst>
+                                    <p:cond delay="0"/>
+                                  </p:stCondLst>
+                                  <p:childTnLst>
+                                    <p:set>
+                                      <p:cBhvr>
+                                        <p:cTn id="43" dur="1" fill="hold">
+                                          <p:stCondLst>
+                                            <p:cond delay="0"/>
+                                          </p:stCondLst>
+                                        </p:cTn>
+                                        <p:tgtEl>
+                                          <p:spTgt spid="21"/>
+                                        </p:tgtEl>
+                                        <p:attrNameLst>
+                                          <p:attrName>style.visibility</p:attrName>
+                                        </p:attrNameLst>
+                                      </p:cBhvr>
+                                      <p:to>
+                                        <p:strVal val="visible"/>
+                                      </p:to>
+                                    </p:set>
+                                    <p:animEffect transition="in" filter="fade">
+                                      <p:cBhvr>
+                                        <p:cTn id="44" dur="500"/>
+                                        <p:tgtEl>
+                                          <p:spTgt spid="21"/>
+                                        </p:tgtEl>
+                                      </p:cBhvr>
+                                    </p:animEffect>
+                                  </p:childTnLst>
+                                </p:cTn>
+                              </p:par>
+                            </p:childTnLst>
+                          </p:cTn>
+                        </p:par>
+                      </p:childTnLst>
+                    </p:cTn>
+                  </p:par>
+                </p:childTnLst>
+              </p:cTn>
+              <p:prevCondLst>
+                <p:cond evt="onPrev" delay="0">
+                  <p:tgtEl>
+                    <p:sldTgt/>
+                  </p:tgtEl>
+                </p:cond>
+              </p:prevCondLst>
+              <p:nextCondLst>
+                <p:cond evt="onNext" delay="0">
+                  <p:tgtEl>
+                    <p:sldTgt/>
+                  </p:tgtEl>
+                </p:cond>
+              </p:nextCondLst>
+            </p:seq>
+          </p:childTnLst>
+        </p:cTn>
       </p:par>
     </p:tnLst>
+    <p:bldLst>
+      <p:bldP spid="10" grpId="0" animBg="1"/>
+      <p:bldP spid="15" grpId="0" animBg="1"/>
+      <p:bldP spid="13" grpId="0" animBg="1"/>
+      <p:bldP spid="17" grpId="0" animBg="1"/>
+      <p:bldP spid="18" grpId="0" animBg="1"/>
+      <p:bldP spid="19" grpId="0" animBg="1"/>
+      <p:bldP spid="20" grpId="0" animBg="1"/>
+      <p:bldP spid="21" grpId="0" animBg="1"/>
+      <p:bldP spid="29" grpId="0" animBg="1"/>
+      <p:bldP spid="32" grpId="0" animBg="1"/>
+    </p:bldLst>
   </p:timing>
 </p:sld>
 </file>

--- a/20170817.AzureCafe.Containers/slides.pptx
+++ b/20170817.AzureCafe.Containers/slides.pptx
@@ -9787,11 +9787,7 @@
             </a:r>
             <a:r>
               <a:rPr lang="en-US" altLang="zh-TW" sz="3200" b="1" dirty="0" smtClean="0"/>
-              <a:t>Chief </a:t>
-            </a:r>
-            <a:r>
-              <a:rPr lang="en-US" altLang="zh-TW" sz="3200" b="1" dirty="0" smtClean="0"/>
-              <a:t>Architect</a:t>
+              <a:t>Chief Architect</a:t>
             </a:r>
             <a:br>
               <a:rPr lang="en-US" altLang="zh-TW" sz="3200" b="1" dirty="0" smtClean="0"/>
@@ -9804,7 +9800,6 @@
               <a:rPr lang="en-US" altLang="zh-TW" sz="3200" b="1" dirty="0" smtClean="0"/>
               <a:t>-- CTO</a:t>
             </a:r>
-            <a:endParaRPr lang="en-US" altLang="zh-TW" sz="3200" b="1" dirty="0" smtClean="0"/>
           </a:p>
           <a:p>
             <a:pPr marL="514350" indent="-514350">
@@ -9867,7 +9862,19 @@
             </a:r>
             <a:r>
               <a:rPr lang="en-US" altLang="zh-TW" sz="2200" dirty="0" smtClean="0"/>
-              <a:t>/</a:t>
+              <a:t>/ </a:t>
+            </a:r>
+            <a:r>
+              <a:rPr lang="en-US" altLang="zh-TW" sz="2200" dirty="0" err="1" smtClean="0"/>
+              <a:t>Microservices</a:t>
+            </a:r>
+            <a:r>
+              <a:rPr lang="en-US" altLang="zh-TW" sz="2200" dirty="0" smtClean="0"/>
+              <a:t> </a:t>
+            </a:r>
+            <a:r>
+              <a:rPr lang="en-US" altLang="zh-TW" sz="2200" smtClean="0"/>
+              <a:t>/ Architect /</a:t>
             </a:r>
             <a:r>
               <a:rPr lang="zh-TW" altLang="en-US" sz="2200" dirty="0" smtClean="0"/>

--- a/20170817.AzureCafe.Containers/slides.pptx
+++ b/20170817.AzureCafe.Containers/slides.pptx
@@ -3300,6 +3300,204 @@
 </p:notes>
 </file>
 
+<file path=ppt/notesSlides/notesSlide2.xml><?xml version="1.0" encoding="utf-8"?>
+<p:notes xmlns:a="http://schemas.openxmlformats.org/drawingml/2006/main" xmlns:r="http://schemas.openxmlformats.org/officeDocument/2006/relationships" xmlns:p="http://schemas.openxmlformats.org/presentationml/2006/main">
+  <p:cSld>
+    <p:spTree>
+      <p:nvGrpSpPr>
+        <p:cNvPr id="1" name=""/>
+        <p:cNvGrpSpPr/>
+        <p:nvPr/>
+      </p:nvGrpSpPr>
+      <p:grpSpPr>
+        <a:xfrm>
+          <a:off x="0" y="0"/>
+          <a:ext cx="0" cy="0"/>
+          <a:chOff x="0" y="0"/>
+          <a:chExt cx="0" cy="0"/>
+        </a:xfrm>
+      </p:grpSpPr>
+      <p:sp>
+        <p:nvSpPr>
+          <p:cNvPr id="2" name="投影片圖像版面配置區 1"/>
+          <p:cNvSpPr>
+            <a:spLocks noGrp="1" noRot="1" noChangeAspect="1"/>
+          </p:cNvSpPr>
+          <p:nvPr>
+            <p:ph type="sldImg"/>
+          </p:nvPr>
+        </p:nvSpPr>
+        <p:spPr/>
+      </p:sp>
+      <p:sp>
+        <p:nvSpPr>
+          <p:cNvPr id="3" name="備忘稿版面配置區 2"/>
+          <p:cNvSpPr>
+            <a:spLocks noGrp="1"/>
+          </p:cNvSpPr>
+          <p:nvPr>
+            <p:ph type="body" idx="1"/>
+          </p:nvPr>
+        </p:nvSpPr>
+        <p:spPr/>
+        <p:txBody>
+          <a:bodyPr/>
+          <a:lstStyle/>
+          <a:p>
+            <a:r>
+              <a:rPr lang="en-US" dirty="0" smtClean="0"/>
+              <a:t>VM: </a:t>
+            </a:r>
+            <a:r>
+              <a:rPr lang="zh-TW" altLang="en-US" dirty="0" smtClean="0"/>
+              <a:t>重點在虛擬化，你可以模擬一台 </a:t>
+            </a:r>
+            <a:r>
+              <a:rPr lang="en-US" altLang="zh-TW" dirty="0" smtClean="0"/>
+              <a:t>“virtual” machine, </a:t>
+            </a:r>
+            <a:r>
+              <a:rPr lang="zh-TW" altLang="en-US" dirty="0" smtClean="0"/>
+              <a:t>在上面做任何 </a:t>
+            </a:r>
+            <a:r>
+              <a:rPr lang="en-US" altLang="zh-TW" dirty="0" smtClean="0"/>
+              <a:t>physical</a:t>
+            </a:r>
+            <a:r>
+              <a:rPr lang="zh-TW" altLang="en-US" dirty="0" smtClean="0"/>
+              <a:t> </a:t>
+            </a:r>
+            <a:r>
+              <a:rPr lang="en-US" altLang="zh-TW" dirty="0" smtClean="0"/>
+              <a:t>machine</a:t>
+            </a:r>
+            <a:r>
+              <a:rPr lang="zh-TW" altLang="en-US" dirty="0" smtClean="0"/>
+              <a:t> 能做的事情。</a:t>
+            </a:r>
+            <a:r>
+              <a:rPr lang="en-US" altLang="zh-TW" dirty="0" smtClean="0"/>
+              <a:t>VM</a:t>
+            </a:r>
+            <a:r>
+              <a:rPr lang="zh-TW" altLang="en-US" dirty="0" smtClean="0"/>
+              <a:t> 你仍然需要 </a:t>
+            </a:r>
+            <a:r>
+              <a:rPr lang="en-US" altLang="zh-TW" dirty="0" smtClean="0"/>
+              <a:t>OS</a:t>
+            </a:r>
+            <a:r>
+              <a:rPr lang="zh-TW" altLang="en-US" dirty="0" smtClean="0"/>
+              <a:t>，仍然需要管理。除了 </a:t>
+            </a:r>
+            <a:r>
+              <a:rPr lang="en-US" altLang="zh-TW" dirty="0" smtClean="0"/>
+              <a:t>machine</a:t>
+            </a:r>
+            <a:r>
+              <a:rPr lang="zh-TW" altLang="en-US" dirty="0" smtClean="0"/>
+              <a:t> 是虛擬的之外，其他通通都跟實體機無異。</a:t>
+            </a:r>
+            <a:endParaRPr lang="en-US" altLang="zh-TW" dirty="0" smtClean="0"/>
+          </a:p>
+          <a:p>
+            <a:endParaRPr lang="en-US" dirty="0" smtClean="0"/>
+          </a:p>
+          <a:p>
+            <a:r>
+              <a:rPr lang="en-US" altLang="zh-TW" dirty="0" smtClean="0"/>
+              <a:t>Container: </a:t>
+            </a:r>
+            <a:r>
+              <a:rPr lang="zh-TW" altLang="en-US" dirty="0" smtClean="0"/>
+              <a:t>重點在提供 </a:t>
+            </a:r>
+            <a:r>
+              <a:rPr lang="en-US" altLang="zh-TW" dirty="0" smtClean="0"/>
+              <a:t>application</a:t>
+            </a:r>
+            <a:r>
+              <a:rPr lang="zh-TW" altLang="en-US" dirty="0" smtClean="0"/>
+              <a:t> 虛擬化的執行環境。不是讓你做所有 </a:t>
+            </a:r>
+            <a:r>
+              <a:rPr lang="en-US" altLang="zh-TW" dirty="0" smtClean="0"/>
+              <a:t>physical machine </a:t>
+            </a:r>
+            <a:r>
+              <a:rPr lang="zh-TW" altLang="en-US" dirty="0" smtClean="0"/>
+              <a:t>能做的事情，只是用最有效率的方式，讓每個 </a:t>
+            </a:r>
+            <a:r>
+              <a:rPr lang="en-US" altLang="zh-TW" dirty="0" smtClean="0"/>
+              <a:t>application “</a:t>
+            </a:r>
+            <a:r>
+              <a:rPr lang="zh-TW" altLang="en-US" dirty="0" smtClean="0"/>
+              <a:t>感覺</a:t>
+            </a:r>
+            <a:r>
+              <a:rPr lang="en-US" altLang="zh-TW" dirty="0" smtClean="0"/>
+              <a:t>”</a:t>
+            </a:r>
+            <a:r>
+              <a:rPr lang="zh-TW" altLang="en-US" dirty="0" smtClean="0"/>
+              <a:t> </a:t>
+            </a:r>
+            <a:r>
+              <a:rPr lang="zh-TW" altLang="en-US" dirty="0" smtClean="0"/>
+              <a:t>有自己專用的 </a:t>
+            </a:r>
+            <a:r>
+              <a:rPr lang="en-US" altLang="zh-TW" dirty="0" smtClean="0"/>
+              <a:t>machine + OS, </a:t>
+            </a:r>
+            <a:r>
+              <a:rPr lang="zh-TW" altLang="en-US" dirty="0" smtClean="0"/>
+              <a:t>藉此大幅簡化開發與部署等等複雜的環境組態設定。</a:t>
+            </a:r>
+            <a:endParaRPr lang="en-US" dirty="0"/>
+          </a:p>
+        </p:txBody>
+      </p:sp>
+      <p:sp>
+        <p:nvSpPr>
+          <p:cNvPr id="4" name="投影片編號版面配置區 3"/>
+          <p:cNvSpPr>
+            <a:spLocks noGrp="1"/>
+          </p:cNvSpPr>
+          <p:nvPr>
+            <p:ph type="sldNum" sz="quarter" idx="10"/>
+          </p:nvPr>
+        </p:nvSpPr>
+        <p:spPr/>
+        <p:txBody>
+          <a:bodyPr/>
+          <a:lstStyle/>
+          <a:p>
+            <a:fld id="{B36A2BE5-B099-4B85-9B69-4F3B354C7FEE}" type="slidenum">
+              <a:rPr lang="zh-TW" altLang="en-US" smtClean="0"/>
+              <a:t>8</a:t>
+            </a:fld>
+            <a:endParaRPr lang="zh-TW" altLang="en-US"/>
+          </a:p>
+        </p:txBody>
+      </p:sp>
+    </p:spTree>
+    <p:extLst>
+      <p:ext uri="{BB962C8B-B14F-4D97-AF65-F5344CB8AC3E}">
+        <p14:creationId xmlns:p14="http://schemas.microsoft.com/office/powerpoint/2010/main" val="1344728351"/>
+      </p:ext>
+    </p:extLst>
+  </p:cSld>
+  <p:clrMapOvr>
+    <a:masterClrMapping/>
+  </p:clrMapOvr>
+</p:notes>
+</file>
+
 <file path=ppt/slideLayouts/slideLayout1.xml><?xml version="1.0" encoding="utf-8"?>
 <p:sldLayout xmlns:a="http://schemas.openxmlformats.org/drawingml/2006/main" xmlns:r="http://schemas.openxmlformats.org/officeDocument/2006/relationships" xmlns:p="http://schemas.openxmlformats.org/presentationml/2006/main" showMasterSp="0" type="title" preserve="1">
   <p:cSld name="標題投影片">
@@ -9870,11 +10068,7 @@
             </a:r>
             <a:r>
               <a:rPr lang="en-US" altLang="zh-TW" sz="2200" dirty="0" smtClean="0"/>
-              <a:t> </a:t>
-            </a:r>
-            <a:r>
-              <a:rPr lang="en-US" altLang="zh-TW" sz="2200" smtClean="0"/>
-              <a:t>/ Architect /</a:t>
+              <a:t> / Architect /</a:t>
             </a:r>
             <a:r>
               <a:rPr lang="zh-TW" altLang="en-US" sz="2200" dirty="0" smtClean="0"/>
@@ -16418,8 +16612,27 @@
           <a:lstStyle/>
           <a:p>
             <a:r>
+              <a:rPr lang="en-US" altLang="zh-TW" dirty="0" smtClean="0"/>
+              <a:t>Virtual Machine</a:t>
+            </a:r>
+            <a:r>
               <a:rPr lang="zh-TW" altLang="en-US" dirty="0" smtClean="0"/>
-              <a:t>如何封裝 </a:t>
+              <a:t> </a:t>
+            </a:r>
+            <a:r>
+              <a:rPr lang="en-US" altLang="zh-TW" dirty="0" smtClean="0"/>
+              <a:t>vs Container: </a:t>
+            </a:r>
+            <a:br>
+              <a:rPr lang="en-US" altLang="zh-TW" dirty="0" smtClean="0"/>
+            </a:br>
+            <a:r>
+              <a:rPr lang="zh-TW" altLang="en-US" dirty="0" smtClean="0"/>
+              <a:t>如何</a:t>
+            </a:r>
+            <a:r>
+              <a:rPr lang="zh-TW" altLang="en-US" dirty="0" smtClean="0"/>
+              <a:t>封裝 </a:t>
             </a:r>
             <a:r>
               <a:rPr lang="en-US" altLang="zh-TW" dirty="0" smtClean="0"/>
@@ -17116,9 +17329,412 @@
   <p:timing>
     <p:tnLst>
       <p:par>
-        <p:cTn id="1" dur="indefinite" restart="never" nodeType="tmRoot"/>
+        <p:cTn id="1" dur="indefinite" restart="never" nodeType="tmRoot">
+          <p:childTnLst>
+            <p:seq concurrent="1" nextAc="seek">
+              <p:cTn id="2" dur="indefinite" nodeType="mainSeq">
+                <p:childTnLst>
+                  <p:par>
+                    <p:cTn id="3" fill="hold">
+                      <p:stCondLst>
+                        <p:cond delay="indefinite"/>
+                      </p:stCondLst>
+                      <p:childTnLst>
+                        <p:par>
+                          <p:cTn id="4" fill="hold">
+                            <p:stCondLst>
+                              <p:cond delay="0"/>
+                            </p:stCondLst>
+                            <p:childTnLst>
+                              <p:par>
+                                <p:cTn id="5" presetID="10" presetClass="entr" presetSubtype="0" fill="hold" grpId="0" nodeType="clickEffect">
+                                  <p:stCondLst>
+                                    <p:cond delay="0"/>
+                                  </p:stCondLst>
+                                  <p:childTnLst>
+                                    <p:set>
+                                      <p:cBhvr>
+                                        <p:cTn id="6" dur="1" fill="hold">
+                                          <p:stCondLst>
+                                            <p:cond delay="0"/>
+                                          </p:stCondLst>
+                                        </p:cTn>
+                                        <p:tgtEl>
+                                          <p:spTgt spid="5"/>
+                                        </p:tgtEl>
+                                        <p:attrNameLst>
+                                          <p:attrName>style.visibility</p:attrName>
+                                        </p:attrNameLst>
+                                      </p:cBhvr>
+                                      <p:to>
+                                        <p:strVal val="visible"/>
+                                      </p:to>
+                                    </p:set>
+                                    <p:animEffect transition="in" filter="fade">
+                                      <p:cBhvr>
+                                        <p:cTn id="7" dur="500"/>
+                                        <p:tgtEl>
+                                          <p:spTgt spid="5"/>
+                                        </p:tgtEl>
+                                      </p:cBhvr>
+                                    </p:animEffect>
+                                  </p:childTnLst>
+                                </p:cTn>
+                              </p:par>
+                            </p:childTnLst>
+                          </p:cTn>
+                        </p:par>
+                      </p:childTnLst>
+                    </p:cTn>
+                  </p:par>
+                  <p:par>
+                    <p:cTn id="8" fill="hold">
+                      <p:stCondLst>
+                        <p:cond delay="indefinite"/>
+                      </p:stCondLst>
+                      <p:childTnLst>
+                        <p:par>
+                          <p:cTn id="9" fill="hold">
+                            <p:stCondLst>
+                              <p:cond delay="0"/>
+                            </p:stCondLst>
+                            <p:childTnLst>
+                              <p:par>
+                                <p:cTn id="10" presetID="10" presetClass="entr" presetSubtype="0" fill="hold" grpId="0" nodeType="clickEffect">
+                                  <p:stCondLst>
+                                    <p:cond delay="0"/>
+                                  </p:stCondLst>
+                                  <p:childTnLst>
+                                    <p:set>
+                                      <p:cBhvr>
+                                        <p:cTn id="11" dur="1" fill="hold">
+                                          <p:stCondLst>
+                                            <p:cond delay="0"/>
+                                          </p:stCondLst>
+                                        </p:cTn>
+                                        <p:tgtEl>
+                                          <p:spTgt spid="6"/>
+                                        </p:tgtEl>
+                                        <p:attrNameLst>
+                                          <p:attrName>style.visibility</p:attrName>
+                                        </p:attrNameLst>
+                                      </p:cBhvr>
+                                      <p:to>
+                                        <p:strVal val="visible"/>
+                                      </p:to>
+                                    </p:set>
+                                    <p:animEffect transition="in" filter="fade">
+                                      <p:cBhvr>
+                                        <p:cTn id="12" dur="500"/>
+                                        <p:tgtEl>
+                                          <p:spTgt spid="6"/>
+                                        </p:tgtEl>
+                                      </p:cBhvr>
+                                    </p:animEffect>
+                                  </p:childTnLst>
+                                </p:cTn>
+                              </p:par>
+                            </p:childTnLst>
+                          </p:cTn>
+                        </p:par>
+                      </p:childTnLst>
+                    </p:cTn>
+                  </p:par>
+                  <p:par>
+                    <p:cTn id="13" fill="hold">
+                      <p:stCondLst>
+                        <p:cond delay="indefinite"/>
+                      </p:stCondLst>
+                      <p:childTnLst>
+                        <p:par>
+                          <p:cTn id="14" fill="hold">
+                            <p:stCondLst>
+                              <p:cond delay="0"/>
+                            </p:stCondLst>
+                            <p:childTnLst>
+                              <p:par>
+                                <p:cTn id="15" presetID="10" presetClass="entr" presetSubtype="0" fill="hold" grpId="0" nodeType="clickEffect">
+                                  <p:stCondLst>
+                                    <p:cond delay="0"/>
+                                  </p:stCondLst>
+                                  <p:childTnLst>
+                                    <p:set>
+                                      <p:cBhvr>
+                                        <p:cTn id="16" dur="1" fill="hold">
+                                          <p:stCondLst>
+                                            <p:cond delay="0"/>
+                                          </p:stCondLst>
+                                        </p:cTn>
+                                        <p:tgtEl>
+                                          <p:spTgt spid="7"/>
+                                        </p:tgtEl>
+                                        <p:attrNameLst>
+                                          <p:attrName>style.visibility</p:attrName>
+                                        </p:attrNameLst>
+                                      </p:cBhvr>
+                                      <p:to>
+                                        <p:strVal val="visible"/>
+                                      </p:to>
+                                    </p:set>
+                                    <p:animEffect transition="in" filter="fade">
+                                      <p:cBhvr>
+                                        <p:cTn id="17" dur="500"/>
+                                        <p:tgtEl>
+                                          <p:spTgt spid="7"/>
+                                        </p:tgtEl>
+                                      </p:cBhvr>
+                                    </p:animEffect>
+                                  </p:childTnLst>
+                                </p:cTn>
+                              </p:par>
+                            </p:childTnLst>
+                          </p:cTn>
+                        </p:par>
+                      </p:childTnLst>
+                    </p:cTn>
+                  </p:par>
+                  <p:par>
+                    <p:cTn id="18" fill="hold">
+                      <p:stCondLst>
+                        <p:cond delay="indefinite"/>
+                      </p:stCondLst>
+                      <p:childTnLst>
+                        <p:par>
+                          <p:cTn id="19" fill="hold">
+                            <p:stCondLst>
+                              <p:cond delay="0"/>
+                            </p:stCondLst>
+                            <p:childTnLst>
+                              <p:par>
+                                <p:cTn id="20" presetID="10" presetClass="entr" presetSubtype="0" fill="hold" grpId="0" nodeType="clickEffect">
+                                  <p:stCondLst>
+                                    <p:cond delay="0"/>
+                                  </p:stCondLst>
+                                  <p:childTnLst>
+                                    <p:set>
+                                      <p:cBhvr>
+                                        <p:cTn id="21" dur="1" fill="hold">
+                                          <p:stCondLst>
+                                            <p:cond delay="0"/>
+                                          </p:stCondLst>
+                                        </p:cTn>
+                                        <p:tgtEl>
+                                          <p:spTgt spid="8"/>
+                                        </p:tgtEl>
+                                        <p:attrNameLst>
+                                          <p:attrName>style.visibility</p:attrName>
+                                        </p:attrNameLst>
+                                      </p:cBhvr>
+                                      <p:to>
+                                        <p:strVal val="visible"/>
+                                      </p:to>
+                                    </p:set>
+                                    <p:animEffect transition="in" filter="fade">
+                                      <p:cBhvr>
+                                        <p:cTn id="22" dur="500"/>
+                                        <p:tgtEl>
+                                          <p:spTgt spid="8"/>
+                                        </p:tgtEl>
+                                      </p:cBhvr>
+                                    </p:animEffect>
+                                  </p:childTnLst>
+                                </p:cTn>
+                              </p:par>
+                            </p:childTnLst>
+                          </p:cTn>
+                        </p:par>
+                      </p:childTnLst>
+                    </p:cTn>
+                  </p:par>
+                  <p:par>
+                    <p:cTn id="23" fill="hold">
+                      <p:stCondLst>
+                        <p:cond delay="indefinite"/>
+                      </p:stCondLst>
+                      <p:childTnLst>
+                        <p:par>
+                          <p:cTn id="24" fill="hold">
+                            <p:stCondLst>
+                              <p:cond delay="0"/>
+                            </p:stCondLst>
+                            <p:childTnLst>
+                              <p:par>
+                                <p:cTn id="25" presetID="10" presetClass="entr" presetSubtype="0" fill="hold" grpId="0" nodeType="clickEffect">
+                                  <p:stCondLst>
+                                    <p:cond delay="0"/>
+                                  </p:stCondLst>
+                                  <p:childTnLst>
+                                    <p:set>
+                                      <p:cBhvr>
+                                        <p:cTn id="26" dur="1" fill="hold">
+                                          <p:stCondLst>
+                                            <p:cond delay="0"/>
+                                          </p:stCondLst>
+                                        </p:cTn>
+                                        <p:tgtEl>
+                                          <p:spTgt spid="9"/>
+                                        </p:tgtEl>
+                                        <p:attrNameLst>
+                                          <p:attrName>style.visibility</p:attrName>
+                                        </p:attrNameLst>
+                                      </p:cBhvr>
+                                      <p:to>
+                                        <p:strVal val="visible"/>
+                                      </p:to>
+                                    </p:set>
+                                    <p:animEffect transition="in" filter="fade">
+                                      <p:cBhvr>
+                                        <p:cTn id="27" dur="500"/>
+                                        <p:tgtEl>
+                                          <p:spTgt spid="9"/>
+                                        </p:tgtEl>
+                                      </p:cBhvr>
+                                    </p:animEffect>
+                                  </p:childTnLst>
+                                </p:cTn>
+                              </p:par>
+                            </p:childTnLst>
+                          </p:cTn>
+                        </p:par>
+                      </p:childTnLst>
+                    </p:cTn>
+                  </p:par>
+                  <p:par>
+                    <p:cTn id="28" fill="hold">
+                      <p:stCondLst>
+                        <p:cond delay="indefinite"/>
+                      </p:stCondLst>
+                      <p:childTnLst>
+                        <p:par>
+                          <p:cTn id="29" fill="hold">
+                            <p:stCondLst>
+                              <p:cond delay="0"/>
+                            </p:stCondLst>
+                            <p:childTnLst>
+                              <p:par>
+                                <p:cTn id="30" presetID="10" presetClass="entr" presetSubtype="0" fill="hold" grpId="0" nodeType="clickEffect">
+                                  <p:stCondLst>
+                                    <p:cond delay="0"/>
+                                  </p:stCondLst>
+                                  <p:childTnLst>
+                                    <p:set>
+                                      <p:cBhvr>
+                                        <p:cTn id="31" dur="1" fill="hold">
+                                          <p:stCondLst>
+                                            <p:cond delay="0"/>
+                                          </p:stCondLst>
+                                        </p:cTn>
+                                        <p:tgtEl>
+                                          <p:spTgt spid="10"/>
+                                        </p:tgtEl>
+                                        <p:attrNameLst>
+                                          <p:attrName>style.visibility</p:attrName>
+                                        </p:attrNameLst>
+                                      </p:cBhvr>
+                                      <p:to>
+                                        <p:strVal val="visible"/>
+                                      </p:to>
+                                    </p:set>
+                                    <p:animEffect transition="in" filter="fade">
+                                      <p:cBhvr>
+                                        <p:cTn id="32" dur="500"/>
+                                        <p:tgtEl>
+                                          <p:spTgt spid="10"/>
+                                        </p:tgtEl>
+                                      </p:cBhvr>
+                                    </p:animEffect>
+                                  </p:childTnLst>
+                                </p:cTn>
+                              </p:par>
+                            </p:childTnLst>
+                          </p:cTn>
+                        </p:par>
+                      </p:childTnLst>
+                    </p:cTn>
+                  </p:par>
+                  <p:par>
+                    <p:cTn id="33" fill="hold">
+                      <p:stCondLst>
+                        <p:cond delay="indefinite"/>
+                      </p:stCondLst>
+                      <p:childTnLst>
+                        <p:par>
+                          <p:cTn id="34" fill="hold">
+                            <p:stCondLst>
+                              <p:cond delay="0"/>
+                            </p:stCondLst>
+                            <p:childTnLst>
+                              <p:par>
+                                <p:cTn id="35" presetID="10" presetClass="entr" presetSubtype="0" fill="hold" grpId="0" nodeType="clickEffect">
+                                  <p:stCondLst>
+                                    <p:cond delay="0"/>
+                                  </p:stCondLst>
+                                  <p:childTnLst>
+                                    <p:set>
+                                      <p:cBhvr>
+                                        <p:cTn id="36" dur="1" fill="hold">
+                                          <p:stCondLst>
+                                            <p:cond delay="0"/>
+                                          </p:stCondLst>
+                                        </p:cTn>
+                                        <p:tgtEl>
+                                          <p:spTgt spid="12"/>
+                                        </p:tgtEl>
+                                        <p:attrNameLst>
+                                          <p:attrName>style.visibility</p:attrName>
+                                        </p:attrNameLst>
+                                      </p:cBhvr>
+                                      <p:to>
+                                        <p:strVal val="visible"/>
+                                      </p:to>
+                                    </p:set>
+                                    <p:animEffect transition="in" filter="fade">
+                                      <p:cBhvr>
+                                        <p:cTn id="37" dur="500"/>
+                                        <p:tgtEl>
+                                          <p:spTgt spid="12"/>
+                                        </p:tgtEl>
+                                      </p:cBhvr>
+                                    </p:animEffect>
+                                  </p:childTnLst>
+                                </p:cTn>
+                              </p:par>
+                            </p:childTnLst>
+                          </p:cTn>
+                        </p:par>
+                      </p:childTnLst>
+                    </p:cTn>
+                  </p:par>
+                </p:childTnLst>
+              </p:cTn>
+              <p:prevCondLst>
+                <p:cond evt="onPrev" delay="0">
+                  <p:tgtEl>
+                    <p:sldTgt/>
+                  </p:tgtEl>
+                </p:cond>
+              </p:prevCondLst>
+              <p:nextCondLst>
+                <p:cond evt="onNext" delay="0">
+                  <p:tgtEl>
+                    <p:sldTgt/>
+                  </p:tgtEl>
+                </p:cond>
+              </p:nextCondLst>
+            </p:seq>
+          </p:childTnLst>
+        </p:cTn>
       </p:par>
     </p:tnLst>
+    <p:bldLst>
+      <p:bldP spid="5" grpId="0" animBg="1"/>
+      <p:bldP spid="6" grpId="0" animBg="1"/>
+      <p:bldP spid="7" grpId="0" animBg="1"/>
+      <p:bldP spid="8" grpId="0" animBg="1"/>
+      <p:bldP spid="9" grpId="0" animBg="1"/>
+      <p:bldP spid="10" grpId="0" animBg="1"/>
+      <p:bldP spid="12" grpId="0" animBg="1"/>
+    </p:bldLst>
   </p:timing>
 </p:sld>
 </file>

--- a/20170817.AzureCafe.Containers/slides.pptx
+++ b/20170817.AzureCafe.Containers/slides.pptx
@@ -9955,7 +9955,7 @@
         <p:spPr/>
         <p:txBody>
           <a:bodyPr>
-            <a:normAutofit lnSpcReduction="10000"/>
+            <a:normAutofit/>
           </a:bodyPr>
           <a:lstStyle/>
           <a:p>
@@ -9964,53 +9964,8 @@
               <a:buAutoNum type="arabicPeriod"/>
             </a:pPr>
             <a:r>
-              <a:rPr lang="zh-TW" altLang="en-US" sz="3200" b="1" dirty="0" smtClean="0"/>
-              <a:t>博</a:t>
-            </a:r>
-            <a:r>
-              <a:rPr lang="zh-TW" altLang="en-US" sz="3200" b="1" dirty="0"/>
-              <a:t>裕</a:t>
-            </a:r>
-            <a:r>
-              <a:rPr lang="zh-TW" altLang="en-US" sz="3200" b="1" dirty="0" smtClean="0"/>
-              <a:t>科技 </a:t>
-            </a:r>
-            <a:r>
-              <a:rPr lang="en-US" altLang="zh-TW" sz="3200" b="1" dirty="0" smtClean="0"/>
-              <a:t>–</a:t>
-            </a:r>
-            <a:r>
-              <a:rPr lang="zh-TW" altLang="en-US" sz="3200" b="1" dirty="0" smtClean="0"/>
-              <a:t> </a:t>
-            </a:r>
-            <a:r>
-              <a:rPr lang="en-US" altLang="zh-TW" sz="3200" b="1" dirty="0" smtClean="0"/>
-              <a:t>Chief Architect</a:t>
-            </a:r>
-            <a:br>
-              <a:rPr lang="en-US" altLang="zh-TW" sz="3200" b="1" dirty="0" smtClean="0"/>
-            </a:br>
-            <a:r>
-              <a:rPr lang="zh-TW" altLang="en-US" sz="3200" b="1" dirty="0" smtClean="0"/>
-              <a:t>一宇數位科技 </a:t>
-            </a:r>
-            <a:r>
-              <a:rPr lang="en-US" altLang="zh-TW" sz="3200" b="1" dirty="0" smtClean="0"/>
-              <a:t>-- CTO</a:t>
-            </a:r>
-          </a:p>
-          <a:p>
-            <a:pPr marL="514350" indent="-514350">
-              <a:buFont typeface="+mj-lt"/>
-              <a:buAutoNum type="arabicPeriod"/>
-            </a:pPr>
-            <a:r>
-              <a:rPr lang="zh-TW" altLang="en-US" sz="3200" b="1" dirty="0" smtClean="0"/>
-              <a:t>現任</a:t>
-            </a:r>
-            <a:r>
-              <a:rPr lang="zh-TW" altLang="en-US" sz="3200" b="1" dirty="0"/>
-              <a:t> </a:t>
+              <a:rPr lang="zh-TW" altLang="en-US" sz="3200" b="1" smtClean="0"/>
+              <a:t>現任 </a:t>
             </a:r>
             <a:r>
               <a:rPr lang="en-US" altLang="zh-TW" sz="3200" b="1" dirty="0" smtClean="0"/>
